--- a/doc/test/AgendaSlidesVisualDefault.pptx
+++ b/doc/test/AgendaSlidesVisualDefault.pptx
@@ -198,7 +198,7 @@
       </p14:sectionLst>
     </p:ext>
     <p:ext uri="{EFAFB233-063F-42B5-8137-9DF3F51BA10A}">
-      <p15:sldGuideLst xmlns="" xmlns:p15="http://schemas.microsoft.com/office/powerpoint/2012/main">
+      <p15:sldGuideLst xmlns:p15="http://schemas.microsoft.com/office/powerpoint/2012/main" xmlns="">
         <p15:guide id="1" orient="horz" pos="2160">
           <p15:clr>
             <a:srgbClr val="A4A3A4"/>
@@ -297,7 +297,7 @@
           <a:p>
             <a:fld id="{C33977A5-270E-4E03-B118-17345E304686}" type="datetimeFigureOut">
               <a:rPr lang="en-US" smtClean="0"/>
-              <a:t>19-Jun-15</a:t>
+              <a:t>25-Jun-15</a:t>
             </a:fld>
             <a:endParaRPr lang="en-US"/>
           </a:p>
@@ -610,10 +610,18 @@
           <a:lstStyle/>
           <a:p>
             <a:r>
-              <a:rPr lang="en-US" smtClean="0"/>
-              <a:t>This notes page is used to store data - Do not edit the notes. UFBUVGVtcGxhdGVNYXJrZXI=@VGl0bGUgMQ==@UHB0TGFic0FnZW5kYV8mXkBWaXN1YWxBZ2VuZGFJbWFnZV8mXkBPbmUgU2xpZGVfMg==@UHB0TGFic0FnZW5kYV8mXkBWaXN1YWxBZ2VuZGFJbWFnZV8mXkBUd28gU2xpZGVzXzM=@UHB0TGFic0FnZW5kYV8mXkBWaXN1YWxBZ2VuZGFJbWFnZV8mXkBTYW1lIE5hbWVfNA==@UHB0TGFic0FnZW5kYV8mXkBWaXN1YWxBZ2VuZGFJbWFnZV8mXkBTYW1lIE5hbWVfNQ==@UHB0TGFic0FnZW5kYV8mXkBWaXN1YWxBZ2VuZGFJbWFnZV8mXkDjgYLjgYTjgYbjgYjjgYprbCkoKiYlJCNAODV2XyspMF9AIyVMOkNGXTFfNg==@-1924332776</a:t>
-            </a:r>
-            <a:endParaRPr lang="en-US"/>
+              <a:rPr lang="en-US" dirty="0" smtClean="0"/>
+              <a:t>This notes page is used to store data - Do not edit the notes. </a:t>
+            </a:r>
+            <a:r>
+              <a:rPr lang="en-US" dirty="0" err="1" smtClean="0"/>
+              <a:t>UFBUVGVtcGxhdGVNYXJrZXI</a:t>
+            </a:r>
+            <a:r>
+              <a:rPr lang="en-US" smtClean="0"/>
+              <a:t>=@VGl0bGUgMQ==@UHB0TGFic0FnZW5kYV8mXkBWaXN1YWxBZ2VuZGFJbWFnZV8mXkBPbmUgU2xpZGVfMg==@UHB0TGFic0FnZW5kYV8mXkBWaXN1YWxBZ2VuZGFJbWFnZV8mXkBUd28gU2xpZGVzXzM=@UHB0TGFic0FnZW5kYV8mXkBWaXN1YWxBZ2VuZGFJbWFnZV8mXkBTYW1lIE5hbWVfNA==@UHB0TGFic0FnZW5kYV8mXkBWaXN1YWxBZ2VuZGFJbWFnZV8mXkBTYW1lIE5hbWVfNQ==@UHB0TGFic0FnZW5kYV8mXkBWaXN1YWxBZ2VuZGFJbWFnZV8mXkDjgYLjgYTjgYbjgYjjgYprbCkoKiYlJCNAODV2XyspMF9AIyVMOkNGXTFfNg==@2871121657</a:t>
+            </a:r>
+            <a:endParaRPr lang="en-US" dirty="0"/>
           </a:p>
         </p:txBody>
       </p:sp>
@@ -834,7 +842,7 @@
           <a:p>
             <a:fld id="{699DC775-C286-4358-8C92-D7E584E969B3}" type="datetimeFigureOut">
               <a:rPr lang="en-US" smtClean="0"/>
-              <a:t>19-Jun-15</a:t>
+              <a:t>25-Jun-15</a:t>
             </a:fld>
             <a:endParaRPr lang="en-US"/>
           </a:p>
@@ -1004,7 +1012,7 @@
           <a:p>
             <a:fld id="{699DC775-C286-4358-8C92-D7E584E969B3}" type="datetimeFigureOut">
               <a:rPr lang="en-US" smtClean="0"/>
-              <a:t>19-Jun-15</a:t>
+              <a:t>25-Jun-15</a:t>
             </a:fld>
             <a:endParaRPr lang="en-US"/>
           </a:p>
@@ -1184,7 +1192,7 @@
           <a:p>
             <a:fld id="{699DC775-C286-4358-8C92-D7E584E969B3}" type="datetimeFigureOut">
               <a:rPr lang="en-US" smtClean="0"/>
-              <a:t>19-Jun-15</a:t>
+              <a:t>25-Jun-15</a:t>
             </a:fld>
             <a:endParaRPr lang="en-US"/>
           </a:p>
@@ -1354,7 +1362,7 @@
           <a:p>
             <a:fld id="{699DC775-C286-4358-8C92-D7E584E969B3}" type="datetimeFigureOut">
               <a:rPr lang="en-US" smtClean="0"/>
-              <a:t>19-Jun-15</a:t>
+              <a:t>25-Jun-15</a:t>
             </a:fld>
             <a:endParaRPr lang="en-US"/>
           </a:p>
@@ -1596,7 +1604,7 @@
           <a:p>
             <a:fld id="{699DC775-C286-4358-8C92-D7E584E969B3}" type="datetimeFigureOut">
               <a:rPr lang="en-US" smtClean="0"/>
-              <a:t>19-Jun-15</a:t>
+              <a:t>25-Jun-15</a:t>
             </a:fld>
             <a:endParaRPr lang="en-US"/>
           </a:p>
@@ -1766,7 +1774,7 @@
           <a:p>
             <a:fld id="{699DC775-C286-4358-8C92-D7E584E969B3}" type="datetimeFigureOut">
               <a:rPr lang="en-US" smtClean="0"/>
-              <a:t>19-Jun-15</a:t>
+              <a:t>25-Jun-15</a:t>
             </a:fld>
             <a:endParaRPr lang="en-US"/>
           </a:p>
@@ -2012,7 +2020,7 @@
           <a:p>
             <a:fld id="{699DC775-C286-4358-8C92-D7E584E969B3}" type="datetimeFigureOut">
               <a:rPr lang="en-US" smtClean="0"/>
-              <a:t>19-Jun-15</a:t>
+              <a:t>25-Jun-15</a:t>
             </a:fld>
             <a:endParaRPr lang="en-US"/>
           </a:p>
@@ -2300,7 +2308,7 @@
           <a:p>
             <a:fld id="{699DC775-C286-4358-8C92-D7E584E969B3}" type="datetimeFigureOut">
               <a:rPr lang="en-US" smtClean="0"/>
-              <a:t>19-Jun-15</a:t>
+              <a:t>25-Jun-15</a:t>
             </a:fld>
             <a:endParaRPr lang="en-US"/>
           </a:p>
@@ -2722,7 +2730,7 @@
           <a:p>
             <a:fld id="{699DC775-C286-4358-8C92-D7E584E969B3}" type="datetimeFigureOut">
               <a:rPr lang="en-US" smtClean="0"/>
-              <a:t>19-Jun-15</a:t>
+              <a:t>25-Jun-15</a:t>
             </a:fld>
             <a:endParaRPr lang="en-US"/>
           </a:p>
@@ -2840,7 +2848,7 @@
           <a:p>
             <a:fld id="{699DC775-C286-4358-8C92-D7E584E969B3}" type="datetimeFigureOut">
               <a:rPr lang="en-US" smtClean="0"/>
-              <a:t>19-Jun-15</a:t>
+              <a:t>25-Jun-15</a:t>
             </a:fld>
             <a:endParaRPr lang="en-US"/>
           </a:p>
@@ -2935,7 +2943,7 @@
           <a:p>
             <a:fld id="{699DC775-C286-4358-8C92-D7E584E969B3}" type="datetimeFigureOut">
               <a:rPr lang="en-US" smtClean="0"/>
-              <a:t>19-Jun-15</a:t>
+              <a:t>25-Jun-15</a:t>
             </a:fld>
             <a:endParaRPr lang="en-US"/>
           </a:p>
@@ -3105,7 +3113,7 @@
           <a:p>
             <a:fld id="{699DC775-C286-4358-8C92-D7E584E969B3}" type="datetimeFigureOut">
               <a:rPr lang="en-US" smtClean="0"/>
-              <a:t>19-Jun-15</a:t>
+              <a:t>25-Jun-15</a:t>
             </a:fld>
             <a:endParaRPr lang="en-US"/>
           </a:p>
@@ -3382,7 +3390,7 @@
           <a:p>
             <a:fld id="{699DC775-C286-4358-8C92-D7E584E969B3}" type="datetimeFigureOut">
               <a:rPr lang="en-US" smtClean="0"/>
-              <a:t>19-Jun-15</a:t>
+              <a:t>25-Jun-15</a:t>
             </a:fld>
             <a:endParaRPr lang="en-US"/>
           </a:p>
@@ -3635,7 +3643,7 @@
           <a:p>
             <a:fld id="{699DC775-C286-4358-8C92-D7E584E969B3}" type="datetimeFigureOut">
               <a:rPr lang="en-US" smtClean="0"/>
-              <a:t>19-Jun-15</a:t>
+              <a:t>25-Jun-15</a:t>
             </a:fld>
             <a:endParaRPr lang="en-US"/>
           </a:p>
@@ -3805,7 +3813,7 @@
           <a:p>
             <a:fld id="{699DC775-C286-4358-8C92-D7E584E969B3}" type="datetimeFigureOut">
               <a:rPr lang="en-US" smtClean="0"/>
-              <a:t>19-Jun-15</a:t>
+              <a:t>25-Jun-15</a:t>
             </a:fld>
             <a:endParaRPr lang="en-US"/>
           </a:p>
@@ -3985,7 +3993,7 @@
           <a:p>
             <a:fld id="{699DC775-C286-4358-8C92-D7E584E969B3}" type="datetimeFigureOut">
               <a:rPr lang="en-US" smtClean="0"/>
-              <a:t>19-Jun-15</a:t>
+              <a:t>25-Jun-15</a:t>
             </a:fld>
             <a:endParaRPr lang="en-US"/>
           </a:p>
@@ -4155,7 +4163,7 @@
           <a:p>
             <a:fld id="{699DC775-C286-4358-8C92-D7E584E969B3}" type="datetimeFigureOut">
               <a:rPr lang="en-US" smtClean="0"/>
-              <a:t>19-Jun-15</a:t>
+              <a:t>25-Jun-15</a:t>
             </a:fld>
             <a:endParaRPr lang="en-US"/>
           </a:p>
@@ -4405,7 +4413,7 @@
           <a:p>
             <a:fld id="{699DC775-C286-4358-8C92-D7E584E969B3}" type="datetimeFigureOut">
               <a:rPr lang="en-US" smtClean="0"/>
-              <a:t>19-Jun-15</a:t>
+              <a:t>25-Jun-15</a:t>
             </a:fld>
             <a:endParaRPr lang="en-US"/>
           </a:p>
@@ -4583,7 +4591,7 @@
           <a:p>
             <a:fld id="{699DC775-C286-4358-8C92-D7E584E969B3}" type="datetimeFigureOut">
               <a:rPr lang="en-US" smtClean="0"/>
-              <a:t>19-Jun-15</a:t>
+              <a:t>25-Jun-15</a:t>
             </a:fld>
             <a:endParaRPr lang="en-US"/>
           </a:p>
@@ -4837,7 +4845,7 @@
           <a:p>
             <a:fld id="{699DC775-C286-4358-8C92-D7E584E969B3}" type="datetimeFigureOut">
               <a:rPr lang="en-US" smtClean="0"/>
-              <a:t>19-Jun-15</a:t>
+              <a:t>25-Jun-15</a:t>
             </a:fld>
             <a:endParaRPr lang="en-US"/>
           </a:p>
@@ -5133,7 +5141,7 @@
           <a:p>
             <a:fld id="{699DC775-C286-4358-8C92-D7E584E969B3}" type="datetimeFigureOut">
               <a:rPr lang="en-US" smtClean="0"/>
-              <a:t>19-Jun-15</a:t>
+              <a:t>25-Jun-15</a:t>
             </a:fld>
             <a:endParaRPr lang="en-US"/>
           </a:p>
@@ -5563,7 +5571,7 @@
           <a:p>
             <a:fld id="{699DC775-C286-4358-8C92-D7E584E969B3}" type="datetimeFigureOut">
               <a:rPr lang="en-US" smtClean="0"/>
-              <a:t>19-Jun-15</a:t>
+              <a:t>25-Jun-15</a:t>
             </a:fld>
             <a:endParaRPr lang="en-US"/>
           </a:p>
@@ -5809,7 +5817,7 @@
           <a:p>
             <a:fld id="{699DC775-C286-4358-8C92-D7E584E969B3}" type="datetimeFigureOut">
               <a:rPr lang="en-US" smtClean="0"/>
-              <a:t>19-Jun-15</a:t>
+              <a:t>25-Jun-15</a:t>
             </a:fld>
             <a:endParaRPr lang="en-US"/>
           </a:p>
@@ -5935,7 +5943,7 @@
           <a:p>
             <a:fld id="{699DC775-C286-4358-8C92-D7E584E969B3}" type="datetimeFigureOut">
               <a:rPr lang="en-US" smtClean="0"/>
-              <a:t>19-Jun-15</a:t>
+              <a:t>25-Jun-15</a:t>
             </a:fld>
             <a:endParaRPr lang="en-US"/>
           </a:p>
@@ -6038,7 +6046,7 @@
           <a:p>
             <a:fld id="{699DC775-C286-4358-8C92-D7E584E969B3}" type="datetimeFigureOut">
               <a:rPr lang="en-US" smtClean="0"/>
-              <a:t>19-Jun-15</a:t>
+              <a:t>25-Jun-15</a:t>
             </a:fld>
             <a:endParaRPr lang="en-US"/>
           </a:p>
@@ -6323,7 +6331,7 @@
           <a:p>
             <a:fld id="{699DC775-C286-4358-8C92-D7E584E969B3}" type="datetimeFigureOut">
               <a:rPr lang="en-US" smtClean="0"/>
-              <a:t>19-Jun-15</a:t>
+              <a:t>25-Jun-15</a:t>
             </a:fld>
             <a:endParaRPr lang="en-US"/>
           </a:p>
@@ -6584,7 +6592,7 @@
           <a:p>
             <a:fld id="{699DC775-C286-4358-8C92-D7E584E969B3}" type="datetimeFigureOut">
               <a:rPr lang="en-US" smtClean="0"/>
-              <a:t>19-Jun-15</a:t>
+              <a:t>25-Jun-15</a:t>
             </a:fld>
             <a:endParaRPr lang="en-US"/>
           </a:p>
@@ -6762,7 +6770,7 @@
           <a:p>
             <a:fld id="{699DC775-C286-4358-8C92-D7E584E969B3}" type="datetimeFigureOut">
               <a:rPr lang="en-US" smtClean="0"/>
-              <a:t>19-Jun-15</a:t>
+              <a:t>25-Jun-15</a:t>
             </a:fld>
             <a:endParaRPr lang="en-US"/>
           </a:p>
@@ -6950,7 +6958,7 @@
           <a:p>
             <a:fld id="{699DC775-C286-4358-8C92-D7E584E969B3}" type="datetimeFigureOut">
               <a:rPr lang="en-US" smtClean="0"/>
-              <a:t>19-Jun-15</a:t>
+              <a:t>25-Jun-15</a:t>
             </a:fld>
             <a:endParaRPr lang="en-US"/>
           </a:p>
@@ -7120,7 +7128,7 @@
           <a:p>
             <a:fld id="{699DC775-C286-4358-8C92-D7E584E969B3}" type="datetimeFigureOut">
               <a:rPr lang="en-US" smtClean="0"/>
-              <a:t>19-Jun-15</a:t>
+              <a:t>25-Jun-15</a:t>
             </a:fld>
             <a:endParaRPr lang="en-US"/>
           </a:p>
@@ -7408,7 +7416,7 @@
           <a:p>
             <a:fld id="{699DC775-C286-4358-8C92-D7E584E969B3}" type="datetimeFigureOut">
               <a:rPr lang="en-US" smtClean="0"/>
-              <a:t>19-Jun-15</a:t>
+              <a:t>25-Jun-15</a:t>
             </a:fld>
             <a:endParaRPr lang="en-US"/>
           </a:p>
@@ -7830,7 +7838,7 @@
           <a:p>
             <a:fld id="{699DC775-C286-4358-8C92-D7E584E969B3}" type="datetimeFigureOut">
               <a:rPr lang="en-US" smtClean="0"/>
-              <a:t>19-Jun-15</a:t>
+              <a:t>25-Jun-15</a:t>
             </a:fld>
             <a:endParaRPr lang="en-US"/>
           </a:p>
@@ -7948,7 +7956,7 @@
           <a:p>
             <a:fld id="{699DC775-C286-4358-8C92-D7E584E969B3}" type="datetimeFigureOut">
               <a:rPr lang="en-US" smtClean="0"/>
-              <a:t>19-Jun-15</a:t>
+              <a:t>25-Jun-15</a:t>
             </a:fld>
             <a:endParaRPr lang="en-US"/>
           </a:p>
@@ -8043,7 +8051,7 @@
           <a:p>
             <a:fld id="{699DC775-C286-4358-8C92-D7E584E969B3}" type="datetimeFigureOut">
               <a:rPr lang="en-US" smtClean="0"/>
-              <a:t>19-Jun-15</a:t>
+              <a:t>25-Jun-15</a:t>
             </a:fld>
             <a:endParaRPr lang="en-US"/>
           </a:p>
@@ -8320,7 +8328,7 @@
           <a:p>
             <a:fld id="{699DC775-C286-4358-8C92-D7E584E969B3}" type="datetimeFigureOut">
               <a:rPr lang="en-US" smtClean="0"/>
-              <a:t>19-Jun-15</a:t>
+              <a:t>25-Jun-15</a:t>
             </a:fld>
             <a:endParaRPr lang="en-US"/>
           </a:p>
@@ -8573,7 +8581,7 @@
           <a:p>
             <a:fld id="{699DC775-C286-4358-8C92-D7E584E969B3}" type="datetimeFigureOut">
               <a:rPr lang="en-US" smtClean="0"/>
-              <a:t>19-Jun-15</a:t>
+              <a:t>25-Jun-15</a:t>
             </a:fld>
             <a:endParaRPr lang="en-US"/>
           </a:p>
@@ -8786,7 +8794,7 @@
           <a:p>
             <a:fld id="{699DC775-C286-4358-8C92-D7E584E969B3}" type="datetimeFigureOut">
               <a:rPr lang="en-US" smtClean="0"/>
-              <a:t>19-Jun-15</a:t>
+              <a:t>25-Jun-15</a:t>
             </a:fld>
             <a:endParaRPr lang="en-US"/>
           </a:p>
@@ -9302,7 +9310,7 @@
           <a:p>
             <a:fld id="{699DC775-C286-4358-8C92-D7E584E969B3}" type="datetimeFigureOut">
               <a:rPr lang="en-US" smtClean="0"/>
-              <a:t>19-Jun-15</a:t>
+              <a:t>25-Jun-15</a:t>
             </a:fld>
             <a:endParaRPr lang="en-US"/>
           </a:p>
@@ -9816,7 +9824,7 @@
           <a:p>
             <a:fld id="{699DC775-C286-4358-8C92-D7E584E969B3}" type="datetimeFigureOut">
               <a:rPr lang="en-US" smtClean="0"/>
-              <a:t>19-Jun-15</a:t>
+              <a:t>25-Jun-15</a:t>
             </a:fld>
             <a:endParaRPr lang="en-US"/>
           </a:p>
@@ -10597,11 +10605,11 @@
   <p:clrMapOvr>
     <a:masterClrMapping/>
   </p:clrMapOvr>
-  <mc:AlternateContent xmlns:mc="http://schemas.openxmlformats.org/markup-compatibility/2006">
-    <mc:Choice xmlns:p14="http://schemas.microsoft.com/office/powerpoint/2010/main" Requires="p14">
+  <mc:AlternateContent xmlns:mc="http://schemas.openxmlformats.org/markup-compatibility/2006" xmlns:p14="http://schemas.microsoft.com/office/powerpoint/2010/main">
+    <mc:Choice Requires="p14">
       <p:transition spd="slow" p14:dur="2000"/>
     </mc:Choice>
-    <mc:Fallback>
+    <mc:Fallback xmlns="">
       <p:transition spd="slow"/>
     </mc:Fallback>
   </mc:AlternateContent>
@@ -11003,11 +11011,11 @@
   <p:clrMapOvr>
     <a:masterClrMapping/>
   </p:clrMapOvr>
-  <mc:AlternateContent xmlns:mc="http://schemas.openxmlformats.org/markup-compatibility/2006">
-    <mc:Choice xmlns:p14="http://schemas.microsoft.com/office/powerpoint/2010/main" Requires="p14">
+  <mc:AlternateContent xmlns:mc="http://schemas.openxmlformats.org/markup-compatibility/2006" xmlns:p14="http://schemas.microsoft.com/office/powerpoint/2010/main">
+    <mc:Choice Requires="p14">
       <p:transition spd="slow" p14:dur="2000" advClick="0" advTm="0"/>
     </mc:Choice>
-    <mc:Fallback>
+    <mc:Fallback xmlns="">
       <p:transition spd="slow" advClick="0" advTm="0"/>
     </mc:Fallback>
   </mc:AlternateContent>
@@ -11695,13 +11703,13 @@
   <p:clrMapOvr>
     <a:masterClrMapping/>
   </p:clrMapOvr>
-  <mc:AlternateContent xmlns:mc="http://schemas.openxmlformats.org/markup-compatibility/2006">
-    <mc:Choice xmlns:p14="http://schemas.microsoft.com/office/powerpoint/2010/main" Requires="p14">
+  <mc:AlternateContent xmlns:mc="http://schemas.openxmlformats.org/markup-compatibility/2006" xmlns:p14="http://schemas.microsoft.com/office/powerpoint/2010/main">
+    <mc:Choice Requires="p14">
       <p:transition p14:dur="250">
         <p:fade/>
       </p:transition>
     </mc:Choice>
-    <mc:Fallback>
+    <mc:Fallback xmlns="">
       <p:transition>
         <p:fade/>
       </p:transition>
@@ -12064,11 +12072,11 @@
   <p:clrMapOvr>
     <a:masterClrMapping/>
   </p:clrMapOvr>
-  <mc:AlternateContent xmlns:mc="http://schemas.openxmlformats.org/markup-compatibility/2006">
-    <mc:Choice xmlns:p14="http://schemas.microsoft.com/office/powerpoint/2010/main" Requires="p14">
+  <mc:AlternateContent xmlns:mc="http://schemas.openxmlformats.org/markup-compatibility/2006" xmlns:p14="http://schemas.microsoft.com/office/powerpoint/2010/main">
+    <mc:Choice Requires="p14">
       <p:transition p14:dur="250" advClick="0" advTm="0"/>
     </mc:Choice>
-    <mc:Fallback>
+    <mc:Fallback xmlns="">
       <p:transition advClick="0" advTm="0"/>
     </mc:Fallback>
   </mc:AlternateContent>
@@ -12503,13 +12511,13 @@
   <p:clrMapOvr>
     <a:masterClrMapping/>
   </p:clrMapOvr>
-  <mc:AlternateContent xmlns:mc="http://schemas.openxmlformats.org/markup-compatibility/2006">
-    <mc:Choice xmlns:p14="http://schemas.microsoft.com/office/powerpoint/2010/main" Requires="p14">
+  <mc:AlternateContent xmlns:mc="http://schemas.openxmlformats.org/markup-compatibility/2006" xmlns:p14="http://schemas.microsoft.com/office/powerpoint/2010/main">
+    <mc:Choice Requires="p14">
       <p:transition p14:dur="250">
         <p:fade/>
       </p:transition>
     </mc:Choice>
-    <mc:Fallback>
+    <mc:Fallback xmlns="">
       <p:transition>
         <p:fade/>
       </p:transition>
@@ -12811,11 +12819,11 @@
   <p:clrMapOvr>
     <a:masterClrMapping/>
   </p:clrMapOvr>
-  <mc:AlternateContent xmlns:mc="http://schemas.openxmlformats.org/markup-compatibility/2006">
-    <mc:Choice xmlns:p14="http://schemas.microsoft.com/office/powerpoint/2010/main" Requires="p14">
+  <mc:AlternateContent xmlns:mc="http://schemas.openxmlformats.org/markup-compatibility/2006" xmlns:p14="http://schemas.microsoft.com/office/powerpoint/2010/main">
+    <mc:Choice Requires="p14">
       <p:transition spd="slow" p14:dur="2000" advClick="0" advTm="0"/>
     </mc:Choice>
-    <mc:Fallback>
+    <mc:Fallback xmlns="">
       <p:transition spd="slow" advClick="0" advTm="0"/>
     </mc:Fallback>
   </mc:AlternateContent>
@@ -13503,13 +13511,13 @@
   <p:clrMapOvr>
     <a:masterClrMapping/>
   </p:clrMapOvr>
-  <mc:AlternateContent xmlns:mc="http://schemas.openxmlformats.org/markup-compatibility/2006">
-    <mc:Choice xmlns:p14="http://schemas.microsoft.com/office/powerpoint/2010/main" Requires="p14">
+  <mc:AlternateContent xmlns:mc="http://schemas.openxmlformats.org/markup-compatibility/2006" xmlns:p14="http://schemas.microsoft.com/office/powerpoint/2010/main">
+    <mc:Choice Requires="p14">
       <p:transition p14:dur="250">
         <p:fade/>
       </p:transition>
     </mc:Choice>
-    <mc:Fallback>
+    <mc:Fallback xmlns="">
       <p:transition>
         <p:fade/>
       </p:transition>
@@ -13872,11 +13880,11 @@
   <p:clrMapOvr>
     <a:masterClrMapping/>
   </p:clrMapOvr>
-  <mc:AlternateContent xmlns:mc="http://schemas.openxmlformats.org/markup-compatibility/2006">
-    <mc:Choice xmlns:p14="http://schemas.microsoft.com/office/powerpoint/2010/main" Requires="p14">
+  <mc:AlternateContent xmlns:mc="http://schemas.openxmlformats.org/markup-compatibility/2006" xmlns:p14="http://schemas.microsoft.com/office/powerpoint/2010/main">
+    <mc:Choice Requires="p14">
       <p:transition p14:dur="250" advClick="0" advTm="0"/>
     </mc:Choice>
-    <mc:Fallback>
+    <mc:Fallback xmlns="">
       <p:transition advClick="0" advTm="0"/>
     </mc:Fallback>
   </mc:AlternateContent>
@@ -14227,13 +14235,13 @@
   <p:clrMapOvr>
     <a:masterClrMapping/>
   </p:clrMapOvr>
-  <mc:AlternateContent xmlns:mc="http://schemas.openxmlformats.org/markup-compatibility/2006">
-    <mc:Choice xmlns:p14="http://schemas.microsoft.com/office/powerpoint/2010/main" Requires="p14">
+  <mc:AlternateContent xmlns:mc="http://schemas.openxmlformats.org/markup-compatibility/2006" xmlns:p14="http://schemas.microsoft.com/office/powerpoint/2010/main">
+    <mc:Choice Requires="p14">
       <p:transition p14:dur="250">
         <p:fade/>
       </p:transition>
     </mc:Choice>
-    <mc:Fallback>
+    <mc:Fallback xmlns="">
       <p:transition>
         <p:fade/>
       </p:transition>
@@ -14897,11 +14905,11 @@
   <p:clrMapOvr>
     <a:masterClrMapping/>
   </p:clrMapOvr>
-  <mc:AlternateContent xmlns:mc="http://schemas.openxmlformats.org/markup-compatibility/2006">
-    <mc:Choice xmlns:p14="http://schemas.microsoft.com/office/powerpoint/2010/main" Requires="p14">
+  <mc:AlternateContent xmlns:mc="http://schemas.openxmlformats.org/markup-compatibility/2006" xmlns:p14="http://schemas.microsoft.com/office/powerpoint/2010/main">
+    <mc:Choice Requires="p14">
       <p:transition spd="slow" p14:dur="2000" advClick="0" advTm="0"/>
     </mc:Choice>
-    <mc:Fallback>
+    <mc:Fallback xmlns="">
       <p:transition spd="slow" advClick="0" advTm="0"/>
     </mc:Fallback>
   </mc:AlternateContent>
@@ -15589,13 +15597,13 @@
   <p:clrMapOvr>
     <a:masterClrMapping/>
   </p:clrMapOvr>
-  <mc:AlternateContent xmlns:mc="http://schemas.openxmlformats.org/markup-compatibility/2006">
-    <mc:Choice xmlns:p14="http://schemas.microsoft.com/office/powerpoint/2010/main" Requires="p14">
+  <mc:AlternateContent xmlns:mc="http://schemas.openxmlformats.org/markup-compatibility/2006" xmlns:p14="http://schemas.microsoft.com/office/powerpoint/2010/main">
+    <mc:Choice Requires="p14">
       <p:transition p14:dur="250">
         <p:fade/>
       </p:transition>
     </mc:Choice>
-    <mc:Fallback>
+    <mc:Fallback xmlns="">
       <p:transition>
         <p:fade/>
       </p:transition>
@@ -15958,11 +15966,11 @@
   <p:clrMapOvr>
     <a:masterClrMapping/>
   </p:clrMapOvr>
-  <mc:AlternateContent xmlns:mc="http://schemas.openxmlformats.org/markup-compatibility/2006">
-    <mc:Choice xmlns:p14="http://schemas.microsoft.com/office/powerpoint/2010/main" Requires="p14">
+  <mc:AlternateContent xmlns:mc="http://schemas.openxmlformats.org/markup-compatibility/2006" xmlns:p14="http://schemas.microsoft.com/office/powerpoint/2010/main">
+    <mc:Choice Requires="p14">
       <p:transition p14:dur="250" advClick="0" advTm="0"/>
     </mc:Choice>
-    <mc:Fallback>
+    <mc:Fallback xmlns="">
       <p:transition advClick="0" advTm="0"/>
     </mc:Fallback>
   </mc:AlternateContent>
@@ -16261,13 +16269,13 @@
   <p:clrMapOvr>
     <a:masterClrMapping/>
   </p:clrMapOvr>
-  <mc:AlternateContent xmlns:mc="http://schemas.openxmlformats.org/markup-compatibility/2006">
-    <mc:Choice xmlns:p14="http://schemas.microsoft.com/office/powerpoint/2010/main" Requires="p14">
+  <mc:AlternateContent xmlns:mc="http://schemas.openxmlformats.org/markup-compatibility/2006" xmlns:p14="http://schemas.microsoft.com/office/powerpoint/2010/main">
+    <mc:Choice Requires="p14">
       <p:transition p14:dur="250">
         <p:fade/>
       </p:transition>
     </mc:Choice>
-    <mc:Fallback>
+    <mc:Fallback xmlns="">
       <p:transition>
         <p:fade/>
       </p:transition>
@@ -16540,11 +16548,11 @@
   <p:clrMapOvr>
     <a:masterClrMapping/>
   </p:clrMapOvr>
-  <mc:AlternateContent xmlns:mc="http://schemas.openxmlformats.org/markup-compatibility/2006">
-    <mc:Choice xmlns:p14="http://schemas.microsoft.com/office/powerpoint/2010/main" Requires="p14">
+  <mc:AlternateContent xmlns:mc="http://schemas.openxmlformats.org/markup-compatibility/2006" xmlns:p14="http://schemas.microsoft.com/office/powerpoint/2010/main">
+    <mc:Choice Requires="p14">
       <p:transition p14:dur="250" advClick="0" advTm="0"/>
     </mc:Choice>
-    <mc:Fallback>
+    <mc:Fallback xmlns="">
       <p:transition advClick="0" advTm="0"/>
     </mc:Fallback>
   </mc:AlternateContent>
@@ -17232,13 +17240,13 @@
   <p:clrMapOvr>
     <a:masterClrMapping/>
   </p:clrMapOvr>
-  <mc:AlternateContent xmlns:mc="http://schemas.openxmlformats.org/markup-compatibility/2006">
-    <mc:Choice xmlns:p14="http://schemas.microsoft.com/office/powerpoint/2010/main" Requires="p14">
+  <mc:AlternateContent xmlns:mc="http://schemas.openxmlformats.org/markup-compatibility/2006" xmlns:p14="http://schemas.microsoft.com/office/powerpoint/2010/main">
+    <mc:Choice Requires="p14">
       <p:transition p14:dur="250">
         <p:fade/>
       </p:transition>
     </mc:Choice>
-    <mc:Fallback>
+    <mc:Fallback xmlns="">
       <p:transition>
         <p:fade/>
       </p:transition>
@@ -17941,11 +17949,11 @@
   <p:clrMapOvr>
     <a:masterClrMapping/>
   </p:clrMapOvr>
-  <mc:AlternateContent xmlns:mc="http://schemas.openxmlformats.org/markup-compatibility/2006">
-    <mc:Choice xmlns:p14="http://schemas.microsoft.com/office/powerpoint/2010/main" Requires="p14">
+  <mc:AlternateContent xmlns:mc="http://schemas.openxmlformats.org/markup-compatibility/2006" xmlns:p14="http://schemas.microsoft.com/office/powerpoint/2010/main">
+    <mc:Choice Requires="p14">
       <p:transition spd="slow" p14:dur="2000"/>
     </mc:Choice>
-    <mc:Fallback>
+    <mc:Fallback xmlns="">
       <p:transition spd="slow"/>
     </mc:Fallback>
   </mc:AlternateContent>
@@ -18201,11 +18209,11 @@
   <p:clrMapOvr>
     <a:masterClrMapping/>
   </p:clrMapOvr>
-  <mc:AlternateContent xmlns:mc="http://schemas.openxmlformats.org/markup-compatibility/2006">
-    <mc:Choice xmlns:p14="http://schemas.microsoft.com/office/powerpoint/2010/main" Requires="p14">
+  <mc:AlternateContent xmlns:mc="http://schemas.openxmlformats.org/markup-compatibility/2006" xmlns:p14="http://schemas.microsoft.com/office/powerpoint/2010/main">
+    <mc:Choice Requires="p14">
       <p:transition spd="slow" p14:dur="2000" advClick="0" advTm="0"/>
     </mc:Choice>
-    <mc:Fallback>
+    <mc:Fallback xmlns="">
       <p:transition spd="slow" advClick="0" advTm="0"/>
     </mc:Fallback>
   </mc:AlternateContent>
@@ -18592,13 +18600,13 @@
   <p:clrMapOvr>
     <a:masterClrMapping/>
   </p:clrMapOvr>
-  <mc:AlternateContent xmlns:mc="http://schemas.openxmlformats.org/markup-compatibility/2006">
-    <mc:Choice xmlns:p14="http://schemas.microsoft.com/office/powerpoint/2010/main" Requires="p14">
+  <mc:AlternateContent xmlns:mc="http://schemas.openxmlformats.org/markup-compatibility/2006" xmlns:p14="http://schemas.microsoft.com/office/powerpoint/2010/main">
+    <mc:Choice Requires="p14">
       <p:transition p14:dur="250">
         <p:fade/>
       </p:transition>
     </mc:Choice>
-    <mc:Fallback>
+    <mc:Fallback xmlns="">
       <p:transition>
         <p:fade/>
       </p:transition>
@@ -18892,11 +18900,11 @@
   <p:clrMapOvr>
     <a:masterClrMapping/>
   </p:clrMapOvr>
-  <mc:AlternateContent xmlns:mc="http://schemas.openxmlformats.org/markup-compatibility/2006">
-    <mc:Choice xmlns:p14="http://schemas.microsoft.com/office/powerpoint/2010/main" Requires="p14">
+  <mc:AlternateContent xmlns:mc="http://schemas.openxmlformats.org/markup-compatibility/2006" xmlns:p14="http://schemas.microsoft.com/office/powerpoint/2010/main">
+    <mc:Choice Requires="p14">
       <p:transition p14:dur="250" advClick="0" advTm="0"/>
     </mc:Choice>
-    <mc:Fallback>
+    <mc:Fallback xmlns="">
       <p:transition advClick="0" advTm="0"/>
     </mc:Fallback>
   </mc:AlternateContent>
@@ -19584,13 +19592,13 @@
   <p:clrMapOvr>
     <a:masterClrMapping/>
   </p:clrMapOvr>
-  <mc:AlternateContent xmlns:mc="http://schemas.openxmlformats.org/markup-compatibility/2006">
-    <mc:Choice xmlns:p14="http://schemas.microsoft.com/office/powerpoint/2010/main" Requires="p14">
+  <mc:AlternateContent xmlns:mc="http://schemas.openxmlformats.org/markup-compatibility/2006" xmlns:p14="http://schemas.microsoft.com/office/powerpoint/2010/main">
+    <mc:Choice Requires="p14">
       <p:transition p14:dur="250">
         <p:fade/>
       </p:transition>
     </mc:Choice>
-    <mc:Fallback>
+    <mc:Fallback xmlns="">
       <p:transition>
         <p:fade/>
       </p:transition>
@@ -19953,11 +19961,11 @@
   <p:clrMapOvr>
     <a:masterClrMapping/>
   </p:clrMapOvr>
-  <mc:AlternateContent xmlns:mc="http://schemas.openxmlformats.org/markup-compatibility/2006">
-    <mc:Choice xmlns:p14="http://schemas.microsoft.com/office/powerpoint/2010/main" Requires="p14">
+  <mc:AlternateContent xmlns:mc="http://schemas.openxmlformats.org/markup-compatibility/2006" xmlns:p14="http://schemas.microsoft.com/office/powerpoint/2010/main">
+    <mc:Choice Requires="p14">
       <p:transition p14:dur="250" advClick="0" advTm="0"/>
     </mc:Choice>
-    <mc:Fallback>
+    <mc:Fallback xmlns="">
       <p:transition advClick="0" advTm="0"/>
     </mc:Fallback>
   </mc:AlternateContent>
@@ -20308,13 +20316,13 @@
   <p:clrMapOvr>
     <a:masterClrMapping/>
   </p:clrMapOvr>
-  <mc:AlternateContent xmlns:mc="http://schemas.openxmlformats.org/markup-compatibility/2006">
-    <mc:Choice xmlns:p14="http://schemas.microsoft.com/office/powerpoint/2010/main" Requires="p14">
+  <mc:AlternateContent xmlns:mc="http://schemas.openxmlformats.org/markup-compatibility/2006" xmlns:p14="http://schemas.microsoft.com/office/powerpoint/2010/main">
+    <mc:Choice Requires="p14">
       <p:transition p14:dur="250">
         <p:fade/>
       </p:transition>
     </mc:Choice>
-    <mc:Fallback>
+    <mc:Fallback xmlns="">
       <p:transition>
         <p:fade/>
       </p:transition>

--- a/doc/test/AgendaSlidesVisualDefault.pptx
+++ b/doc/test/AgendaSlidesVisualDefault.pptx
@@ -39,7 +39,7 @@
     <p:sldId id="314" r:id="rId30"/>
     <p:sldId id="331" r:id="rId31"/>
     <p:sldId id="328" r:id="rId32"/>
-    <p:sldId id="332" r:id="rId33"/>
+    <p:sldId id="335" r:id="rId33"/>
   </p:sldIdLst>
   <p:sldSz cx="9144000" cy="6858000" type="screen4x3"/>
   <p:notesSz cx="6858000" cy="9144000"/>
@@ -192,13 +192,13 @@
             <p14:sldId id="314"/>
             <p14:sldId id="331"/>
             <p14:sldId id="328"/>
-            <p14:sldId id="332"/>
+            <p14:sldId id="335"/>
           </p14:sldIdLst>
         </p14:section>
       </p14:sectionLst>
     </p:ext>
     <p:ext uri="{EFAFB233-063F-42B5-8137-9DF3F51BA10A}">
-      <p15:sldGuideLst xmlns:p15="http://schemas.microsoft.com/office/powerpoint/2012/main" xmlns="">
+      <p15:sldGuideLst xmlns:p15="http://schemas.microsoft.com/office/powerpoint/2012/main">
         <p15:guide id="1" orient="horz" pos="2160">
           <p15:clr>
             <a:srgbClr val="A4A3A4"/>
@@ -297,7 +297,7 @@
           <a:p>
             <a:fld id="{C33977A5-270E-4E03-B118-17345E304686}" type="datetimeFigureOut">
               <a:rPr lang="en-US" smtClean="0"/>
-              <a:t>25-Jun-15</a:t>
+              <a:t>1/23/2017</a:t>
             </a:fld>
             <a:endParaRPr lang="en-US"/>
           </a:p>
@@ -361,38 +361,37 @@
           <a:p>
             <a:pPr lvl="0"/>
             <a:r>
-              <a:rPr lang="en-US" smtClean="0"/>
+              <a:rPr lang="en-US"/>
               <a:t>Click to edit Master text styles</a:t>
             </a:r>
           </a:p>
           <a:p>
             <a:pPr lvl="1"/>
             <a:r>
-              <a:rPr lang="en-US" smtClean="0"/>
+              <a:rPr lang="en-US"/>
               <a:t>Second level</a:t>
             </a:r>
           </a:p>
           <a:p>
             <a:pPr lvl="2"/>
             <a:r>
-              <a:rPr lang="en-US" smtClean="0"/>
+              <a:rPr lang="en-US"/>
               <a:t>Third level</a:t>
             </a:r>
           </a:p>
           <a:p>
             <a:pPr lvl="3"/>
             <a:r>
-              <a:rPr lang="en-US" smtClean="0"/>
+              <a:rPr lang="en-US"/>
               <a:t>Fourth level</a:t>
             </a:r>
           </a:p>
           <a:p>
             <a:pPr lvl="4"/>
             <a:r>
-              <a:rPr lang="en-US" smtClean="0"/>
+              <a:rPr lang="en-US"/>
               <a:t>Fifth level</a:t>
             </a:r>
-            <a:endParaRPr lang="en-US"/>
           </a:p>
         </p:txBody>
       </p:sp>
@@ -610,15 +609,15 @@
           <a:lstStyle/>
           <a:p>
             <a:r>
-              <a:rPr lang="en-US" dirty="0" smtClean="0"/>
+              <a:rPr lang="en-US" dirty="0"/>
               <a:t>This notes page is used to store data - Do not edit the notes. </a:t>
             </a:r>
             <a:r>
-              <a:rPr lang="en-US" dirty="0" err="1" smtClean="0"/>
+              <a:rPr lang="en-US" dirty="0" err="1"/>
               <a:t>UFBUVGVtcGxhdGVNYXJrZXI</a:t>
             </a:r>
             <a:r>
-              <a:rPr lang="en-US" smtClean="0"/>
+              <a:rPr lang="en-US"/>
               <a:t>=@VGl0bGUgMQ==@UHB0TGFic0FnZW5kYV8mXkBWaXN1YWxBZ2VuZGFJbWFnZV8mXkBPbmUgU2xpZGVfMg==@UHB0TGFic0FnZW5kYV8mXkBWaXN1YWxBZ2VuZGFJbWFnZV8mXkBUd28gU2xpZGVzXzM=@UHB0TGFic0FnZW5kYV8mXkBWaXN1YWxBZ2VuZGFJbWFnZV8mXkBTYW1lIE5hbWVfNA==@UHB0TGFic0FnZW5kYV8mXkBWaXN1YWxBZ2VuZGFJbWFnZV8mXkBTYW1lIE5hbWVfNQ==@UHB0TGFic0FnZW5kYV8mXkBWaXN1YWxBZ2VuZGFJbWFnZV8mXkDjgYLjgYTjgYbjgYjjgYprbCkoKiYlJCNAODV2XyspMF9AIyVMOkNGXTFfNg==@2871121657</a:t>
             </a:r>
             <a:endParaRPr lang="en-US" dirty="0"/>
@@ -699,10 +698,9 @@
           <a:lstStyle/>
           <a:p>
             <a:r>
-              <a:rPr lang="en-US" smtClean="0"/>
+              <a:rPr lang="en-US"/>
               <a:t>Click to edit Master title style</a:t>
             </a:r>
-            <a:endParaRPr lang="en-US"/>
           </a:p>
         </p:txBody>
       </p:sp>
@@ -818,10 +816,9 @@
           </a:lstStyle>
           <a:p>
             <a:r>
-              <a:rPr lang="en-US" smtClean="0"/>
+              <a:rPr lang="en-US"/>
               <a:t>Click to edit Master subtitle style</a:t>
             </a:r>
-            <a:endParaRPr lang="en-US"/>
           </a:p>
         </p:txBody>
       </p:sp>
@@ -842,7 +839,7 @@
           <a:p>
             <a:fld id="{699DC775-C286-4358-8C92-D7E584E969B3}" type="datetimeFigureOut">
               <a:rPr lang="en-US" smtClean="0"/>
-              <a:t>25-Jun-15</a:t>
+              <a:t>1/23/2017</a:t>
             </a:fld>
             <a:endParaRPr lang="en-US"/>
           </a:p>
@@ -936,10 +933,9 @@
           <a:lstStyle/>
           <a:p>
             <a:r>
-              <a:rPr lang="en-US" smtClean="0"/>
+              <a:rPr lang="en-US"/>
               <a:t>Click to edit Master title style</a:t>
             </a:r>
-            <a:endParaRPr lang="en-US"/>
           </a:p>
         </p:txBody>
       </p:sp>
@@ -960,38 +956,37 @@
           <a:p>
             <a:pPr lvl="0"/>
             <a:r>
-              <a:rPr lang="en-US" smtClean="0"/>
+              <a:rPr lang="en-US"/>
               <a:t>Click to edit Master text styles</a:t>
             </a:r>
           </a:p>
           <a:p>
             <a:pPr lvl="1"/>
             <a:r>
-              <a:rPr lang="en-US" smtClean="0"/>
+              <a:rPr lang="en-US"/>
               <a:t>Second level</a:t>
             </a:r>
           </a:p>
           <a:p>
             <a:pPr lvl="2"/>
             <a:r>
-              <a:rPr lang="en-US" smtClean="0"/>
+              <a:rPr lang="en-US"/>
               <a:t>Third level</a:t>
             </a:r>
           </a:p>
           <a:p>
             <a:pPr lvl="3"/>
             <a:r>
-              <a:rPr lang="en-US" smtClean="0"/>
+              <a:rPr lang="en-US"/>
               <a:t>Fourth level</a:t>
             </a:r>
           </a:p>
           <a:p>
             <a:pPr lvl="4"/>
             <a:r>
-              <a:rPr lang="en-US" smtClean="0"/>
+              <a:rPr lang="en-US"/>
               <a:t>Fifth level</a:t>
             </a:r>
-            <a:endParaRPr lang="en-US"/>
           </a:p>
         </p:txBody>
       </p:sp>
@@ -1012,7 +1007,7 @@
           <a:p>
             <a:fld id="{699DC775-C286-4358-8C92-D7E584E969B3}" type="datetimeFigureOut">
               <a:rPr lang="en-US" smtClean="0"/>
-              <a:t>25-Jun-15</a:t>
+              <a:t>1/23/2017</a:t>
             </a:fld>
             <a:endParaRPr lang="en-US"/>
           </a:p>
@@ -1111,10 +1106,9 @@
           <a:lstStyle/>
           <a:p>
             <a:r>
-              <a:rPr lang="en-US" smtClean="0"/>
+              <a:rPr lang="en-US"/>
               <a:t>Click to edit Master title style</a:t>
             </a:r>
-            <a:endParaRPr lang="en-US"/>
           </a:p>
         </p:txBody>
       </p:sp>
@@ -1140,38 +1134,37 @@
           <a:p>
             <a:pPr lvl="0"/>
             <a:r>
-              <a:rPr lang="en-US" smtClean="0"/>
+              <a:rPr lang="en-US"/>
               <a:t>Click to edit Master text styles</a:t>
             </a:r>
           </a:p>
           <a:p>
             <a:pPr lvl="1"/>
             <a:r>
-              <a:rPr lang="en-US" smtClean="0"/>
+              <a:rPr lang="en-US"/>
               <a:t>Second level</a:t>
             </a:r>
           </a:p>
           <a:p>
             <a:pPr lvl="2"/>
             <a:r>
-              <a:rPr lang="en-US" smtClean="0"/>
+              <a:rPr lang="en-US"/>
               <a:t>Third level</a:t>
             </a:r>
           </a:p>
           <a:p>
             <a:pPr lvl="3"/>
             <a:r>
-              <a:rPr lang="en-US" smtClean="0"/>
+              <a:rPr lang="en-US"/>
               <a:t>Fourth level</a:t>
             </a:r>
           </a:p>
           <a:p>
             <a:pPr lvl="4"/>
             <a:r>
-              <a:rPr lang="en-US" smtClean="0"/>
+              <a:rPr lang="en-US"/>
               <a:t>Fifth level</a:t>
             </a:r>
-            <a:endParaRPr lang="en-US"/>
           </a:p>
         </p:txBody>
       </p:sp>
@@ -1192,7 +1185,7 @@
           <a:p>
             <a:fld id="{699DC775-C286-4358-8C92-D7E584E969B3}" type="datetimeFigureOut">
               <a:rPr lang="en-US" smtClean="0"/>
-              <a:t>25-Jun-15</a:t>
+              <a:t>1/23/2017</a:t>
             </a:fld>
             <a:endParaRPr lang="en-US"/>
           </a:p>
@@ -1286,10 +1279,9 @@
           <a:lstStyle/>
           <a:p>
             <a:r>
-              <a:rPr lang="en-US" smtClean="0"/>
+              <a:rPr lang="en-US"/>
               <a:t>Click to edit Master title style</a:t>
             </a:r>
-            <a:endParaRPr lang="en-US"/>
           </a:p>
         </p:txBody>
       </p:sp>
@@ -1310,38 +1302,37 @@
           <a:p>
             <a:pPr lvl="0"/>
             <a:r>
-              <a:rPr lang="en-US" smtClean="0"/>
+              <a:rPr lang="en-US"/>
               <a:t>Click to edit Master text styles</a:t>
             </a:r>
           </a:p>
           <a:p>
             <a:pPr lvl="1"/>
             <a:r>
-              <a:rPr lang="en-US" smtClean="0"/>
+              <a:rPr lang="en-US"/>
               <a:t>Second level</a:t>
             </a:r>
           </a:p>
           <a:p>
             <a:pPr lvl="2"/>
             <a:r>
-              <a:rPr lang="en-US" smtClean="0"/>
+              <a:rPr lang="en-US"/>
               <a:t>Third level</a:t>
             </a:r>
           </a:p>
           <a:p>
             <a:pPr lvl="3"/>
             <a:r>
-              <a:rPr lang="en-US" smtClean="0"/>
+              <a:rPr lang="en-US"/>
               <a:t>Fourth level</a:t>
             </a:r>
           </a:p>
           <a:p>
             <a:pPr lvl="4"/>
             <a:r>
-              <a:rPr lang="en-US" smtClean="0"/>
+              <a:rPr lang="en-US"/>
               <a:t>Fifth level</a:t>
             </a:r>
-            <a:endParaRPr lang="en-US"/>
           </a:p>
         </p:txBody>
       </p:sp>
@@ -1362,7 +1353,7 @@
           <a:p>
             <a:fld id="{699DC775-C286-4358-8C92-D7E584E969B3}" type="datetimeFigureOut">
               <a:rPr lang="en-US" smtClean="0"/>
-              <a:t>25-Jun-15</a:t>
+              <a:t>1/23/2017</a:t>
             </a:fld>
             <a:endParaRPr lang="en-US"/>
           </a:p>
@@ -1461,10 +1452,9 @@
           <a:lstStyle/>
           <a:p>
             <a:r>
-              <a:rPr lang="en-US" smtClean="0"/>
+              <a:rPr lang="en-US"/>
               <a:t>Click to edit Master title style</a:t>
             </a:r>
-            <a:endParaRPr lang="en-US"/>
           </a:p>
         </p:txBody>
       </p:sp>
@@ -1580,10 +1570,9 @@
           </a:lstStyle>
           <a:p>
             <a:r>
-              <a:rPr lang="en-US" smtClean="0"/>
+              <a:rPr lang="en-US"/>
               <a:t>Click to edit Master subtitle style</a:t>
             </a:r>
-            <a:endParaRPr lang="en-US"/>
           </a:p>
         </p:txBody>
       </p:sp>
@@ -1604,7 +1593,7 @@
           <a:p>
             <a:fld id="{699DC775-C286-4358-8C92-D7E584E969B3}" type="datetimeFigureOut">
               <a:rPr lang="en-US" smtClean="0"/>
-              <a:t>25-Jun-15</a:t>
+              <a:t>1/23/2017</a:t>
             </a:fld>
             <a:endParaRPr lang="en-US"/>
           </a:p>
@@ -1698,10 +1687,9 @@
           <a:lstStyle/>
           <a:p>
             <a:r>
-              <a:rPr lang="en-US" smtClean="0"/>
+              <a:rPr lang="en-US"/>
               <a:t>Click to edit Master title style</a:t>
             </a:r>
-            <a:endParaRPr lang="en-US"/>
           </a:p>
         </p:txBody>
       </p:sp>
@@ -1722,38 +1710,37 @@
           <a:p>
             <a:pPr lvl="0"/>
             <a:r>
-              <a:rPr lang="en-US" smtClean="0"/>
+              <a:rPr lang="en-US"/>
               <a:t>Click to edit Master text styles</a:t>
             </a:r>
           </a:p>
           <a:p>
             <a:pPr lvl="1"/>
             <a:r>
-              <a:rPr lang="en-US" smtClean="0"/>
+              <a:rPr lang="en-US"/>
               <a:t>Second level</a:t>
             </a:r>
           </a:p>
           <a:p>
             <a:pPr lvl="2"/>
             <a:r>
-              <a:rPr lang="en-US" smtClean="0"/>
+              <a:rPr lang="en-US"/>
               <a:t>Third level</a:t>
             </a:r>
           </a:p>
           <a:p>
             <a:pPr lvl="3"/>
             <a:r>
-              <a:rPr lang="en-US" smtClean="0"/>
+              <a:rPr lang="en-US"/>
               <a:t>Fourth level</a:t>
             </a:r>
           </a:p>
           <a:p>
             <a:pPr lvl="4"/>
             <a:r>
-              <a:rPr lang="en-US" smtClean="0"/>
+              <a:rPr lang="en-US"/>
               <a:t>Fifth level</a:t>
             </a:r>
-            <a:endParaRPr lang="en-US"/>
           </a:p>
         </p:txBody>
       </p:sp>
@@ -1774,7 +1761,7 @@
           <a:p>
             <a:fld id="{699DC775-C286-4358-8C92-D7E584E969B3}" type="datetimeFigureOut">
               <a:rPr lang="en-US" smtClean="0"/>
-              <a:t>25-Jun-15</a:t>
+              <a:t>1/23/2017</a:t>
             </a:fld>
             <a:endParaRPr lang="en-US"/>
           </a:p>
@@ -1877,10 +1864,9 @@
           </a:lstStyle>
           <a:p>
             <a:r>
-              <a:rPr lang="en-US" smtClean="0"/>
+              <a:rPr lang="en-US"/>
               <a:t>Click to edit Master title style</a:t>
             </a:r>
-            <a:endParaRPr lang="en-US"/>
           </a:p>
         </p:txBody>
       </p:sp>
@@ -1997,7 +1983,7 @@
           <a:p>
             <a:pPr lvl="0"/>
             <a:r>
-              <a:rPr lang="en-US" smtClean="0"/>
+              <a:rPr lang="en-US"/>
               <a:t>Click to edit Master text styles</a:t>
             </a:r>
           </a:p>
@@ -2020,7 +2006,7 @@
           <a:p>
             <a:fld id="{699DC775-C286-4358-8C92-D7E584E969B3}" type="datetimeFigureOut">
               <a:rPr lang="en-US" smtClean="0"/>
-              <a:t>25-Jun-15</a:t>
+              <a:t>1/23/2017</a:t>
             </a:fld>
             <a:endParaRPr lang="en-US"/>
           </a:p>
@@ -2114,10 +2100,9 @@
           <a:lstStyle/>
           <a:p>
             <a:r>
-              <a:rPr lang="en-US" smtClean="0"/>
+              <a:rPr lang="en-US"/>
               <a:t>Click to edit Master title style</a:t>
             </a:r>
-            <a:endParaRPr lang="en-US"/>
           </a:p>
         </p:txBody>
       </p:sp>
@@ -2171,38 +2156,37 @@
           <a:p>
             <a:pPr lvl="0"/>
             <a:r>
-              <a:rPr lang="en-US" smtClean="0"/>
+              <a:rPr lang="en-US"/>
               <a:t>Click to edit Master text styles</a:t>
             </a:r>
           </a:p>
           <a:p>
             <a:pPr lvl="1"/>
             <a:r>
-              <a:rPr lang="en-US" smtClean="0"/>
+              <a:rPr lang="en-US"/>
               <a:t>Second level</a:t>
             </a:r>
           </a:p>
           <a:p>
             <a:pPr lvl="2"/>
             <a:r>
-              <a:rPr lang="en-US" smtClean="0"/>
+              <a:rPr lang="en-US"/>
               <a:t>Third level</a:t>
             </a:r>
           </a:p>
           <a:p>
             <a:pPr lvl="3"/>
             <a:r>
-              <a:rPr lang="en-US" smtClean="0"/>
+              <a:rPr lang="en-US"/>
               <a:t>Fourth level</a:t>
             </a:r>
           </a:p>
           <a:p>
             <a:pPr lvl="4"/>
             <a:r>
-              <a:rPr lang="en-US" smtClean="0"/>
+              <a:rPr lang="en-US"/>
               <a:t>Fifth level</a:t>
             </a:r>
-            <a:endParaRPr lang="en-US"/>
           </a:p>
         </p:txBody>
       </p:sp>
@@ -2256,38 +2240,37 @@
           <a:p>
             <a:pPr lvl="0"/>
             <a:r>
-              <a:rPr lang="en-US" smtClean="0"/>
+              <a:rPr lang="en-US"/>
               <a:t>Click to edit Master text styles</a:t>
             </a:r>
           </a:p>
           <a:p>
             <a:pPr lvl="1"/>
             <a:r>
-              <a:rPr lang="en-US" smtClean="0"/>
+              <a:rPr lang="en-US"/>
               <a:t>Second level</a:t>
             </a:r>
           </a:p>
           <a:p>
             <a:pPr lvl="2"/>
             <a:r>
-              <a:rPr lang="en-US" smtClean="0"/>
+              <a:rPr lang="en-US"/>
               <a:t>Third level</a:t>
             </a:r>
           </a:p>
           <a:p>
             <a:pPr lvl="3"/>
             <a:r>
-              <a:rPr lang="en-US" smtClean="0"/>
+              <a:rPr lang="en-US"/>
               <a:t>Fourth level</a:t>
             </a:r>
           </a:p>
           <a:p>
             <a:pPr lvl="4"/>
             <a:r>
-              <a:rPr lang="en-US" smtClean="0"/>
+              <a:rPr lang="en-US"/>
               <a:t>Fifth level</a:t>
             </a:r>
-            <a:endParaRPr lang="en-US"/>
           </a:p>
         </p:txBody>
       </p:sp>
@@ -2308,7 +2291,7 @@
           <a:p>
             <a:fld id="{699DC775-C286-4358-8C92-D7E584E969B3}" type="datetimeFigureOut">
               <a:rPr lang="en-US" smtClean="0"/>
-              <a:t>25-Jun-15</a:t>
+              <a:t>1/23/2017</a:t>
             </a:fld>
             <a:endParaRPr lang="en-US"/>
           </a:p>
@@ -2406,10 +2389,9 @@
           </a:lstStyle>
           <a:p>
             <a:r>
-              <a:rPr lang="en-US" smtClean="0"/>
+              <a:rPr lang="en-US"/>
               <a:t>Click to edit Master title style</a:t>
             </a:r>
-            <a:endParaRPr lang="en-US"/>
           </a:p>
         </p:txBody>
       </p:sp>
@@ -2472,7 +2454,7 @@
           <a:p>
             <a:pPr lvl="0"/>
             <a:r>
-              <a:rPr lang="en-US" smtClean="0"/>
+              <a:rPr lang="en-US"/>
               <a:t>Click to edit Master text styles</a:t>
             </a:r>
           </a:p>
@@ -2528,38 +2510,37 @@
           <a:p>
             <a:pPr lvl="0"/>
             <a:r>
-              <a:rPr lang="en-US" smtClean="0"/>
+              <a:rPr lang="en-US"/>
               <a:t>Click to edit Master text styles</a:t>
             </a:r>
           </a:p>
           <a:p>
             <a:pPr lvl="1"/>
             <a:r>
-              <a:rPr lang="en-US" smtClean="0"/>
+              <a:rPr lang="en-US"/>
               <a:t>Second level</a:t>
             </a:r>
           </a:p>
           <a:p>
             <a:pPr lvl="2"/>
             <a:r>
-              <a:rPr lang="en-US" smtClean="0"/>
+              <a:rPr lang="en-US"/>
               <a:t>Third level</a:t>
             </a:r>
           </a:p>
           <a:p>
             <a:pPr lvl="3"/>
             <a:r>
-              <a:rPr lang="en-US" smtClean="0"/>
+              <a:rPr lang="en-US"/>
               <a:t>Fourth level</a:t>
             </a:r>
           </a:p>
           <a:p>
             <a:pPr lvl="4"/>
             <a:r>
-              <a:rPr lang="en-US" smtClean="0"/>
+              <a:rPr lang="en-US"/>
               <a:t>Fifth level</a:t>
             </a:r>
-            <a:endParaRPr lang="en-US"/>
           </a:p>
         </p:txBody>
       </p:sp>
@@ -2622,7 +2603,7 @@
           <a:p>
             <a:pPr lvl="0"/>
             <a:r>
-              <a:rPr lang="en-US" smtClean="0"/>
+              <a:rPr lang="en-US"/>
               <a:t>Click to edit Master text styles</a:t>
             </a:r>
           </a:p>
@@ -2678,38 +2659,37 @@
           <a:p>
             <a:pPr lvl="0"/>
             <a:r>
-              <a:rPr lang="en-US" smtClean="0"/>
+              <a:rPr lang="en-US"/>
               <a:t>Click to edit Master text styles</a:t>
             </a:r>
           </a:p>
           <a:p>
             <a:pPr lvl="1"/>
             <a:r>
-              <a:rPr lang="en-US" smtClean="0"/>
+              <a:rPr lang="en-US"/>
               <a:t>Second level</a:t>
             </a:r>
           </a:p>
           <a:p>
             <a:pPr lvl="2"/>
             <a:r>
-              <a:rPr lang="en-US" smtClean="0"/>
+              <a:rPr lang="en-US"/>
               <a:t>Third level</a:t>
             </a:r>
           </a:p>
           <a:p>
             <a:pPr lvl="3"/>
             <a:r>
-              <a:rPr lang="en-US" smtClean="0"/>
+              <a:rPr lang="en-US"/>
               <a:t>Fourth level</a:t>
             </a:r>
           </a:p>
           <a:p>
             <a:pPr lvl="4"/>
             <a:r>
-              <a:rPr lang="en-US" smtClean="0"/>
+              <a:rPr lang="en-US"/>
               <a:t>Fifth level</a:t>
             </a:r>
-            <a:endParaRPr lang="en-US"/>
           </a:p>
         </p:txBody>
       </p:sp>
@@ -2730,7 +2710,7 @@
           <a:p>
             <a:fld id="{699DC775-C286-4358-8C92-D7E584E969B3}" type="datetimeFigureOut">
               <a:rPr lang="en-US" smtClean="0"/>
-              <a:t>25-Jun-15</a:t>
+              <a:t>1/23/2017</a:t>
             </a:fld>
             <a:endParaRPr lang="en-US"/>
           </a:p>
@@ -2824,10 +2804,9 @@
           <a:lstStyle/>
           <a:p>
             <a:r>
-              <a:rPr lang="en-US" smtClean="0"/>
+              <a:rPr lang="en-US"/>
               <a:t>Click to edit Master title style</a:t>
             </a:r>
-            <a:endParaRPr lang="en-US"/>
           </a:p>
         </p:txBody>
       </p:sp>
@@ -2848,7 +2827,7 @@
           <a:p>
             <a:fld id="{699DC775-C286-4358-8C92-D7E584E969B3}" type="datetimeFigureOut">
               <a:rPr lang="en-US" smtClean="0"/>
-              <a:t>25-Jun-15</a:t>
+              <a:t>1/23/2017</a:t>
             </a:fld>
             <a:endParaRPr lang="en-US"/>
           </a:p>
@@ -2943,7 +2922,7 @@
           <a:p>
             <a:fld id="{699DC775-C286-4358-8C92-D7E584E969B3}" type="datetimeFigureOut">
               <a:rPr lang="en-US" smtClean="0"/>
-              <a:t>25-Jun-15</a:t>
+              <a:t>1/23/2017</a:t>
             </a:fld>
             <a:endParaRPr lang="en-US"/>
           </a:p>
@@ -3037,10 +3016,9 @@
           <a:lstStyle/>
           <a:p>
             <a:r>
-              <a:rPr lang="en-US" smtClean="0"/>
+              <a:rPr lang="en-US"/>
               <a:t>Click to edit Master title style</a:t>
             </a:r>
-            <a:endParaRPr lang="en-US"/>
           </a:p>
         </p:txBody>
       </p:sp>
@@ -3061,38 +3039,37 @@
           <a:p>
             <a:pPr lvl="0"/>
             <a:r>
-              <a:rPr lang="en-US" smtClean="0"/>
+              <a:rPr lang="en-US"/>
               <a:t>Click to edit Master text styles</a:t>
             </a:r>
           </a:p>
           <a:p>
             <a:pPr lvl="1"/>
             <a:r>
-              <a:rPr lang="en-US" smtClean="0"/>
+              <a:rPr lang="en-US"/>
               <a:t>Second level</a:t>
             </a:r>
           </a:p>
           <a:p>
             <a:pPr lvl="2"/>
             <a:r>
-              <a:rPr lang="en-US" smtClean="0"/>
+              <a:rPr lang="en-US"/>
               <a:t>Third level</a:t>
             </a:r>
           </a:p>
           <a:p>
             <a:pPr lvl="3"/>
             <a:r>
-              <a:rPr lang="en-US" smtClean="0"/>
+              <a:rPr lang="en-US"/>
               <a:t>Fourth level</a:t>
             </a:r>
           </a:p>
           <a:p>
             <a:pPr lvl="4"/>
             <a:r>
-              <a:rPr lang="en-US" smtClean="0"/>
+              <a:rPr lang="en-US"/>
               <a:t>Fifth level</a:t>
             </a:r>
-            <a:endParaRPr lang="en-US"/>
           </a:p>
         </p:txBody>
       </p:sp>
@@ -3113,7 +3090,7 @@
           <a:p>
             <a:fld id="{699DC775-C286-4358-8C92-D7E584E969B3}" type="datetimeFigureOut">
               <a:rPr lang="en-US" smtClean="0"/>
-              <a:t>25-Jun-15</a:t>
+              <a:t>1/23/2017</a:t>
             </a:fld>
             <a:endParaRPr lang="en-US"/>
           </a:p>
@@ -3216,10 +3193,9 @@
           </a:lstStyle>
           <a:p>
             <a:r>
-              <a:rPr lang="en-US" smtClean="0"/>
+              <a:rPr lang="en-US"/>
               <a:t>Click to edit Master title style</a:t>
             </a:r>
-            <a:endParaRPr lang="en-US"/>
           </a:p>
         </p:txBody>
       </p:sp>
@@ -3273,38 +3249,37 @@
           <a:p>
             <a:pPr lvl="0"/>
             <a:r>
-              <a:rPr lang="en-US" smtClean="0"/>
+              <a:rPr lang="en-US"/>
               <a:t>Click to edit Master text styles</a:t>
             </a:r>
           </a:p>
           <a:p>
             <a:pPr lvl="1"/>
             <a:r>
-              <a:rPr lang="en-US" smtClean="0"/>
+              <a:rPr lang="en-US"/>
               <a:t>Second level</a:t>
             </a:r>
           </a:p>
           <a:p>
             <a:pPr lvl="2"/>
             <a:r>
-              <a:rPr lang="en-US" smtClean="0"/>
+              <a:rPr lang="en-US"/>
               <a:t>Third level</a:t>
             </a:r>
           </a:p>
           <a:p>
             <a:pPr lvl="3"/>
             <a:r>
-              <a:rPr lang="en-US" smtClean="0"/>
+              <a:rPr lang="en-US"/>
               <a:t>Fourth level</a:t>
             </a:r>
           </a:p>
           <a:p>
             <a:pPr lvl="4"/>
             <a:r>
-              <a:rPr lang="en-US" smtClean="0"/>
+              <a:rPr lang="en-US"/>
               <a:t>Fifth level</a:t>
             </a:r>
-            <a:endParaRPr lang="en-US"/>
           </a:p>
         </p:txBody>
       </p:sp>
@@ -3367,7 +3342,7 @@
           <a:p>
             <a:pPr lvl="0"/>
             <a:r>
-              <a:rPr lang="en-US" smtClean="0"/>
+              <a:rPr lang="en-US"/>
               <a:t>Click to edit Master text styles</a:t>
             </a:r>
           </a:p>
@@ -3390,7 +3365,7 @@
           <a:p>
             <a:fld id="{699DC775-C286-4358-8C92-D7E584E969B3}" type="datetimeFigureOut">
               <a:rPr lang="en-US" smtClean="0"/>
-              <a:t>25-Jun-15</a:t>
+              <a:t>1/23/2017</a:t>
             </a:fld>
             <a:endParaRPr lang="en-US"/>
           </a:p>
@@ -3493,10 +3468,9 @@
           </a:lstStyle>
           <a:p>
             <a:r>
-              <a:rPr lang="en-US" smtClean="0"/>
+              <a:rPr lang="en-US"/>
               <a:t>Click to edit Master title style</a:t>
             </a:r>
-            <a:endParaRPr lang="en-US"/>
           </a:p>
         </p:txBody>
       </p:sp>
@@ -3620,7 +3594,7 @@
           <a:p>
             <a:pPr lvl="0"/>
             <a:r>
-              <a:rPr lang="en-US" smtClean="0"/>
+              <a:rPr lang="en-US"/>
               <a:t>Click to edit Master text styles</a:t>
             </a:r>
           </a:p>
@@ -3643,7 +3617,7 @@
           <a:p>
             <a:fld id="{699DC775-C286-4358-8C92-D7E584E969B3}" type="datetimeFigureOut">
               <a:rPr lang="en-US" smtClean="0"/>
-              <a:t>25-Jun-15</a:t>
+              <a:t>1/23/2017</a:t>
             </a:fld>
             <a:endParaRPr lang="en-US"/>
           </a:p>
@@ -3737,10 +3711,9 @@
           <a:lstStyle/>
           <a:p>
             <a:r>
-              <a:rPr lang="en-US" smtClean="0"/>
+              <a:rPr lang="en-US"/>
               <a:t>Click to edit Master title style</a:t>
             </a:r>
-            <a:endParaRPr lang="en-US"/>
           </a:p>
         </p:txBody>
       </p:sp>
@@ -3761,38 +3734,37 @@
           <a:p>
             <a:pPr lvl="0"/>
             <a:r>
-              <a:rPr lang="en-US" smtClean="0"/>
+              <a:rPr lang="en-US"/>
               <a:t>Click to edit Master text styles</a:t>
             </a:r>
           </a:p>
           <a:p>
             <a:pPr lvl="1"/>
             <a:r>
-              <a:rPr lang="en-US" smtClean="0"/>
+              <a:rPr lang="en-US"/>
               <a:t>Second level</a:t>
             </a:r>
           </a:p>
           <a:p>
             <a:pPr lvl="2"/>
             <a:r>
-              <a:rPr lang="en-US" smtClean="0"/>
+              <a:rPr lang="en-US"/>
               <a:t>Third level</a:t>
             </a:r>
           </a:p>
           <a:p>
             <a:pPr lvl="3"/>
             <a:r>
-              <a:rPr lang="en-US" smtClean="0"/>
+              <a:rPr lang="en-US"/>
               <a:t>Fourth level</a:t>
             </a:r>
           </a:p>
           <a:p>
             <a:pPr lvl="4"/>
             <a:r>
-              <a:rPr lang="en-US" smtClean="0"/>
+              <a:rPr lang="en-US"/>
               <a:t>Fifth level</a:t>
             </a:r>
-            <a:endParaRPr lang="en-US"/>
           </a:p>
         </p:txBody>
       </p:sp>
@@ -3813,7 +3785,7 @@
           <a:p>
             <a:fld id="{699DC775-C286-4358-8C92-D7E584E969B3}" type="datetimeFigureOut">
               <a:rPr lang="en-US" smtClean="0"/>
-              <a:t>25-Jun-15</a:t>
+              <a:t>1/23/2017</a:t>
             </a:fld>
             <a:endParaRPr lang="en-US"/>
           </a:p>
@@ -3912,10 +3884,9 @@
           <a:lstStyle/>
           <a:p>
             <a:r>
-              <a:rPr lang="en-US" smtClean="0"/>
+              <a:rPr lang="en-US"/>
               <a:t>Click to edit Master title style</a:t>
             </a:r>
-            <a:endParaRPr lang="en-US"/>
           </a:p>
         </p:txBody>
       </p:sp>
@@ -3941,38 +3912,37 @@
           <a:p>
             <a:pPr lvl="0"/>
             <a:r>
-              <a:rPr lang="en-US" smtClean="0"/>
+              <a:rPr lang="en-US"/>
               <a:t>Click to edit Master text styles</a:t>
             </a:r>
           </a:p>
           <a:p>
             <a:pPr lvl="1"/>
             <a:r>
-              <a:rPr lang="en-US" smtClean="0"/>
+              <a:rPr lang="en-US"/>
               <a:t>Second level</a:t>
             </a:r>
           </a:p>
           <a:p>
             <a:pPr lvl="2"/>
             <a:r>
-              <a:rPr lang="en-US" smtClean="0"/>
+              <a:rPr lang="en-US"/>
               <a:t>Third level</a:t>
             </a:r>
           </a:p>
           <a:p>
             <a:pPr lvl="3"/>
             <a:r>
-              <a:rPr lang="en-US" smtClean="0"/>
+              <a:rPr lang="en-US"/>
               <a:t>Fourth level</a:t>
             </a:r>
           </a:p>
           <a:p>
             <a:pPr lvl="4"/>
             <a:r>
-              <a:rPr lang="en-US" smtClean="0"/>
+              <a:rPr lang="en-US"/>
               <a:t>Fifth level</a:t>
             </a:r>
-            <a:endParaRPr lang="en-US"/>
           </a:p>
         </p:txBody>
       </p:sp>
@@ -3993,7 +3963,7 @@
           <a:p>
             <a:fld id="{699DC775-C286-4358-8C92-D7E584E969B3}" type="datetimeFigureOut">
               <a:rPr lang="en-US" smtClean="0"/>
-              <a:t>25-Jun-15</a:t>
+              <a:t>1/23/2017</a:t>
             </a:fld>
             <a:endParaRPr lang="en-US"/>
           </a:p>
@@ -4087,10 +4057,9 @@
           <a:lstStyle/>
           <a:p>
             <a:r>
-              <a:rPr lang="en-US" smtClean="0"/>
+              <a:rPr lang="en-US"/>
               <a:t>Click to edit Master title style</a:t>
             </a:r>
-            <a:endParaRPr lang="en-US"/>
           </a:p>
         </p:txBody>
       </p:sp>
@@ -4111,38 +4080,37 @@
           <a:p>
             <a:pPr lvl="0"/>
             <a:r>
-              <a:rPr lang="en-US" smtClean="0"/>
+              <a:rPr lang="en-US"/>
               <a:t>Click to edit Master text styles</a:t>
             </a:r>
           </a:p>
           <a:p>
             <a:pPr lvl="1"/>
             <a:r>
-              <a:rPr lang="en-US" smtClean="0"/>
+              <a:rPr lang="en-US"/>
               <a:t>Second level</a:t>
             </a:r>
           </a:p>
           <a:p>
             <a:pPr lvl="2"/>
             <a:r>
-              <a:rPr lang="en-US" smtClean="0"/>
+              <a:rPr lang="en-US"/>
               <a:t>Third level</a:t>
             </a:r>
           </a:p>
           <a:p>
             <a:pPr lvl="3"/>
             <a:r>
-              <a:rPr lang="en-US" smtClean="0"/>
+              <a:rPr lang="en-US"/>
               <a:t>Fourth level</a:t>
             </a:r>
           </a:p>
           <a:p>
             <a:pPr lvl="4"/>
             <a:r>
-              <a:rPr lang="en-US" smtClean="0"/>
+              <a:rPr lang="en-US"/>
               <a:t>Fifth level</a:t>
             </a:r>
-            <a:endParaRPr lang="en-US"/>
           </a:p>
         </p:txBody>
       </p:sp>
@@ -4163,7 +4131,7 @@
           <a:p>
             <a:fld id="{699DC775-C286-4358-8C92-D7E584E969B3}" type="datetimeFigureOut">
               <a:rPr lang="en-US" smtClean="0"/>
-              <a:t>25-Jun-15</a:t>
+              <a:t>1/23/2017</a:t>
             </a:fld>
             <a:endParaRPr lang="en-US"/>
           </a:p>
@@ -4270,10 +4238,9 @@
           <a:lstStyle/>
           <a:p>
             <a:r>
-              <a:rPr lang="en-US" smtClean="0"/>
+              <a:rPr lang="en-US"/>
               <a:t>Click to edit Master title style</a:t>
             </a:r>
-            <a:endParaRPr lang="en-US"/>
           </a:p>
         </p:txBody>
       </p:sp>
@@ -4389,10 +4356,9 @@
           </a:lstStyle>
           <a:p>
             <a:r>
-              <a:rPr lang="en-US" smtClean="0"/>
+              <a:rPr lang="en-US"/>
               <a:t>Click to edit Master subtitle style</a:t>
             </a:r>
-            <a:endParaRPr lang="en-US"/>
           </a:p>
         </p:txBody>
       </p:sp>
@@ -4413,7 +4379,7 @@
           <a:p>
             <a:fld id="{699DC775-C286-4358-8C92-D7E584E969B3}" type="datetimeFigureOut">
               <a:rPr lang="en-US" smtClean="0"/>
-              <a:t>25-Jun-15</a:t>
+              <a:t>1/23/2017</a:t>
             </a:fld>
             <a:endParaRPr lang="en-US"/>
           </a:p>
@@ -4515,10 +4481,9 @@
           <a:lstStyle/>
           <a:p>
             <a:r>
-              <a:rPr lang="en-US" smtClean="0"/>
+              <a:rPr lang="en-US"/>
               <a:t>Click to edit Master title style</a:t>
             </a:r>
-            <a:endParaRPr lang="en-US"/>
           </a:p>
         </p:txBody>
       </p:sp>
@@ -4539,38 +4504,37 @@
           <a:p>
             <a:pPr lvl="0"/>
             <a:r>
-              <a:rPr lang="en-US" smtClean="0"/>
+              <a:rPr lang="en-US"/>
               <a:t>Click to edit Master text styles</a:t>
             </a:r>
           </a:p>
           <a:p>
             <a:pPr lvl="1"/>
             <a:r>
-              <a:rPr lang="en-US" smtClean="0"/>
+              <a:rPr lang="en-US"/>
               <a:t>Second level</a:t>
             </a:r>
           </a:p>
           <a:p>
             <a:pPr lvl="2"/>
             <a:r>
-              <a:rPr lang="en-US" smtClean="0"/>
+              <a:rPr lang="en-US"/>
               <a:t>Third level</a:t>
             </a:r>
           </a:p>
           <a:p>
             <a:pPr lvl="3"/>
             <a:r>
-              <a:rPr lang="en-US" smtClean="0"/>
+              <a:rPr lang="en-US"/>
               <a:t>Fourth level</a:t>
             </a:r>
           </a:p>
           <a:p>
             <a:pPr lvl="4"/>
             <a:r>
-              <a:rPr lang="en-US" smtClean="0"/>
+              <a:rPr lang="en-US"/>
               <a:t>Fifth level</a:t>
             </a:r>
-            <a:endParaRPr lang="en-US"/>
           </a:p>
         </p:txBody>
       </p:sp>
@@ -4591,7 +4555,7 @@
           <a:p>
             <a:fld id="{699DC775-C286-4358-8C92-D7E584E969B3}" type="datetimeFigureOut">
               <a:rPr lang="en-US" smtClean="0"/>
-              <a:t>25-Jun-15</a:t>
+              <a:t>1/23/2017</a:t>
             </a:fld>
             <a:endParaRPr lang="en-US"/>
           </a:p>
@@ -4702,10 +4666,9 @@
           </a:lstStyle>
           <a:p>
             <a:r>
-              <a:rPr lang="en-US" smtClean="0"/>
+              <a:rPr lang="en-US"/>
               <a:t>Click to edit Master title style</a:t>
             </a:r>
-            <a:endParaRPr lang="en-US"/>
           </a:p>
         </p:txBody>
       </p:sp>
@@ -4822,7 +4785,7 @@
           <a:p>
             <a:pPr lvl="0"/>
             <a:r>
-              <a:rPr lang="en-US" smtClean="0"/>
+              <a:rPr lang="en-US"/>
               <a:t>Click to edit Master text styles</a:t>
             </a:r>
           </a:p>
@@ -4845,7 +4808,7 @@
           <a:p>
             <a:fld id="{699DC775-C286-4358-8C92-D7E584E969B3}" type="datetimeFigureOut">
               <a:rPr lang="en-US" smtClean="0"/>
-              <a:t>25-Jun-15</a:t>
+              <a:t>1/23/2017</a:t>
             </a:fld>
             <a:endParaRPr lang="en-US"/>
           </a:p>
@@ -4947,10 +4910,9 @@
           <a:lstStyle/>
           <a:p>
             <a:r>
-              <a:rPr lang="en-US" smtClean="0"/>
+              <a:rPr lang="en-US"/>
               <a:t>Click to edit Master title style</a:t>
             </a:r>
-            <a:endParaRPr lang="en-US"/>
           </a:p>
         </p:txBody>
       </p:sp>
@@ -5004,38 +4966,37 @@
           <a:p>
             <a:pPr lvl="0"/>
             <a:r>
-              <a:rPr lang="en-US" smtClean="0"/>
+              <a:rPr lang="en-US"/>
               <a:t>Click to edit Master text styles</a:t>
             </a:r>
           </a:p>
           <a:p>
             <a:pPr lvl="1"/>
             <a:r>
-              <a:rPr lang="en-US" smtClean="0"/>
+              <a:rPr lang="en-US"/>
               <a:t>Second level</a:t>
             </a:r>
           </a:p>
           <a:p>
             <a:pPr lvl="2"/>
             <a:r>
-              <a:rPr lang="en-US" smtClean="0"/>
+              <a:rPr lang="en-US"/>
               <a:t>Third level</a:t>
             </a:r>
           </a:p>
           <a:p>
             <a:pPr lvl="3"/>
             <a:r>
-              <a:rPr lang="en-US" smtClean="0"/>
+              <a:rPr lang="en-US"/>
               <a:t>Fourth level</a:t>
             </a:r>
           </a:p>
           <a:p>
             <a:pPr lvl="4"/>
             <a:r>
-              <a:rPr lang="en-US" smtClean="0"/>
+              <a:rPr lang="en-US"/>
               <a:t>Fifth level</a:t>
             </a:r>
-            <a:endParaRPr lang="en-US"/>
           </a:p>
         </p:txBody>
       </p:sp>
@@ -5089,38 +5050,37 @@
           <a:p>
             <a:pPr lvl="0"/>
             <a:r>
-              <a:rPr lang="en-US" smtClean="0"/>
+              <a:rPr lang="en-US"/>
               <a:t>Click to edit Master text styles</a:t>
             </a:r>
           </a:p>
           <a:p>
             <a:pPr lvl="1"/>
             <a:r>
-              <a:rPr lang="en-US" smtClean="0"/>
+              <a:rPr lang="en-US"/>
               <a:t>Second level</a:t>
             </a:r>
           </a:p>
           <a:p>
             <a:pPr lvl="2"/>
             <a:r>
-              <a:rPr lang="en-US" smtClean="0"/>
+              <a:rPr lang="en-US"/>
               <a:t>Third level</a:t>
             </a:r>
           </a:p>
           <a:p>
             <a:pPr lvl="3"/>
             <a:r>
-              <a:rPr lang="en-US" smtClean="0"/>
+              <a:rPr lang="en-US"/>
               <a:t>Fourth level</a:t>
             </a:r>
           </a:p>
           <a:p>
             <a:pPr lvl="4"/>
             <a:r>
-              <a:rPr lang="en-US" smtClean="0"/>
+              <a:rPr lang="en-US"/>
               <a:t>Fifth level</a:t>
             </a:r>
-            <a:endParaRPr lang="en-US"/>
           </a:p>
         </p:txBody>
       </p:sp>
@@ -5141,7 +5101,7 @@
           <a:p>
             <a:fld id="{699DC775-C286-4358-8C92-D7E584E969B3}" type="datetimeFigureOut">
               <a:rPr lang="en-US" smtClean="0"/>
-              <a:t>25-Jun-15</a:t>
+              <a:t>1/23/2017</a:t>
             </a:fld>
             <a:endParaRPr lang="en-US"/>
           </a:p>
@@ -5247,10 +5207,9 @@
           </a:lstStyle>
           <a:p>
             <a:r>
-              <a:rPr lang="en-US" smtClean="0"/>
+              <a:rPr lang="en-US"/>
               <a:t>Click to edit Master title style</a:t>
             </a:r>
-            <a:endParaRPr lang="en-US"/>
           </a:p>
         </p:txBody>
       </p:sp>
@@ -5313,7 +5272,7 @@
           <a:p>
             <a:pPr lvl="0"/>
             <a:r>
-              <a:rPr lang="en-US" smtClean="0"/>
+              <a:rPr lang="en-US"/>
               <a:t>Click to edit Master text styles</a:t>
             </a:r>
           </a:p>
@@ -5369,38 +5328,37 @@
           <a:p>
             <a:pPr lvl="0"/>
             <a:r>
-              <a:rPr lang="en-US" smtClean="0"/>
+              <a:rPr lang="en-US"/>
               <a:t>Click to edit Master text styles</a:t>
             </a:r>
           </a:p>
           <a:p>
             <a:pPr lvl="1"/>
             <a:r>
-              <a:rPr lang="en-US" smtClean="0"/>
+              <a:rPr lang="en-US"/>
               <a:t>Second level</a:t>
             </a:r>
           </a:p>
           <a:p>
             <a:pPr lvl="2"/>
             <a:r>
-              <a:rPr lang="en-US" smtClean="0"/>
+              <a:rPr lang="en-US"/>
               <a:t>Third level</a:t>
             </a:r>
           </a:p>
           <a:p>
             <a:pPr lvl="3"/>
             <a:r>
-              <a:rPr lang="en-US" smtClean="0"/>
+              <a:rPr lang="en-US"/>
               <a:t>Fourth level</a:t>
             </a:r>
           </a:p>
           <a:p>
             <a:pPr lvl="4"/>
             <a:r>
-              <a:rPr lang="en-US" smtClean="0"/>
+              <a:rPr lang="en-US"/>
               <a:t>Fifth level</a:t>
             </a:r>
-            <a:endParaRPr lang="en-US"/>
           </a:p>
         </p:txBody>
       </p:sp>
@@ -5463,7 +5421,7 @@
           <a:p>
             <a:pPr lvl="0"/>
             <a:r>
-              <a:rPr lang="en-US" smtClean="0"/>
+              <a:rPr lang="en-US"/>
               <a:t>Click to edit Master text styles</a:t>
             </a:r>
           </a:p>
@@ -5519,38 +5477,37 @@
           <a:p>
             <a:pPr lvl="0"/>
             <a:r>
-              <a:rPr lang="en-US" smtClean="0"/>
+              <a:rPr lang="en-US"/>
               <a:t>Click to edit Master text styles</a:t>
             </a:r>
           </a:p>
           <a:p>
             <a:pPr lvl="1"/>
             <a:r>
-              <a:rPr lang="en-US" smtClean="0"/>
+              <a:rPr lang="en-US"/>
               <a:t>Second level</a:t>
             </a:r>
           </a:p>
           <a:p>
             <a:pPr lvl="2"/>
             <a:r>
-              <a:rPr lang="en-US" smtClean="0"/>
+              <a:rPr lang="en-US"/>
               <a:t>Third level</a:t>
             </a:r>
           </a:p>
           <a:p>
             <a:pPr lvl="3"/>
             <a:r>
-              <a:rPr lang="en-US" smtClean="0"/>
+              <a:rPr lang="en-US"/>
               <a:t>Fourth level</a:t>
             </a:r>
           </a:p>
           <a:p>
             <a:pPr lvl="4"/>
             <a:r>
-              <a:rPr lang="en-US" smtClean="0"/>
+              <a:rPr lang="en-US"/>
               <a:t>Fifth level</a:t>
             </a:r>
-            <a:endParaRPr lang="en-US"/>
           </a:p>
         </p:txBody>
       </p:sp>
@@ -5571,7 +5528,7 @@
           <a:p>
             <a:fld id="{699DC775-C286-4358-8C92-D7E584E969B3}" type="datetimeFigureOut">
               <a:rPr lang="en-US" smtClean="0"/>
-              <a:t>25-Jun-15</a:t>
+              <a:t>1/23/2017</a:t>
             </a:fld>
             <a:endParaRPr lang="en-US"/>
           </a:p>
@@ -5674,10 +5631,9 @@
           </a:lstStyle>
           <a:p>
             <a:r>
-              <a:rPr lang="en-US" smtClean="0"/>
+              <a:rPr lang="en-US"/>
               <a:t>Click to edit Master title style</a:t>
             </a:r>
-            <a:endParaRPr lang="en-US"/>
           </a:p>
         </p:txBody>
       </p:sp>
@@ -5794,7 +5750,7 @@
           <a:p>
             <a:pPr lvl="0"/>
             <a:r>
-              <a:rPr lang="en-US" smtClean="0"/>
+              <a:rPr lang="en-US"/>
               <a:t>Click to edit Master text styles</a:t>
             </a:r>
           </a:p>
@@ -5817,7 +5773,7 @@
           <a:p>
             <a:fld id="{699DC775-C286-4358-8C92-D7E584E969B3}" type="datetimeFigureOut">
               <a:rPr lang="en-US" smtClean="0"/>
-              <a:t>25-Jun-15</a:t>
+              <a:t>1/23/2017</a:t>
             </a:fld>
             <a:endParaRPr lang="en-US"/>
           </a:p>
@@ -5919,10 +5875,9 @@
           <a:lstStyle/>
           <a:p>
             <a:r>
-              <a:rPr lang="en-US" smtClean="0"/>
+              <a:rPr lang="en-US"/>
               <a:t>Click to edit Master title style</a:t>
             </a:r>
-            <a:endParaRPr lang="en-US"/>
           </a:p>
         </p:txBody>
       </p:sp>
@@ -5943,7 +5898,7 @@
           <a:p>
             <a:fld id="{699DC775-C286-4358-8C92-D7E584E969B3}" type="datetimeFigureOut">
               <a:rPr lang="en-US" smtClean="0"/>
-              <a:t>25-Jun-15</a:t>
+              <a:t>1/23/2017</a:t>
             </a:fld>
             <a:endParaRPr lang="en-US"/>
           </a:p>
@@ -6046,7 +6001,7 @@
           <a:p>
             <a:fld id="{699DC775-C286-4358-8C92-D7E584E969B3}" type="datetimeFigureOut">
               <a:rPr lang="en-US" smtClean="0"/>
-              <a:t>25-Jun-15</a:t>
+              <a:t>1/23/2017</a:t>
             </a:fld>
             <a:endParaRPr lang="en-US"/>
           </a:p>
@@ -6157,10 +6112,9 @@
           </a:lstStyle>
           <a:p>
             <a:r>
-              <a:rPr lang="en-US" smtClean="0"/>
+              <a:rPr lang="en-US"/>
               <a:t>Click to edit Master title style</a:t>
             </a:r>
-            <a:endParaRPr lang="en-US"/>
           </a:p>
         </p:txBody>
       </p:sp>
@@ -6214,38 +6168,37 @@
           <a:p>
             <a:pPr lvl="0"/>
             <a:r>
-              <a:rPr lang="en-US" smtClean="0"/>
+              <a:rPr lang="en-US"/>
               <a:t>Click to edit Master text styles</a:t>
             </a:r>
           </a:p>
           <a:p>
             <a:pPr lvl="1"/>
             <a:r>
-              <a:rPr lang="en-US" smtClean="0"/>
+              <a:rPr lang="en-US"/>
               <a:t>Second level</a:t>
             </a:r>
           </a:p>
           <a:p>
             <a:pPr lvl="2"/>
             <a:r>
-              <a:rPr lang="en-US" smtClean="0"/>
+              <a:rPr lang="en-US"/>
               <a:t>Third level</a:t>
             </a:r>
           </a:p>
           <a:p>
             <a:pPr lvl="3"/>
             <a:r>
-              <a:rPr lang="en-US" smtClean="0"/>
+              <a:rPr lang="en-US"/>
               <a:t>Fourth level</a:t>
             </a:r>
           </a:p>
           <a:p>
             <a:pPr lvl="4"/>
             <a:r>
-              <a:rPr lang="en-US" smtClean="0"/>
+              <a:rPr lang="en-US"/>
               <a:t>Fifth level</a:t>
             </a:r>
-            <a:endParaRPr lang="en-US"/>
           </a:p>
         </p:txBody>
       </p:sp>
@@ -6308,7 +6261,7 @@
           <a:p>
             <a:pPr lvl="0"/>
             <a:r>
-              <a:rPr lang="en-US" smtClean="0"/>
+              <a:rPr lang="en-US"/>
               <a:t>Click to edit Master text styles</a:t>
             </a:r>
           </a:p>
@@ -6331,7 +6284,7 @@
           <a:p>
             <a:fld id="{699DC775-C286-4358-8C92-D7E584E969B3}" type="datetimeFigureOut">
               <a:rPr lang="en-US" smtClean="0"/>
-              <a:t>25-Jun-15</a:t>
+              <a:t>1/23/2017</a:t>
             </a:fld>
             <a:endParaRPr lang="en-US"/>
           </a:p>
@@ -6442,10 +6395,9 @@
           </a:lstStyle>
           <a:p>
             <a:r>
-              <a:rPr lang="en-US" smtClean="0"/>
+              <a:rPr lang="en-US"/>
               <a:t>Click to edit Master title style</a:t>
             </a:r>
-            <a:endParaRPr lang="en-US"/>
           </a:p>
         </p:txBody>
       </p:sp>
@@ -6569,7 +6521,7 @@
           <a:p>
             <a:pPr lvl="0"/>
             <a:r>
-              <a:rPr lang="en-US" smtClean="0"/>
+              <a:rPr lang="en-US"/>
               <a:t>Click to edit Master text styles</a:t>
             </a:r>
           </a:p>
@@ -6592,7 +6544,7 @@
           <a:p>
             <a:fld id="{699DC775-C286-4358-8C92-D7E584E969B3}" type="datetimeFigureOut">
               <a:rPr lang="en-US" smtClean="0"/>
-              <a:t>25-Jun-15</a:t>
+              <a:t>1/23/2017</a:t>
             </a:fld>
             <a:endParaRPr lang="en-US"/>
           </a:p>
@@ -6694,10 +6646,9 @@
           <a:lstStyle/>
           <a:p>
             <a:r>
-              <a:rPr lang="en-US" smtClean="0"/>
+              <a:rPr lang="en-US"/>
               <a:t>Click to edit Master title style</a:t>
             </a:r>
-            <a:endParaRPr lang="en-US"/>
           </a:p>
         </p:txBody>
       </p:sp>
@@ -6718,38 +6669,37 @@
           <a:p>
             <a:pPr lvl="0"/>
             <a:r>
-              <a:rPr lang="en-US" smtClean="0"/>
+              <a:rPr lang="en-US"/>
               <a:t>Click to edit Master text styles</a:t>
             </a:r>
           </a:p>
           <a:p>
             <a:pPr lvl="1"/>
             <a:r>
-              <a:rPr lang="en-US" smtClean="0"/>
+              <a:rPr lang="en-US"/>
               <a:t>Second level</a:t>
             </a:r>
           </a:p>
           <a:p>
             <a:pPr lvl="2"/>
             <a:r>
-              <a:rPr lang="en-US" smtClean="0"/>
+              <a:rPr lang="en-US"/>
               <a:t>Third level</a:t>
             </a:r>
           </a:p>
           <a:p>
             <a:pPr lvl="3"/>
             <a:r>
-              <a:rPr lang="en-US" smtClean="0"/>
+              <a:rPr lang="en-US"/>
               <a:t>Fourth level</a:t>
             </a:r>
           </a:p>
           <a:p>
             <a:pPr lvl="4"/>
             <a:r>
-              <a:rPr lang="en-US" smtClean="0"/>
+              <a:rPr lang="en-US"/>
               <a:t>Fifth level</a:t>
             </a:r>
-            <a:endParaRPr lang="en-US"/>
           </a:p>
         </p:txBody>
       </p:sp>
@@ -6770,7 +6720,7 @@
           <a:p>
             <a:fld id="{699DC775-C286-4358-8C92-D7E584E969B3}" type="datetimeFigureOut">
               <a:rPr lang="en-US" smtClean="0"/>
-              <a:t>25-Jun-15</a:t>
+              <a:t>1/23/2017</a:t>
             </a:fld>
             <a:endParaRPr lang="en-US"/>
           </a:p>
@@ -6877,10 +6827,9 @@
           <a:lstStyle/>
           <a:p>
             <a:r>
-              <a:rPr lang="en-US" smtClean="0"/>
+              <a:rPr lang="en-US"/>
               <a:t>Click to edit Master title style</a:t>
             </a:r>
-            <a:endParaRPr lang="en-US"/>
           </a:p>
         </p:txBody>
       </p:sp>
@@ -6906,38 +6855,37 @@
           <a:p>
             <a:pPr lvl="0"/>
             <a:r>
-              <a:rPr lang="en-US" smtClean="0"/>
+              <a:rPr lang="en-US"/>
               <a:t>Click to edit Master text styles</a:t>
             </a:r>
           </a:p>
           <a:p>
             <a:pPr lvl="1"/>
             <a:r>
-              <a:rPr lang="en-US" smtClean="0"/>
+              <a:rPr lang="en-US"/>
               <a:t>Second level</a:t>
             </a:r>
           </a:p>
           <a:p>
             <a:pPr lvl="2"/>
             <a:r>
-              <a:rPr lang="en-US" smtClean="0"/>
+              <a:rPr lang="en-US"/>
               <a:t>Third level</a:t>
             </a:r>
           </a:p>
           <a:p>
             <a:pPr lvl="3"/>
             <a:r>
-              <a:rPr lang="en-US" smtClean="0"/>
+              <a:rPr lang="en-US"/>
               <a:t>Fourth level</a:t>
             </a:r>
           </a:p>
           <a:p>
             <a:pPr lvl="4"/>
             <a:r>
-              <a:rPr lang="en-US" smtClean="0"/>
+              <a:rPr lang="en-US"/>
               <a:t>Fifth level</a:t>
             </a:r>
-            <a:endParaRPr lang="en-US"/>
           </a:p>
         </p:txBody>
       </p:sp>
@@ -6958,7 +6906,7 @@
           <a:p>
             <a:fld id="{699DC775-C286-4358-8C92-D7E584E969B3}" type="datetimeFigureOut">
               <a:rPr lang="en-US" smtClean="0"/>
-              <a:t>25-Jun-15</a:t>
+              <a:t>1/23/2017</a:t>
             </a:fld>
             <a:endParaRPr lang="en-US"/>
           </a:p>
@@ -7052,10 +7000,9 @@
           <a:lstStyle/>
           <a:p>
             <a:r>
-              <a:rPr lang="en-US" smtClean="0"/>
+              <a:rPr lang="en-US"/>
               <a:t>Click to edit Master title style</a:t>
             </a:r>
-            <a:endParaRPr lang="en-US"/>
           </a:p>
         </p:txBody>
       </p:sp>
@@ -7076,38 +7023,37 @@
           <a:p>
             <a:pPr lvl="0"/>
             <a:r>
-              <a:rPr lang="en-US" smtClean="0"/>
+              <a:rPr lang="en-US"/>
               <a:t>Click to edit Master text styles</a:t>
             </a:r>
           </a:p>
           <a:p>
             <a:pPr lvl="1"/>
             <a:r>
-              <a:rPr lang="en-US" smtClean="0"/>
+              <a:rPr lang="en-US"/>
               <a:t>Second level</a:t>
             </a:r>
           </a:p>
           <a:p>
             <a:pPr lvl="2"/>
             <a:r>
-              <a:rPr lang="en-US" smtClean="0"/>
+              <a:rPr lang="en-US"/>
               <a:t>Third level</a:t>
             </a:r>
           </a:p>
           <a:p>
             <a:pPr lvl="3"/>
             <a:r>
-              <a:rPr lang="en-US" smtClean="0"/>
+              <a:rPr lang="en-US"/>
               <a:t>Fourth level</a:t>
             </a:r>
           </a:p>
           <a:p>
             <a:pPr lvl="4"/>
             <a:r>
-              <a:rPr lang="en-US" smtClean="0"/>
+              <a:rPr lang="en-US"/>
               <a:t>Fifth level</a:t>
             </a:r>
-            <a:endParaRPr lang="en-US"/>
           </a:p>
         </p:txBody>
       </p:sp>
@@ -7128,7 +7074,7 @@
           <a:p>
             <a:fld id="{699DC775-C286-4358-8C92-D7E584E969B3}" type="datetimeFigureOut">
               <a:rPr lang="en-US" smtClean="0"/>
-              <a:t>25-Jun-15</a:t>
+              <a:t>1/23/2017</a:t>
             </a:fld>
             <a:endParaRPr lang="en-US"/>
           </a:p>
@@ -7222,10 +7168,9 @@
           <a:lstStyle/>
           <a:p>
             <a:r>
-              <a:rPr lang="en-US" smtClean="0"/>
+              <a:rPr lang="en-US"/>
               <a:t>Click to edit Master title style</a:t>
             </a:r>
-            <a:endParaRPr lang="en-US"/>
           </a:p>
         </p:txBody>
       </p:sp>
@@ -7279,38 +7224,37 @@
           <a:p>
             <a:pPr lvl="0"/>
             <a:r>
-              <a:rPr lang="en-US" smtClean="0"/>
+              <a:rPr lang="en-US"/>
               <a:t>Click to edit Master text styles</a:t>
             </a:r>
           </a:p>
           <a:p>
             <a:pPr lvl="1"/>
             <a:r>
-              <a:rPr lang="en-US" smtClean="0"/>
+              <a:rPr lang="en-US"/>
               <a:t>Second level</a:t>
             </a:r>
           </a:p>
           <a:p>
             <a:pPr lvl="2"/>
             <a:r>
-              <a:rPr lang="en-US" smtClean="0"/>
+              <a:rPr lang="en-US"/>
               <a:t>Third level</a:t>
             </a:r>
           </a:p>
           <a:p>
             <a:pPr lvl="3"/>
             <a:r>
-              <a:rPr lang="en-US" smtClean="0"/>
+              <a:rPr lang="en-US"/>
               <a:t>Fourth level</a:t>
             </a:r>
           </a:p>
           <a:p>
             <a:pPr lvl="4"/>
             <a:r>
-              <a:rPr lang="en-US" smtClean="0"/>
+              <a:rPr lang="en-US"/>
               <a:t>Fifth level</a:t>
             </a:r>
-            <a:endParaRPr lang="en-US"/>
           </a:p>
         </p:txBody>
       </p:sp>
@@ -7364,38 +7308,37 @@
           <a:p>
             <a:pPr lvl="0"/>
             <a:r>
-              <a:rPr lang="en-US" smtClean="0"/>
+              <a:rPr lang="en-US"/>
               <a:t>Click to edit Master text styles</a:t>
             </a:r>
           </a:p>
           <a:p>
             <a:pPr lvl="1"/>
             <a:r>
-              <a:rPr lang="en-US" smtClean="0"/>
+              <a:rPr lang="en-US"/>
               <a:t>Second level</a:t>
             </a:r>
           </a:p>
           <a:p>
             <a:pPr lvl="2"/>
             <a:r>
-              <a:rPr lang="en-US" smtClean="0"/>
+              <a:rPr lang="en-US"/>
               <a:t>Third level</a:t>
             </a:r>
           </a:p>
           <a:p>
             <a:pPr lvl="3"/>
             <a:r>
-              <a:rPr lang="en-US" smtClean="0"/>
+              <a:rPr lang="en-US"/>
               <a:t>Fourth level</a:t>
             </a:r>
           </a:p>
           <a:p>
             <a:pPr lvl="4"/>
             <a:r>
-              <a:rPr lang="en-US" smtClean="0"/>
+              <a:rPr lang="en-US"/>
               <a:t>Fifth level</a:t>
             </a:r>
-            <a:endParaRPr lang="en-US"/>
           </a:p>
         </p:txBody>
       </p:sp>
@@ -7416,7 +7359,7 @@
           <a:p>
             <a:fld id="{699DC775-C286-4358-8C92-D7E584E969B3}" type="datetimeFigureOut">
               <a:rPr lang="en-US" smtClean="0"/>
-              <a:t>25-Jun-15</a:t>
+              <a:t>1/23/2017</a:t>
             </a:fld>
             <a:endParaRPr lang="en-US"/>
           </a:p>
@@ -7514,10 +7457,9 @@
           </a:lstStyle>
           <a:p>
             <a:r>
-              <a:rPr lang="en-US" smtClean="0"/>
+              <a:rPr lang="en-US"/>
               <a:t>Click to edit Master title style</a:t>
             </a:r>
-            <a:endParaRPr lang="en-US"/>
           </a:p>
         </p:txBody>
       </p:sp>
@@ -7580,7 +7522,7 @@
           <a:p>
             <a:pPr lvl="0"/>
             <a:r>
-              <a:rPr lang="en-US" smtClean="0"/>
+              <a:rPr lang="en-US"/>
               <a:t>Click to edit Master text styles</a:t>
             </a:r>
           </a:p>
@@ -7636,38 +7578,37 @@
           <a:p>
             <a:pPr lvl="0"/>
             <a:r>
-              <a:rPr lang="en-US" smtClean="0"/>
+              <a:rPr lang="en-US"/>
               <a:t>Click to edit Master text styles</a:t>
             </a:r>
           </a:p>
           <a:p>
             <a:pPr lvl="1"/>
             <a:r>
-              <a:rPr lang="en-US" smtClean="0"/>
+              <a:rPr lang="en-US"/>
               <a:t>Second level</a:t>
             </a:r>
           </a:p>
           <a:p>
             <a:pPr lvl="2"/>
             <a:r>
-              <a:rPr lang="en-US" smtClean="0"/>
+              <a:rPr lang="en-US"/>
               <a:t>Third level</a:t>
             </a:r>
           </a:p>
           <a:p>
             <a:pPr lvl="3"/>
             <a:r>
-              <a:rPr lang="en-US" smtClean="0"/>
+              <a:rPr lang="en-US"/>
               <a:t>Fourth level</a:t>
             </a:r>
           </a:p>
           <a:p>
             <a:pPr lvl="4"/>
             <a:r>
-              <a:rPr lang="en-US" smtClean="0"/>
+              <a:rPr lang="en-US"/>
               <a:t>Fifth level</a:t>
             </a:r>
-            <a:endParaRPr lang="en-US"/>
           </a:p>
         </p:txBody>
       </p:sp>
@@ -7730,7 +7671,7 @@
           <a:p>
             <a:pPr lvl="0"/>
             <a:r>
-              <a:rPr lang="en-US" smtClean="0"/>
+              <a:rPr lang="en-US"/>
               <a:t>Click to edit Master text styles</a:t>
             </a:r>
           </a:p>
@@ -7786,38 +7727,37 @@
           <a:p>
             <a:pPr lvl="0"/>
             <a:r>
-              <a:rPr lang="en-US" smtClean="0"/>
+              <a:rPr lang="en-US"/>
               <a:t>Click to edit Master text styles</a:t>
             </a:r>
           </a:p>
           <a:p>
             <a:pPr lvl="1"/>
             <a:r>
-              <a:rPr lang="en-US" smtClean="0"/>
+              <a:rPr lang="en-US"/>
               <a:t>Second level</a:t>
             </a:r>
           </a:p>
           <a:p>
             <a:pPr lvl="2"/>
             <a:r>
-              <a:rPr lang="en-US" smtClean="0"/>
+              <a:rPr lang="en-US"/>
               <a:t>Third level</a:t>
             </a:r>
           </a:p>
           <a:p>
             <a:pPr lvl="3"/>
             <a:r>
-              <a:rPr lang="en-US" smtClean="0"/>
+              <a:rPr lang="en-US"/>
               <a:t>Fourth level</a:t>
             </a:r>
           </a:p>
           <a:p>
             <a:pPr lvl="4"/>
             <a:r>
-              <a:rPr lang="en-US" smtClean="0"/>
+              <a:rPr lang="en-US"/>
               <a:t>Fifth level</a:t>
             </a:r>
-            <a:endParaRPr lang="en-US"/>
           </a:p>
         </p:txBody>
       </p:sp>
@@ -7838,7 +7778,7 @@
           <a:p>
             <a:fld id="{699DC775-C286-4358-8C92-D7E584E969B3}" type="datetimeFigureOut">
               <a:rPr lang="en-US" smtClean="0"/>
-              <a:t>25-Jun-15</a:t>
+              <a:t>1/23/2017</a:t>
             </a:fld>
             <a:endParaRPr lang="en-US"/>
           </a:p>
@@ -7932,10 +7872,9 @@
           <a:lstStyle/>
           <a:p>
             <a:r>
-              <a:rPr lang="en-US" smtClean="0"/>
+              <a:rPr lang="en-US"/>
               <a:t>Click to edit Master title style</a:t>
             </a:r>
-            <a:endParaRPr lang="en-US"/>
           </a:p>
         </p:txBody>
       </p:sp>
@@ -7956,7 +7895,7 @@
           <a:p>
             <a:fld id="{699DC775-C286-4358-8C92-D7E584E969B3}" type="datetimeFigureOut">
               <a:rPr lang="en-US" smtClean="0"/>
-              <a:t>25-Jun-15</a:t>
+              <a:t>1/23/2017</a:t>
             </a:fld>
             <a:endParaRPr lang="en-US"/>
           </a:p>
@@ -8051,7 +7990,7 @@
           <a:p>
             <a:fld id="{699DC775-C286-4358-8C92-D7E584E969B3}" type="datetimeFigureOut">
               <a:rPr lang="en-US" smtClean="0"/>
-              <a:t>25-Jun-15</a:t>
+              <a:t>1/23/2017</a:t>
             </a:fld>
             <a:endParaRPr lang="en-US"/>
           </a:p>
@@ -8154,10 +8093,9 @@
           </a:lstStyle>
           <a:p>
             <a:r>
-              <a:rPr lang="en-US" smtClean="0"/>
+              <a:rPr lang="en-US"/>
               <a:t>Click to edit Master title style</a:t>
             </a:r>
-            <a:endParaRPr lang="en-US"/>
           </a:p>
         </p:txBody>
       </p:sp>
@@ -8211,38 +8149,37 @@
           <a:p>
             <a:pPr lvl="0"/>
             <a:r>
-              <a:rPr lang="en-US" smtClean="0"/>
+              <a:rPr lang="en-US"/>
               <a:t>Click to edit Master text styles</a:t>
             </a:r>
           </a:p>
           <a:p>
             <a:pPr lvl="1"/>
             <a:r>
-              <a:rPr lang="en-US" smtClean="0"/>
+              <a:rPr lang="en-US"/>
               <a:t>Second level</a:t>
             </a:r>
           </a:p>
           <a:p>
             <a:pPr lvl="2"/>
             <a:r>
-              <a:rPr lang="en-US" smtClean="0"/>
+              <a:rPr lang="en-US"/>
               <a:t>Third level</a:t>
             </a:r>
           </a:p>
           <a:p>
             <a:pPr lvl="3"/>
             <a:r>
-              <a:rPr lang="en-US" smtClean="0"/>
+              <a:rPr lang="en-US"/>
               <a:t>Fourth level</a:t>
             </a:r>
           </a:p>
           <a:p>
             <a:pPr lvl="4"/>
             <a:r>
-              <a:rPr lang="en-US" smtClean="0"/>
+              <a:rPr lang="en-US"/>
               <a:t>Fifth level</a:t>
             </a:r>
-            <a:endParaRPr lang="en-US"/>
           </a:p>
         </p:txBody>
       </p:sp>
@@ -8305,7 +8242,7 @@
           <a:p>
             <a:pPr lvl="0"/>
             <a:r>
-              <a:rPr lang="en-US" smtClean="0"/>
+              <a:rPr lang="en-US"/>
               <a:t>Click to edit Master text styles</a:t>
             </a:r>
           </a:p>
@@ -8328,7 +8265,7 @@
           <a:p>
             <a:fld id="{699DC775-C286-4358-8C92-D7E584E969B3}" type="datetimeFigureOut">
               <a:rPr lang="en-US" smtClean="0"/>
-              <a:t>25-Jun-15</a:t>
+              <a:t>1/23/2017</a:t>
             </a:fld>
             <a:endParaRPr lang="en-US"/>
           </a:p>
@@ -8431,10 +8368,9 @@
           </a:lstStyle>
           <a:p>
             <a:r>
-              <a:rPr lang="en-US" smtClean="0"/>
+              <a:rPr lang="en-US"/>
               <a:t>Click to edit Master title style</a:t>
             </a:r>
-            <a:endParaRPr lang="en-US"/>
           </a:p>
         </p:txBody>
       </p:sp>
@@ -8558,7 +8494,7 @@
           <a:p>
             <a:pPr lvl="0"/>
             <a:r>
-              <a:rPr lang="en-US" smtClean="0"/>
+              <a:rPr lang="en-US"/>
               <a:t>Click to edit Master text styles</a:t>
             </a:r>
           </a:p>
@@ -8581,7 +8517,7 @@
           <a:p>
             <a:fld id="{699DC775-C286-4358-8C92-D7E584E969B3}" type="datetimeFigureOut">
               <a:rPr lang="en-US" smtClean="0"/>
-              <a:t>25-Jun-15</a:t>
+              <a:t>1/23/2017</a:t>
             </a:fld>
             <a:endParaRPr lang="en-US"/>
           </a:p>
@@ -8690,10 +8626,9 @@
           <a:lstStyle/>
           <a:p>
             <a:r>
-              <a:rPr lang="en-US" smtClean="0"/>
+              <a:rPr lang="en-US"/>
               <a:t>Click to edit Master title style</a:t>
             </a:r>
-            <a:endParaRPr lang="en-US"/>
           </a:p>
         </p:txBody>
       </p:sp>
@@ -8724,38 +8659,37 @@
           <a:p>
             <a:pPr lvl="0"/>
             <a:r>
-              <a:rPr lang="en-US" smtClean="0"/>
+              <a:rPr lang="en-US"/>
               <a:t>Click to edit Master text styles</a:t>
             </a:r>
           </a:p>
           <a:p>
             <a:pPr lvl="1"/>
             <a:r>
-              <a:rPr lang="en-US" smtClean="0"/>
+              <a:rPr lang="en-US"/>
               <a:t>Second level</a:t>
             </a:r>
           </a:p>
           <a:p>
             <a:pPr lvl="2"/>
             <a:r>
-              <a:rPr lang="en-US" smtClean="0"/>
+              <a:rPr lang="en-US"/>
               <a:t>Third level</a:t>
             </a:r>
           </a:p>
           <a:p>
             <a:pPr lvl="3"/>
             <a:r>
-              <a:rPr lang="en-US" smtClean="0"/>
+              <a:rPr lang="en-US"/>
               <a:t>Fourth level</a:t>
             </a:r>
           </a:p>
           <a:p>
             <a:pPr lvl="4"/>
             <a:r>
-              <a:rPr lang="en-US" smtClean="0"/>
+              <a:rPr lang="en-US"/>
               <a:t>Fifth level</a:t>
             </a:r>
-            <a:endParaRPr lang="en-US"/>
           </a:p>
         </p:txBody>
       </p:sp>
@@ -8794,7 +8728,7 @@
           <a:p>
             <a:fld id="{699DC775-C286-4358-8C92-D7E584E969B3}" type="datetimeFigureOut">
               <a:rPr lang="en-US" smtClean="0"/>
-              <a:t>25-Jun-15</a:t>
+              <a:t>1/23/2017</a:t>
             </a:fld>
             <a:endParaRPr lang="en-US"/>
           </a:p>
@@ -9206,10 +9140,9 @@
           <a:lstStyle/>
           <a:p>
             <a:r>
-              <a:rPr lang="en-US" smtClean="0"/>
+              <a:rPr lang="en-US"/>
               <a:t>Click to edit Master title style</a:t>
             </a:r>
-            <a:endParaRPr lang="en-US"/>
           </a:p>
         </p:txBody>
       </p:sp>
@@ -9240,38 +9173,37 @@
           <a:p>
             <a:pPr lvl="0"/>
             <a:r>
-              <a:rPr lang="en-US" smtClean="0"/>
+              <a:rPr lang="en-US"/>
               <a:t>Click to edit Master text styles</a:t>
             </a:r>
           </a:p>
           <a:p>
             <a:pPr lvl="1"/>
             <a:r>
-              <a:rPr lang="en-US" smtClean="0"/>
+              <a:rPr lang="en-US"/>
               <a:t>Second level</a:t>
             </a:r>
           </a:p>
           <a:p>
             <a:pPr lvl="2"/>
             <a:r>
-              <a:rPr lang="en-US" smtClean="0"/>
+              <a:rPr lang="en-US"/>
               <a:t>Third level</a:t>
             </a:r>
           </a:p>
           <a:p>
             <a:pPr lvl="3"/>
             <a:r>
-              <a:rPr lang="en-US" smtClean="0"/>
+              <a:rPr lang="en-US"/>
               <a:t>Fourth level</a:t>
             </a:r>
           </a:p>
           <a:p>
             <a:pPr lvl="4"/>
             <a:r>
-              <a:rPr lang="en-US" smtClean="0"/>
+              <a:rPr lang="en-US"/>
               <a:t>Fifth level</a:t>
             </a:r>
-            <a:endParaRPr lang="en-US"/>
           </a:p>
         </p:txBody>
       </p:sp>
@@ -9310,7 +9242,7 @@
           <a:p>
             <a:fld id="{699DC775-C286-4358-8C92-D7E584E969B3}" type="datetimeFigureOut">
               <a:rPr lang="en-US" smtClean="0"/>
-              <a:t>25-Jun-15</a:t>
+              <a:t>1/23/2017</a:t>
             </a:fld>
             <a:endParaRPr lang="en-US"/>
           </a:p>
@@ -9720,10 +9652,9 @@
           <a:lstStyle/>
           <a:p>
             <a:r>
-              <a:rPr lang="en-US" dirty="0" smtClean="0"/>
+              <a:rPr lang="en-US" dirty="0"/>
               <a:t>Click to edit Master title style</a:t>
             </a:r>
-            <a:endParaRPr lang="en-US" dirty="0"/>
           </a:p>
         </p:txBody>
       </p:sp>
@@ -9754,38 +9685,37 @@
           <a:p>
             <a:pPr lvl="0"/>
             <a:r>
-              <a:rPr lang="en-US" smtClean="0"/>
+              <a:rPr lang="en-US"/>
               <a:t>Click to edit Master text styles</a:t>
             </a:r>
           </a:p>
           <a:p>
             <a:pPr lvl="1"/>
             <a:r>
-              <a:rPr lang="en-US" smtClean="0"/>
+              <a:rPr lang="en-US"/>
               <a:t>Second level</a:t>
             </a:r>
           </a:p>
           <a:p>
             <a:pPr lvl="2"/>
             <a:r>
-              <a:rPr lang="en-US" smtClean="0"/>
+              <a:rPr lang="en-US"/>
               <a:t>Third level</a:t>
             </a:r>
           </a:p>
           <a:p>
             <a:pPr lvl="3"/>
             <a:r>
-              <a:rPr lang="en-US" smtClean="0"/>
+              <a:rPr lang="en-US"/>
               <a:t>Fourth level</a:t>
             </a:r>
           </a:p>
           <a:p>
             <a:pPr lvl="4"/>
             <a:r>
-              <a:rPr lang="en-US" smtClean="0"/>
+              <a:rPr lang="en-US"/>
               <a:t>Fifth level</a:t>
             </a:r>
-            <a:endParaRPr lang="en-US"/>
           </a:p>
         </p:txBody>
       </p:sp>
@@ -9824,7 +9754,7 @@
           <a:p>
             <a:fld id="{699DC775-C286-4358-8C92-D7E584E969B3}" type="datetimeFigureOut">
               <a:rPr lang="en-US" smtClean="0"/>
-              <a:t>25-Jun-15</a:t>
+              <a:t>1/23/2017</a:t>
             </a:fld>
             <a:endParaRPr lang="en-US"/>
           </a:p>
@@ -10226,7 +10156,7 @@
           <a:p>
             <a:pPr algn="ctr"/>
             <a:r>
-              <a:rPr lang="en-US" b="1" smtClean="0">
+              <a:rPr lang="en-US" b="1">
                 <a:solidFill>
                   <a:srgbClr val="FFFF00"/>
                 </a:solidFill>
@@ -10237,18 +10167,13 @@
           <a:p>
             <a:pPr algn="ctr"/>
             <a:r>
-              <a:rPr lang="en-US" smtClean="0">
+              <a:rPr lang="en-US">
                 <a:solidFill>
                   <a:srgbClr val="FFFFFF"/>
                 </a:solidFill>
               </a:rPr>
               <a:t>Adjust the design of this slide and click the 'Sync Agenda' (in Agenda Lab) to replicate the design in the other slides.</a:t>
             </a:r>
-            <a:endParaRPr lang="en-US">
-              <a:solidFill>
-                <a:srgbClr val="FFFFFF"/>
-              </a:solidFill>
-            </a:endParaRPr>
           </a:p>
         </p:txBody>
       </p:sp>
@@ -10268,10 +10193,9 @@
           <a:lstStyle/>
           <a:p>
             <a:r>
-              <a:rPr lang="en-US" smtClean="0"/>
+              <a:rPr lang="en-US"/>
               <a:t>Agenda</a:t>
             </a:r>
-            <a:endParaRPr lang="en-US"/>
           </a:p>
         </p:txBody>
       </p:sp>
@@ -10605,14 +10529,6 @@
   <p:clrMapOvr>
     <a:masterClrMapping/>
   </p:clrMapOvr>
-  <mc:AlternateContent xmlns:mc="http://schemas.openxmlformats.org/markup-compatibility/2006" xmlns:p14="http://schemas.microsoft.com/office/powerpoint/2010/main">
-    <mc:Choice Requires="p14">
-      <p:transition spd="slow" p14:dur="2000"/>
-    </mc:Choice>
-    <mc:Fallback xmlns="">
-      <p:transition spd="slow"/>
-    </mc:Fallback>
-  </mc:AlternateContent>
   <p:timing>
     <p:tnLst>
       <p:par>
@@ -10752,13 +10668,6 @@
   <p:clrMapOvr>
     <a:masterClrMapping/>
   </p:clrMapOvr>
-  <p:timing>
-    <p:tnLst>
-      <p:par>
-        <p:cTn id="1" dur="indefinite" restart="never" nodeType="tmRoot"/>
-      </p:par>
-    </p:tnLst>
-  </p:timing>
 </p:sld>
 </file>
 
@@ -12494,10 +12403,9 @@
           </a:lstStyle>
           <a:p>
             <a:r>
-              <a:rPr lang="en-US" dirty="0" smtClean="0"/>
+              <a:rPr lang="en-US" dirty="0"/>
               <a:t>Pattern</a:t>
             </a:r>
-            <a:endParaRPr lang="en-US" dirty="0"/>
           </a:p>
         </p:txBody>
       </p:sp>
@@ -12523,13 +12431,6 @@
       </p:transition>
     </mc:Fallback>
   </mc:AlternateContent>
-  <p:timing>
-    <p:tnLst>
-      <p:par>
-        <p:cTn id="1" dur="indefinite" restart="never" nodeType="tmRoot"/>
-      </p:par>
-    </p:tnLst>
-  </p:timing>
 </p:sld>
 </file>
 
@@ -12560,13 +12461,6 @@
   <p:clrMapOvr>
     <a:masterClrMapping/>
   </p:clrMapOvr>
-  <p:timing>
-    <p:tnLst>
-      <p:par>
-        <p:cTn id="1" dur="indefinite" restart="never" nodeType="tmRoot"/>
-      </p:par>
-    </p:tnLst>
-  </p:timing>
 </p:sld>
 </file>
 
@@ -14218,7 +14112,7 @@
           <a:lstStyle/>
           <a:p>
             <a:r>
-              <a:rPr lang="en-US" sz="6000" dirty="0" smtClean="0"/>
+              <a:rPr lang="en-US" sz="6000" dirty="0"/>
               <a:t>Test Image</a:t>
             </a:r>
             <a:endParaRPr lang="en-SG" sz="6000" dirty="0"/>
@@ -14247,13 +14141,6 @@
       </p:transition>
     </mc:Fallback>
   </mc:AlternateContent>
-  <p:timing>
-    <p:tnLst>
-      <p:par>
-        <p:cTn id="1" dur="indefinite" restart="never" nodeType="tmRoot"/>
-      </p:par>
-    </p:tnLst>
-  </p:timing>
 </p:sld>
 </file>
 
@@ -14292,7 +14179,7 @@
           <a:lstStyle/>
           <a:p>
             <a:r>
-              <a:rPr lang="en-US" sz="5400" b="1" dirty="0" err="1" smtClean="0">
+              <a:rPr lang="en-US" sz="5400" b="1" dirty="0" err="1">
                 <a:solidFill>
                   <a:schemeClr val="accent6">
                     <a:lumMod val="75000"/>
@@ -14302,7 +14189,7 @@
               <a:t>PowerPointLabs</a:t>
             </a:r>
             <a:r>
-              <a:rPr lang="en-US" sz="5400" b="1" dirty="0" smtClean="0">
+              <a:rPr lang="en-US" sz="5400" b="1" dirty="0">
                 <a:solidFill>
                   <a:schemeClr val="accent6">
                     <a:lumMod val="75000"/>
@@ -14340,7 +14227,7 @@
               <a:buNone/>
             </a:pPr>
             <a:r>
-              <a:rPr lang="en-US" b="1" dirty="0" smtClean="0">
+              <a:rPr lang="en-US" b="1" dirty="0">
                 <a:solidFill>
                   <a:srgbClr val="0070C0"/>
                 </a:solidFill>
@@ -14351,34 +14238,21 @@
           <a:p>
             <a:pPr marL="285750" indent="-285750"/>
             <a:r>
-              <a:rPr lang="en-US" b="1" dirty="0" smtClean="0">
-                <a:solidFill>
-                  <a:srgbClr val="0070C0"/>
-                </a:solidFill>
-              </a:rPr>
-              <a:t>DO </a:t>
-            </a:r>
-            <a:r>
               <a:rPr lang="en-US" b="1" dirty="0">
                 <a:solidFill>
                   <a:srgbClr val="0070C0"/>
                 </a:solidFill>
               </a:rPr>
-              <a:t>NOT SAVE </a:t>
-            </a:r>
-            <a:r>
-              <a:rPr lang="en-US" dirty="0" smtClean="0">
+              <a:t>DO NOT SAVE </a:t>
+            </a:r>
+            <a:r>
+              <a:rPr lang="en-US" dirty="0">
                 <a:solidFill>
                   <a:srgbClr val="0070C0"/>
                 </a:solidFill>
               </a:rPr>
               <a:t>these slides after testing. Keep this file in its original form.</a:t>
             </a:r>
-            <a:endParaRPr lang="en-US" dirty="0">
-              <a:solidFill>
-                <a:srgbClr val="0070C0"/>
-              </a:solidFill>
-            </a:endParaRPr>
           </a:p>
           <a:p>
             <a:pPr marL="285750" indent="-285750"/>
@@ -14388,47 +14262,7 @@
                   <a:srgbClr val="0070C0"/>
                 </a:solidFill>
               </a:rPr>
-              <a:t>If </a:t>
-            </a:r>
-            <a:r>
-              <a:rPr lang="en-US" dirty="0" smtClean="0">
-                <a:solidFill>
-                  <a:srgbClr val="0070C0"/>
-                </a:solidFill>
-              </a:rPr>
-              <a:t>your </a:t>
-            </a:r>
-            <a:r>
-              <a:rPr lang="en-US" dirty="0">
-                <a:solidFill>
-                  <a:srgbClr val="0070C0"/>
-                </a:solidFill>
-              </a:rPr>
-              <a:t>result </a:t>
-            </a:r>
-            <a:r>
-              <a:rPr lang="en-US" dirty="0" smtClean="0">
-                <a:solidFill>
-                  <a:srgbClr val="0070C0"/>
-                </a:solidFill>
-              </a:rPr>
-              <a:t>is different from the </a:t>
-            </a:r>
-            <a:r>
-              <a:rPr lang="en-US" dirty="0">
-                <a:solidFill>
-                  <a:srgbClr val="0070C0"/>
-                </a:solidFill>
-              </a:rPr>
-              <a:t>expected output, </a:t>
-            </a:r>
-            <a:r>
-              <a:rPr lang="en-US" dirty="0" smtClean="0">
-                <a:solidFill>
-                  <a:srgbClr val="0070C0"/>
-                </a:solidFill>
-              </a:rPr>
-              <a:t>please submit a bug report (attach slides/screenshots as necessary).</a:t>
+              <a:t>If your result is different from the expected output, please submit a bug report (attach slides/screenshots as necessary).</a:t>
             </a:r>
             <a:endParaRPr lang="en-SG" dirty="0">
               <a:solidFill>
@@ -14451,13 +14285,6 @@
   <p:clrMapOvr>
     <a:masterClrMapping/>
   </p:clrMapOvr>
-  <p:timing>
-    <p:tnLst>
-      <p:par>
-        <p:cTn id="1" dur="indefinite" restart="never" nodeType="tmRoot"/>
-      </p:par>
-    </p:tnLst>
-  </p:timing>
 </p:sld>
 </file>
 
@@ -14501,7 +14328,7 @@
           <a:lstStyle/>
           <a:p>
             <a:r>
-              <a:rPr lang="en-US" sz="6000" dirty="0" smtClean="0"/>
+              <a:rPr lang="en-US" sz="6000" dirty="0"/>
               <a:t>A long section</a:t>
             </a:r>
             <a:endParaRPr lang="en-SG" sz="6000" dirty="0"/>
@@ -14518,13 +14345,6 @@
   <p:clrMapOvr>
     <a:masterClrMapping/>
   </p:clrMapOvr>
-  <p:timing>
-    <p:tnLst>
-      <p:par>
-        <p:cTn id="1" dur="indefinite" restart="never" nodeType="tmRoot"/>
-      </p:par>
-    </p:tnLst>
-  </p:timing>
 </p:sld>
 </file>
 
@@ -14563,13 +14383,6 @@
   <p:clrMapOvr>
     <a:masterClrMapping/>
   </p:clrMapOvr>
-  <p:timing>
-    <p:tnLst>
-      <p:par>
-        <p:cTn id="1" dur="indefinite" restart="never" nodeType="tmRoot"/>
-      </p:par>
-    </p:tnLst>
-  </p:timing>
 </p:sld>
 </file>
 
@@ -14609,13 +14422,6 @@
   <p:clrMapOvr>
     <a:masterClrMapping/>
   </p:clrMapOvr>
-  <p:timing>
-    <p:tnLst>
-      <p:par>
-        <p:cTn id="1" dur="indefinite" restart="never" nodeType="tmRoot"/>
-      </p:par>
-    </p:tnLst>
-  </p:timing>
 </p:sld>
 </file>
 
@@ -14646,13 +14452,6 @@
   <p:clrMapOvr>
     <a:masterClrMapping/>
   </p:clrMapOvr>
-  <p:timing>
-    <p:tnLst>
-      <p:par>
-        <p:cTn id="1" dur="indefinite" restart="never" nodeType="tmRoot"/>
-      </p:par>
-    </p:tnLst>
-  </p:timing>
 </p:sld>
 </file>
 
@@ -16281,13 +16080,6 @@
       </p:transition>
     </mc:Fallback>
   </mc:AlternateContent>
-  <p:timing>
-    <p:tnLst>
-      <p:par>
-        <p:cTn id="1" dur="indefinite" restart="never" nodeType="tmRoot"/>
-      </p:par>
-    </p:tnLst>
-  </p:timing>
 </p:sld>
 </file>
 
@@ -17913,7 +17705,7 @@
         <p:nvPicPr>
           <p:cNvPr id="2" name="Picture 1"/>
           <p:cNvPicPr>
-            <a:picLocks/>
+            <a:picLocks noChangeAspect="1"/>
           </p:cNvPicPr>
           <p:nvPr/>
         </p:nvPicPr>
@@ -17931,8 +17723,8 @@
         </p:blipFill>
         <p:spPr>
           <a:xfrm>
-            <a:off x="649224" y="992124"/>
-            <a:ext cx="7845552" cy="4873752"/>
+            <a:off x="0" y="1029202"/>
+            <a:ext cx="9144000" cy="4799596"/>
           </a:xfrm>
           <a:prstGeom prst="rect">
             <a:avLst/>
@@ -17942,21 +17734,13 @@
     </p:spTree>
     <p:extLst>
       <p:ext uri="{BB962C8B-B14F-4D97-AF65-F5344CB8AC3E}">
-        <p14:creationId xmlns:p14="http://schemas.microsoft.com/office/powerpoint/2010/main" val="1896475975"/>
+        <p14:creationId xmlns:p14="http://schemas.microsoft.com/office/powerpoint/2010/main" val="1886005230"/>
       </p:ext>
     </p:extLst>
   </p:cSld>
   <p:clrMapOvr>
     <a:masterClrMapping/>
   </p:clrMapOvr>
-  <mc:AlternateContent xmlns:mc="http://schemas.openxmlformats.org/markup-compatibility/2006" xmlns:p14="http://schemas.microsoft.com/office/powerpoint/2010/main">
-    <mc:Choice Requires="p14">
-      <p:transition spd="slow" p14:dur="2000"/>
-    </mc:Choice>
-    <mc:Fallback xmlns="">
-      <p:transition spd="slow"/>
-    </mc:Fallback>
-  </mc:AlternateContent>
 </p:sld>
 </file>
 
@@ -18528,7 +18312,7 @@
           <a:p>
             <a:pPr algn="l"/>
             <a:r>
-              <a:rPr lang="en-US" sz="7200" dirty="0" smtClean="0">
+              <a:rPr lang="en-US" sz="7200" dirty="0">
                 <a:solidFill>
                   <a:schemeClr val="bg1"/>
                 </a:solidFill>
@@ -18566,7 +18350,7 @@
           <a:lstStyle/>
           <a:p>
             <a:r>
-              <a:rPr lang="en-US" sz="2400" b="1" dirty="0" smtClean="0">
+              <a:rPr lang="en-US" sz="2400" b="1" dirty="0">
                 <a:solidFill>
                   <a:schemeClr val="bg1"/>
                 </a:solidFill>
@@ -18580,7 +18364,7 @@
               <a:buChar char="•"/>
             </a:pPr>
             <a:r>
-              <a:rPr lang="en-US" sz="2400" dirty="0" smtClean="0">
+              <a:rPr lang="en-US" sz="2400" dirty="0">
                 <a:solidFill>
                   <a:schemeClr val="bg1"/>
                 </a:solidFill>
@@ -18612,13 +18396,6 @@
       </p:transition>
     </mc:Fallback>
   </mc:AlternateContent>
-  <p:timing>
-    <p:tnLst>
-      <p:par>
-        <p:cTn id="1" dur="indefinite" restart="never" nodeType="tmRoot"/>
-      </p:par>
-    </p:tnLst>
-  </p:timing>
 </p:sld>
 </file>
 
@@ -20299,7 +20076,7 @@
           <a:lstStyle/>
           <a:p>
             <a:r>
-              <a:rPr lang="en-US" sz="6000" dirty="0" smtClean="0"/>
+              <a:rPr lang="en-US" sz="6000" dirty="0"/>
               <a:t>Test Image</a:t>
             </a:r>
             <a:endParaRPr lang="en-SG" sz="6000" dirty="0"/>
@@ -20328,13 +20105,6 @@
       </p:transition>
     </mc:Fallback>
   </mc:AlternateContent>
-  <p:timing>
-    <p:tnLst>
-      <p:par>
-        <p:cTn id="1" dur="indefinite" restart="never" nodeType="tmRoot"/>
-      </p:par>
-    </p:tnLst>
-  </p:timing>
 </p:sld>
 </file>
 

--- a/doc/test/AgendaSlidesVisualDefault.pptx
+++ b/doc/test/AgendaSlidesVisualDefault.pptx
@@ -39,7 +39,7 @@
     <p:sldId id="314" r:id="rId30"/>
     <p:sldId id="331" r:id="rId31"/>
     <p:sldId id="328" r:id="rId32"/>
-    <p:sldId id="335" r:id="rId33"/>
+    <p:sldId id="332" r:id="rId33"/>
   </p:sldIdLst>
   <p:sldSz cx="9144000" cy="6858000" type="screen4x3"/>
   <p:notesSz cx="6858000" cy="9144000"/>
@@ -192,13 +192,13 @@
             <p14:sldId id="314"/>
             <p14:sldId id="331"/>
             <p14:sldId id="328"/>
-            <p14:sldId id="335"/>
+            <p14:sldId id="332"/>
           </p14:sldIdLst>
         </p14:section>
       </p14:sectionLst>
     </p:ext>
     <p:ext uri="{EFAFB233-063F-42B5-8137-9DF3F51BA10A}">
-      <p15:sldGuideLst xmlns:p15="http://schemas.microsoft.com/office/powerpoint/2012/main">
+      <p15:sldGuideLst xmlns:p15="http://schemas.microsoft.com/office/powerpoint/2012/main" xmlns="">
         <p15:guide id="1" orient="horz" pos="2160">
           <p15:clr>
             <a:srgbClr val="A4A3A4"/>
@@ -297,7 +297,7 @@
           <a:p>
             <a:fld id="{C33977A5-270E-4E03-B118-17345E304686}" type="datetimeFigureOut">
               <a:rPr lang="en-US" smtClean="0"/>
-              <a:t>1/23/2017</a:t>
+              <a:t>25-Jun-15</a:t>
             </a:fld>
             <a:endParaRPr lang="en-US"/>
           </a:p>
@@ -361,37 +361,38 @@
           <a:p>
             <a:pPr lvl="0"/>
             <a:r>
-              <a:rPr lang="en-US"/>
+              <a:rPr lang="en-US" smtClean="0"/>
               <a:t>Click to edit Master text styles</a:t>
             </a:r>
           </a:p>
           <a:p>
             <a:pPr lvl="1"/>
             <a:r>
-              <a:rPr lang="en-US"/>
+              <a:rPr lang="en-US" smtClean="0"/>
               <a:t>Second level</a:t>
             </a:r>
           </a:p>
           <a:p>
             <a:pPr lvl="2"/>
             <a:r>
-              <a:rPr lang="en-US"/>
+              <a:rPr lang="en-US" smtClean="0"/>
               <a:t>Third level</a:t>
             </a:r>
           </a:p>
           <a:p>
             <a:pPr lvl="3"/>
             <a:r>
-              <a:rPr lang="en-US"/>
+              <a:rPr lang="en-US" smtClean="0"/>
               <a:t>Fourth level</a:t>
             </a:r>
           </a:p>
           <a:p>
             <a:pPr lvl="4"/>
             <a:r>
-              <a:rPr lang="en-US"/>
+              <a:rPr lang="en-US" smtClean="0"/>
               <a:t>Fifth level</a:t>
             </a:r>
+            <a:endParaRPr lang="en-US"/>
           </a:p>
         </p:txBody>
       </p:sp>
@@ -609,15 +610,15 @@
           <a:lstStyle/>
           <a:p>
             <a:r>
-              <a:rPr lang="en-US" dirty="0"/>
+              <a:rPr lang="en-US" dirty="0" smtClean="0"/>
               <a:t>This notes page is used to store data - Do not edit the notes. </a:t>
             </a:r>
             <a:r>
-              <a:rPr lang="en-US" dirty="0" err="1"/>
+              <a:rPr lang="en-US" dirty="0" err="1" smtClean="0"/>
               <a:t>UFBUVGVtcGxhdGVNYXJrZXI</a:t>
             </a:r>
             <a:r>
-              <a:rPr lang="en-US"/>
+              <a:rPr lang="en-US" smtClean="0"/>
               <a:t>=@VGl0bGUgMQ==@UHB0TGFic0FnZW5kYV8mXkBWaXN1YWxBZ2VuZGFJbWFnZV8mXkBPbmUgU2xpZGVfMg==@UHB0TGFic0FnZW5kYV8mXkBWaXN1YWxBZ2VuZGFJbWFnZV8mXkBUd28gU2xpZGVzXzM=@UHB0TGFic0FnZW5kYV8mXkBWaXN1YWxBZ2VuZGFJbWFnZV8mXkBTYW1lIE5hbWVfNA==@UHB0TGFic0FnZW5kYV8mXkBWaXN1YWxBZ2VuZGFJbWFnZV8mXkBTYW1lIE5hbWVfNQ==@UHB0TGFic0FnZW5kYV8mXkBWaXN1YWxBZ2VuZGFJbWFnZV8mXkDjgYLjgYTjgYbjgYjjgYprbCkoKiYlJCNAODV2XyspMF9AIyVMOkNGXTFfNg==@2871121657</a:t>
             </a:r>
             <a:endParaRPr lang="en-US" dirty="0"/>
@@ -698,9 +699,10 @@
           <a:lstStyle/>
           <a:p>
             <a:r>
-              <a:rPr lang="en-US"/>
+              <a:rPr lang="en-US" smtClean="0"/>
               <a:t>Click to edit Master title style</a:t>
             </a:r>
+            <a:endParaRPr lang="en-US"/>
           </a:p>
         </p:txBody>
       </p:sp>
@@ -816,9 +818,10 @@
           </a:lstStyle>
           <a:p>
             <a:r>
-              <a:rPr lang="en-US"/>
+              <a:rPr lang="en-US" smtClean="0"/>
               <a:t>Click to edit Master subtitle style</a:t>
             </a:r>
+            <a:endParaRPr lang="en-US"/>
           </a:p>
         </p:txBody>
       </p:sp>
@@ -839,7 +842,7 @@
           <a:p>
             <a:fld id="{699DC775-C286-4358-8C92-D7E584E969B3}" type="datetimeFigureOut">
               <a:rPr lang="en-US" smtClean="0"/>
-              <a:t>1/23/2017</a:t>
+              <a:t>25-Jun-15</a:t>
             </a:fld>
             <a:endParaRPr lang="en-US"/>
           </a:p>
@@ -933,9 +936,10 @@
           <a:lstStyle/>
           <a:p>
             <a:r>
-              <a:rPr lang="en-US"/>
+              <a:rPr lang="en-US" smtClean="0"/>
               <a:t>Click to edit Master title style</a:t>
             </a:r>
+            <a:endParaRPr lang="en-US"/>
           </a:p>
         </p:txBody>
       </p:sp>
@@ -956,37 +960,38 @@
           <a:p>
             <a:pPr lvl="0"/>
             <a:r>
-              <a:rPr lang="en-US"/>
+              <a:rPr lang="en-US" smtClean="0"/>
               <a:t>Click to edit Master text styles</a:t>
             </a:r>
           </a:p>
           <a:p>
             <a:pPr lvl="1"/>
             <a:r>
-              <a:rPr lang="en-US"/>
+              <a:rPr lang="en-US" smtClean="0"/>
               <a:t>Second level</a:t>
             </a:r>
           </a:p>
           <a:p>
             <a:pPr lvl="2"/>
             <a:r>
-              <a:rPr lang="en-US"/>
+              <a:rPr lang="en-US" smtClean="0"/>
               <a:t>Third level</a:t>
             </a:r>
           </a:p>
           <a:p>
             <a:pPr lvl="3"/>
             <a:r>
-              <a:rPr lang="en-US"/>
+              <a:rPr lang="en-US" smtClean="0"/>
               <a:t>Fourth level</a:t>
             </a:r>
           </a:p>
           <a:p>
             <a:pPr lvl="4"/>
             <a:r>
-              <a:rPr lang="en-US"/>
+              <a:rPr lang="en-US" smtClean="0"/>
               <a:t>Fifth level</a:t>
             </a:r>
+            <a:endParaRPr lang="en-US"/>
           </a:p>
         </p:txBody>
       </p:sp>
@@ -1007,7 +1012,7 @@
           <a:p>
             <a:fld id="{699DC775-C286-4358-8C92-D7E584E969B3}" type="datetimeFigureOut">
               <a:rPr lang="en-US" smtClean="0"/>
-              <a:t>1/23/2017</a:t>
+              <a:t>25-Jun-15</a:t>
             </a:fld>
             <a:endParaRPr lang="en-US"/>
           </a:p>
@@ -1106,9 +1111,10 @@
           <a:lstStyle/>
           <a:p>
             <a:r>
-              <a:rPr lang="en-US"/>
+              <a:rPr lang="en-US" smtClean="0"/>
               <a:t>Click to edit Master title style</a:t>
             </a:r>
+            <a:endParaRPr lang="en-US"/>
           </a:p>
         </p:txBody>
       </p:sp>
@@ -1134,37 +1140,38 @@
           <a:p>
             <a:pPr lvl="0"/>
             <a:r>
-              <a:rPr lang="en-US"/>
+              <a:rPr lang="en-US" smtClean="0"/>
               <a:t>Click to edit Master text styles</a:t>
             </a:r>
           </a:p>
           <a:p>
             <a:pPr lvl="1"/>
             <a:r>
-              <a:rPr lang="en-US"/>
+              <a:rPr lang="en-US" smtClean="0"/>
               <a:t>Second level</a:t>
             </a:r>
           </a:p>
           <a:p>
             <a:pPr lvl="2"/>
             <a:r>
-              <a:rPr lang="en-US"/>
+              <a:rPr lang="en-US" smtClean="0"/>
               <a:t>Third level</a:t>
             </a:r>
           </a:p>
           <a:p>
             <a:pPr lvl="3"/>
             <a:r>
-              <a:rPr lang="en-US"/>
+              <a:rPr lang="en-US" smtClean="0"/>
               <a:t>Fourth level</a:t>
             </a:r>
           </a:p>
           <a:p>
             <a:pPr lvl="4"/>
             <a:r>
-              <a:rPr lang="en-US"/>
+              <a:rPr lang="en-US" smtClean="0"/>
               <a:t>Fifth level</a:t>
             </a:r>
+            <a:endParaRPr lang="en-US"/>
           </a:p>
         </p:txBody>
       </p:sp>
@@ -1185,7 +1192,7 @@
           <a:p>
             <a:fld id="{699DC775-C286-4358-8C92-D7E584E969B3}" type="datetimeFigureOut">
               <a:rPr lang="en-US" smtClean="0"/>
-              <a:t>1/23/2017</a:t>
+              <a:t>25-Jun-15</a:t>
             </a:fld>
             <a:endParaRPr lang="en-US"/>
           </a:p>
@@ -1279,9 +1286,10 @@
           <a:lstStyle/>
           <a:p>
             <a:r>
-              <a:rPr lang="en-US"/>
+              <a:rPr lang="en-US" smtClean="0"/>
               <a:t>Click to edit Master title style</a:t>
             </a:r>
+            <a:endParaRPr lang="en-US"/>
           </a:p>
         </p:txBody>
       </p:sp>
@@ -1302,37 +1310,38 @@
           <a:p>
             <a:pPr lvl="0"/>
             <a:r>
-              <a:rPr lang="en-US"/>
+              <a:rPr lang="en-US" smtClean="0"/>
               <a:t>Click to edit Master text styles</a:t>
             </a:r>
           </a:p>
           <a:p>
             <a:pPr lvl="1"/>
             <a:r>
-              <a:rPr lang="en-US"/>
+              <a:rPr lang="en-US" smtClean="0"/>
               <a:t>Second level</a:t>
             </a:r>
           </a:p>
           <a:p>
             <a:pPr lvl="2"/>
             <a:r>
-              <a:rPr lang="en-US"/>
+              <a:rPr lang="en-US" smtClean="0"/>
               <a:t>Third level</a:t>
             </a:r>
           </a:p>
           <a:p>
             <a:pPr lvl="3"/>
             <a:r>
-              <a:rPr lang="en-US"/>
+              <a:rPr lang="en-US" smtClean="0"/>
               <a:t>Fourth level</a:t>
             </a:r>
           </a:p>
           <a:p>
             <a:pPr lvl="4"/>
             <a:r>
-              <a:rPr lang="en-US"/>
+              <a:rPr lang="en-US" smtClean="0"/>
               <a:t>Fifth level</a:t>
             </a:r>
+            <a:endParaRPr lang="en-US"/>
           </a:p>
         </p:txBody>
       </p:sp>
@@ -1353,7 +1362,7 @@
           <a:p>
             <a:fld id="{699DC775-C286-4358-8C92-D7E584E969B3}" type="datetimeFigureOut">
               <a:rPr lang="en-US" smtClean="0"/>
-              <a:t>1/23/2017</a:t>
+              <a:t>25-Jun-15</a:t>
             </a:fld>
             <a:endParaRPr lang="en-US"/>
           </a:p>
@@ -1452,9 +1461,10 @@
           <a:lstStyle/>
           <a:p>
             <a:r>
-              <a:rPr lang="en-US"/>
+              <a:rPr lang="en-US" smtClean="0"/>
               <a:t>Click to edit Master title style</a:t>
             </a:r>
+            <a:endParaRPr lang="en-US"/>
           </a:p>
         </p:txBody>
       </p:sp>
@@ -1570,9 +1580,10 @@
           </a:lstStyle>
           <a:p>
             <a:r>
-              <a:rPr lang="en-US"/>
+              <a:rPr lang="en-US" smtClean="0"/>
               <a:t>Click to edit Master subtitle style</a:t>
             </a:r>
+            <a:endParaRPr lang="en-US"/>
           </a:p>
         </p:txBody>
       </p:sp>
@@ -1593,7 +1604,7 @@
           <a:p>
             <a:fld id="{699DC775-C286-4358-8C92-D7E584E969B3}" type="datetimeFigureOut">
               <a:rPr lang="en-US" smtClean="0"/>
-              <a:t>1/23/2017</a:t>
+              <a:t>25-Jun-15</a:t>
             </a:fld>
             <a:endParaRPr lang="en-US"/>
           </a:p>
@@ -1687,9 +1698,10 @@
           <a:lstStyle/>
           <a:p>
             <a:r>
-              <a:rPr lang="en-US"/>
+              <a:rPr lang="en-US" smtClean="0"/>
               <a:t>Click to edit Master title style</a:t>
             </a:r>
+            <a:endParaRPr lang="en-US"/>
           </a:p>
         </p:txBody>
       </p:sp>
@@ -1710,37 +1722,38 @@
           <a:p>
             <a:pPr lvl="0"/>
             <a:r>
-              <a:rPr lang="en-US"/>
+              <a:rPr lang="en-US" smtClean="0"/>
               <a:t>Click to edit Master text styles</a:t>
             </a:r>
           </a:p>
           <a:p>
             <a:pPr lvl="1"/>
             <a:r>
-              <a:rPr lang="en-US"/>
+              <a:rPr lang="en-US" smtClean="0"/>
               <a:t>Second level</a:t>
             </a:r>
           </a:p>
           <a:p>
             <a:pPr lvl="2"/>
             <a:r>
-              <a:rPr lang="en-US"/>
+              <a:rPr lang="en-US" smtClean="0"/>
               <a:t>Third level</a:t>
             </a:r>
           </a:p>
           <a:p>
             <a:pPr lvl="3"/>
             <a:r>
-              <a:rPr lang="en-US"/>
+              <a:rPr lang="en-US" smtClean="0"/>
               <a:t>Fourth level</a:t>
             </a:r>
           </a:p>
           <a:p>
             <a:pPr lvl="4"/>
             <a:r>
-              <a:rPr lang="en-US"/>
+              <a:rPr lang="en-US" smtClean="0"/>
               <a:t>Fifth level</a:t>
             </a:r>
+            <a:endParaRPr lang="en-US"/>
           </a:p>
         </p:txBody>
       </p:sp>
@@ -1761,7 +1774,7 @@
           <a:p>
             <a:fld id="{699DC775-C286-4358-8C92-D7E584E969B3}" type="datetimeFigureOut">
               <a:rPr lang="en-US" smtClean="0"/>
-              <a:t>1/23/2017</a:t>
+              <a:t>25-Jun-15</a:t>
             </a:fld>
             <a:endParaRPr lang="en-US"/>
           </a:p>
@@ -1864,9 +1877,10 @@
           </a:lstStyle>
           <a:p>
             <a:r>
-              <a:rPr lang="en-US"/>
+              <a:rPr lang="en-US" smtClean="0"/>
               <a:t>Click to edit Master title style</a:t>
             </a:r>
+            <a:endParaRPr lang="en-US"/>
           </a:p>
         </p:txBody>
       </p:sp>
@@ -1983,7 +1997,7 @@
           <a:p>
             <a:pPr lvl="0"/>
             <a:r>
-              <a:rPr lang="en-US"/>
+              <a:rPr lang="en-US" smtClean="0"/>
               <a:t>Click to edit Master text styles</a:t>
             </a:r>
           </a:p>
@@ -2006,7 +2020,7 @@
           <a:p>
             <a:fld id="{699DC775-C286-4358-8C92-D7E584E969B3}" type="datetimeFigureOut">
               <a:rPr lang="en-US" smtClean="0"/>
-              <a:t>1/23/2017</a:t>
+              <a:t>25-Jun-15</a:t>
             </a:fld>
             <a:endParaRPr lang="en-US"/>
           </a:p>
@@ -2100,9 +2114,10 @@
           <a:lstStyle/>
           <a:p>
             <a:r>
-              <a:rPr lang="en-US"/>
+              <a:rPr lang="en-US" smtClean="0"/>
               <a:t>Click to edit Master title style</a:t>
             </a:r>
+            <a:endParaRPr lang="en-US"/>
           </a:p>
         </p:txBody>
       </p:sp>
@@ -2156,37 +2171,38 @@
           <a:p>
             <a:pPr lvl="0"/>
             <a:r>
-              <a:rPr lang="en-US"/>
+              <a:rPr lang="en-US" smtClean="0"/>
               <a:t>Click to edit Master text styles</a:t>
             </a:r>
           </a:p>
           <a:p>
             <a:pPr lvl="1"/>
             <a:r>
-              <a:rPr lang="en-US"/>
+              <a:rPr lang="en-US" smtClean="0"/>
               <a:t>Second level</a:t>
             </a:r>
           </a:p>
           <a:p>
             <a:pPr lvl="2"/>
             <a:r>
-              <a:rPr lang="en-US"/>
+              <a:rPr lang="en-US" smtClean="0"/>
               <a:t>Third level</a:t>
             </a:r>
           </a:p>
           <a:p>
             <a:pPr lvl="3"/>
             <a:r>
-              <a:rPr lang="en-US"/>
+              <a:rPr lang="en-US" smtClean="0"/>
               <a:t>Fourth level</a:t>
             </a:r>
           </a:p>
           <a:p>
             <a:pPr lvl="4"/>
             <a:r>
-              <a:rPr lang="en-US"/>
+              <a:rPr lang="en-US" smtClean="0"/>
               <a:t>Fifth level</a:t>
             </a:r>
+            <a:endParaRPr lang="en-US"/>
           </a:p>
         </p:txBody>
       </p:sp>
@@ -2240,37 +2256,38 @@
           <a:p>
             <a:pPr lvl="0"/>
             <a:r>
-              <a:rPr lang="en-US"/>
+              <a:rPr lang="en-US" smtClean="0"/>
               <a:t>Click to edit Master text styles</a:t>
             </a:r>
           </a:p>
           <a:p>
             <a:pPr lvl="1"/>
             <a:r>
-              <a:rPr lang="en-US"/>
+              <a:rPr lang="en-US" smtClean="0"/>
               <a:t>Second level</a:t>
             </a:r>
           </a:p>
           <a:p>
             <a:pPr lvl="2"/>
             <a:r>
-              <a:rPr lang="en-US"/>
+              <a:rPr lang="en-US" smtClean="0"/>
               <a:t>Third level</a:t>
             </a:r>
           </a:p>
           <a:p>
             <a:pPr lvl="3"/>
             <a:r>
-              <a:rPr lang="en-US"/>
+              <a:rPr lang="en-US" smtClean="0"/>
               <a:t>Fourth level</a:t>
             </a:r>
           </a:p>
           <a:p>
             <a:pPr lvl="4"/>
             <a:r>
-              <a:rPr lang="en-US"/>
+              <a:rPr lang="en-US" smtClean="0"/>
               <a:t>Fifth level</a:t>
             </a:r>
+            <a:endParaRPr lang="en-US"/>
           </a:p>
         </p:txBody>
       </p:sp>
@@ -2291,7 +2308,7 @@
           <a:p>
             <a:fld id="{699DC775-C286-4358-8C92-D7E584E969B3}" type="datetimeFigureOut">
               <a:rPr lang="en-US" smtClean="0"/>
-              <a:t>1/23/2017</a:t>
+              <a:t>25-Jun-15</a:t>
             </a:fld>
             <a:endParaRPr lang="en-US"/>
           </a:p>
@@ -2389,9 +2406,10 @@
           </a:lstStyle>
           <a:p>
             <a:r>
-              <a:rPr lang="en-US"/>
+              <a:rPr lang="en-US" smtClean="0"/>
               <a:t>Click to edit Master title style</a:t>
             </a:r>
+            <a:endParaRPr lang="en-US"/>
           </a:p>
         </p:txBody>
       </p:sp>
@@ -2454,7 +2472,7 @@
           <a:p>
             <a:pPr lvl="0"/>
             <a:r>
-              <a:rPr lang="en-US"/>
+              <a:rPr lang="en-US" smtClean="0"/>
               <a:t>Click to edit Master text styles</a:t>
             </a:r>
           </a:p>
@@ -2510,37 +2528,38 @@
           <a:p>
             <a:pPr lvl="0"/>
             <a:r>
-              <a:rPr lang="en-US"/>
+              <a:rPr lang="en-US" smtClean="0"/>
               <a:t>Click to edit Master text styles</a:t>
             </a:r>
           </a:p>
           <a:p>
             <a:pPr lvl="1"/>
             <a:r>
-              <a:rPr lang="en-US"/>
+              <a:rPr lang="en-US" smtClean="0"/>
               <a:t>Second level</a:t>
             </a:r>
           </a:p>
           <a:p>
             <a:pPr lvl="2"/>
             <a:r>
-              <a:rPr lang="en-US"/>
+              <a:rPr lang="en-US" smtClean="0"/>
               <a:t>Third level</a:t>
             </a:r>
           </a:p>
           <a:p>
             <a:pPr lvl="3"/>
             <a:r>
-              <a:rPr lang="en-US"/>
+              <a:rPr lang="en-US" smtClean="0"/>
               <a:t>Fourth level</a:t>
             </a:r>
           </a:p>
           <a:p>
             <a:pPr lvl="4"/>
             <a:r>
-              <a:rPr lang="en-US"/>
+              <a:rPr lang="en-US" smtClean="0"/>
               <a:t>Fifth level</a:t>
             </a:r>
+            <a:endParaRPr lang="en-US"/>
           </a:p>
         </p:txBody>
       </p:sp>
@@ -2603,7 +2622,7 @@
           <a:p>
             <a:pPr lvl="0"/>
             <a:r>
-              <a:rPr lang="en-US"/>
+              <a:rPr lang="en-US" smtClean="0"/>
               <a:t>Click to edit Master text styles</a:t>
             </a:r>
           </a:p>
@@ -2659,37 +2678,38 @@
           <a:p>
             <a:pPr lvl="0"/>
             <a:r>
-              <a:rPr lang="en-US"/>
+              <a:rPr lang="en-US" smtClean="0"/>
               <a:t>Click to edit Master text styles</a:t>
             </a:r>
           </a:p>
           <a:p>
             <a:pPr lvl="1"/>
             <a:r>
-              <a:rPr lang="en-US"/>
+              <a:rPr lang="en-US" smtClean="0"/>
               <a:t>Second level</a:t>
             </a:r>
           </a:p>
           <a:p>
             <a:pPr lvl="2"/>
             <a:r>
-              <a:rPr lang="en-US"/>
+              <a:rPr lang="en-US" smtClean="0"/>
               <a:t>Third level</a:t>
             </a:r>
           </a:p>
           <a:p>
             <a:pPr lvl="3"/>
             <a:r>
-              <a:rPr lang="en-US"/>
+              <a:rPr lang="en-US" smtClean="0"/>
               <a:t>Fourth level</a:t>
             </a:r>
           </a:p>
           <a:p>
             <a:pPr lvl="4"/>
             <a:r>
-              <a:rPr lang="en-US"/>
+              <a:rPr lang="en-US" smtClean="0"/>
               <a:t>Fifth level</a:t>
             </a:r>
+            <a:endParaRPr lang="en-US"/>
           </a:p>
         </p:txBody>
       </p:sp>
@@ -2710,7 +2730,7 @@
           <a:p>
             <a:fld id="{699DC775-C286-4358-8C92-D7E584E969B3}" type="datetimeFigureOut">
               <a:rPr lang="en-US" smtClean="0"/>
-              <a:t>1/23/2017</a:t>
+              <a:t>25-Jun-15</a:t>
             </a:fld>
             <a:endParaRPr lang="en-US"/>
           </a:p>
@@ -2804,9 +2824,10 @@
           <a:lstStyle/>
           <a:p>
             <a:r>
-              <a:rPr lang="en-US"/>
+              <a:rPr lang="en-US" smtClean="0"/>
               <a:t>Click to edit Master title style</a:t>
             </a:r>
+            <a:endParaRPr lang="en-US"/>
           </a:p>
         </p:txBody>
       </p:sp>
@@ -2827,7 +2848,7 @@
           <a:p>
             <a:fld id="{699DC775-C286-4358-8C92-D7E584E969B3}" type="datetimeFigureOut">
               <a:rPr lang="en-US" smtClean="0"/>
-              <a:t>1/23/2017</a:t>
+              <a:t>25-Jun-15</a:t>
             </a:fld>
             <a:endParaRPr lang="en-US"/>
           </a:p>
@@ -2922,7 +2943,7 @@
           <a:p>
             <a:fld id="{699DC775-C286-4358-8C92-D7E584E969B3}" type="datetimeFigureOut">
               <a:rPr lang="en-US" smtClean="0"/>
-              <a:t>1/23/2017</a:t>
+              <a:t>25-Jun-15</a:t>
             </a:fld>
             <a:endParaRPr lang="en-US"/>
           </a:p>
@@ -3016,9 +3037,10 @@
           <a:lstStyle/>
           <a:p>
             <a:r>
-              <a:rPr lang="en-US"/>
+              <a:rPr lang="en-US" smtClean="0"/>
               <a:t>Click to edit Master title style</a:t>
             </a:r>
+            <a:endParaRPr lang="en-US"/>
           </a:p>
         </p:txBody>
       </p:sp>
@@ -3039,37 +3061,38 @@
           <a:p>
             <a:pPr lvl="0"/>
             <a:r>
-              <a:rPr lang="en-US"/>
+              <a:rPr lang="en-US" smtClean="0"/>
               <a:t>Click to edit Master text styles</a:t>
             </a:r>
           </a:p>
           <a:p>
             <a:pPr lvl="1"/>
             <a:r>
-              <a:rPr lang="en-US"/>
+              <a:rPr lang="en-US" smtClean="0"/>
               <a:t>Second level</a:t>
             </a:r>
           </a:p>
           <a:p>
             <a:pPr lvl="2"/>
             <a:r>
-              <a:rPr lang="en-US"/>
+              <a:rPr lang="en-US" smtClean="0"/>
               <a:t>Third level</a:t>
             </a:r>
           </a:p>
           <a:p>
             <a:pPr lvl="3"/>
             <a:r>
-              <a:rPr lang="en-US"/>
+              <a:rPr lang="en-US" smtClean="0"/>
               <a:t>Fourth level</a:t>
             </a:r>
           </a:p>
           <a:p>
             <a:pPr lvl="4"/>
             <a:r>
-              <a:rPr lang="en-US"/>
+              <a:rPr lang="en-US" smtClean="0"/>
               <a:t>Fifth level</a:t>
             </a:r>
+            <a:endParaRPr lang="en-US"/>
           </a:p>
         </p:txBody>
       </p:sp>
@@ -3090,7 +3113,7 @@
           <a:p>
             <a:fld id="{699DC775-C286-4358-8C92-D7E584E969B3}" type="datetimeFigureOut">
               <a:rPr lang="en-US" smtClean="0"/>
-              <a:t>1/23/2017</a:t>
+              <a:t>25-Jun-15</a:t>
             </a:fld>
             <a:endParaRPr lang="en-US"/>
           </a:p>
@@ -3193,9 +3216,10 @@
           </a:lstStyle>
           <a:p>
             <a:r>
-              <a:rPr lang="en-US"/>
+              <a:rPr lang="en-US" smtClean="0"/>
               <a:t>Click to edit Master title style</a:t>
             </a:r>
+            <a:endParaRPr lang="en-US"/>
           </a:p>
         </p:txBody>
       </p:sp>
@@ -3249,37 +3273,38 @@
           <a:p>
             <a:pPr lvl="0"/>
             <a:r>
-              <a:rPr lang="en-US"/>
+              <a:rPr lang="en-US" smtClean="0"/>
               <a:t>Click to edit Master text styles</a:t>
             </a:r>
           </a:p>
           <a:p>
             <a:pPr lvl="1"/>
             <a:r>
-              <a:rPr lang="en-US"/>
+              <a:rPr lang="en-US" smtClean="0"/>
               <a:t>Second level</a:t>
             </a:r>
           </a:p>
           <a:p>
             <a:pPr lvl="2"/>
             <a:r>
-              <a:rPr lang="en-US"/>
+              <a:rPr lang="en-US" smtClean="0"/>
               <a:t>Third level</a:t>
             </a:r>
           </a:p>
           <a:p>
             <a:pPr lvl="3"/>
             <a:r>
-              <a:rPr lang="en-US"/>
+              <a:rPr lang="en-US" smtClean="0"/>
               <a:t>Fourth level</a:t>
             </a:r>
           </a:p>
           <a:p>
             <a:pPr lvl="4"/>
             <a:r>
-              <a:rPr lang="en-US"/>
+              <a:rPr lang="en-US" smtClean="0"/>
               <a:t>Fifth level</a:t>
             </a:r>
+            <a:endParaRPr lang="en-US"/>
           </a:p>
         </p:txBody>
       </p:sp>
@@ -3342,7 +3367,7 @@
           <a:p>
             <a:pPr lvl="0"/>
             <a:r>
-              <a:rPr lang="en-US"/>
+              <a:rPr lang="en-US" smtClean="0"/>
               <a:t>Click to edit Master text styles</a:t>
             </a:r>
           </a:p>
@@ -3365,7 +3390,7 @@
           <a:p>
             <a:fld id="{699DC775-C286-4358-8C92-D7E584E969B3}" type="datetimeFigureOut">
               <a:rPr lang="en-US" smtClean="0"/>
-              <a:t>1/23/2017</a:t>
+              <a:t>25-Jun-15</a:t>
             </a:fld>
             <a:endParaRPr lang="en-US"/>
           </a:p>
@@ -3468,9 +3493,10 @@
           </a:lstStyle>
           <a:p>
             <a:r>
-              <a:rPr lang="en-US"/>
+              <a:rPr lang="en-US" smtClean="0"/>
               <a:t>Click to edit Master title style</a:t>
             </a:r>
+            <a:endParaRPr lang="en-US"/>
           </a:p>
         </p:txBody>
       </p:sp>
@@ -3594,7 +3620,7 @@
           <a:p>
             <a:pPr lvl="0"/>
             <a:r>
-              <a:rPr lang="en-US"/>
+              <a:rPr lang="en-US" smtClean="0"/>
               <a:t>Click to edit Master text styles</a:t>
             </a:r>
           </a:p>
@@ -3617,7 +3643,7 @@
           <a:p>
             <a:fld id="{699DC775-C286-4358-8C92-D7E584E969B3}" type="datetimeFigureOut">
               <a:rPr lang="en-US" smtClean="0"/>
-              <a:t>1/23/2017</a:t>
+              <a:t>25-Jun-15</a:t>
             </a:fld>
             <a:endParaRPr lang="en-US"/>
           </a:p>
@@ -3711,9 +3737,10 @@
           <a:lstStyle/>
           <a:p>
             <a:r>
-              <a:rPr lang="en-US"/>
+              <a:rPr lang="en-US" smtClean="0"/>
               <a:t>Click to edit Master title style</a:t>
             </a:r>
+            <a:endParaRPr lang="en-US"/>
           </a:p>
         </p:txBody>
       </p:sp>
@@ -3734,37 +3761,38 @@
           <a:p>
             <a:pPr lvl="0"/>
             <a:r>
-              <a:rPr lang="en-US"/>
+              <a:rPr lang="en-US" smtClean="0"/>
               <a:t>Click to edit Master text styles</a:t>
             </a:r>
           </a:p>
           <a:p>
             <a:pPr lvl="1"/>
             <a:r>
-              <a:rPr lang="en-US"/>
+              <a:rPr lang="en-US" smtClean="0"/>
               <a:t>Second level</a:t>
             </a:r>
           </a:p>
           <a:p>
             <a:pPr lvl="2"/>
             <a:r>
-              <a:rPr lang="en-US"/>
+              <a:rPr lang="en-US" smtClean="0"/>
               <a:t>Third level</a:t>
             </a:r>
           </a:p>
           <a:p>
             <a:pPr lvl="3"/>
             <a:r>
-              <a:rPr lang="en-US"/>
+              <a:rPr lang="en-US" smtClean="0"/>
               <a:t>Fourth level</a:t>
             </a:r>
           </a:p>
           <a:p>
             <a:pPr lvl="4"/>
             <a:r>
-              <a:rPr lang="en-US"/>
+              <a:rPr lang="en-US" smtClean="0"/>
               <a:t>Fifth level</a:t>
             </a:r>
+            <a:endParaRPr lang="en-US"/>
           </a:p>
         </p:txBody>
       </p:sp>
@@ -3785,7 +3813,7 @@
           <a:p>
             <a:fld id="{699DC775-C286-4358-8C92-D7E584E969B3}" type="datetimeFigureOut">
               <a:rPr lang="en-US" smtClean="0"/>
-              <a:t>1/23/2017</a:t>
+              <a:t>25-Jun-15</a:t>
             </a:fld>
             <a:endParaRPr lang="en-US"/>
           </a:p>
@@ -3884,9 +3912,10 @@
           <a:lstStyle/>
           <a:p>
             <a:r>
-              <a:rPr lang="en-US"/>
+              <a:rPr lang="en-US" smtClean="0"/>
               <a:t>Click to edit Master title style</a:t>
             </a:r>
+            <a:endParaRPr lang="en-US"/>
           </a:p>
         </p:txBody>
       </p:sp>
@@ -3912,37 +3941,38 @@
           <a:p>
             <a:pPr lvl="0"/>
             <a:r>
-              <a:rPr lang="en-US"/>
+              <a:rPr lang="en-US" smtClean="0"/>
               <a:t>Click to edit Master text styles</a:t>
             </a:r>
           </a:p>
           <a:p>
             <a:pPr lvl="1"/>
             <a:r>
-              <a:rPr lang="en-US"/>
+              <a:rPr lang="en-US" smtClean="0"/>
               <a:t>Second level</a:t>
             </a:r>
           </a:p>
           <a:p>
             <a:pPr lvl="2"/>
             <a:r>
-              <a:rPr lang="en-US"/>
+              <a:rPr lang="en-US" smtClean="0"/>
               <a:t>Third level</a:t>
             </a:r>
           </a:p>
           <a:p>
             <a:pPr lvl="3"/>
             <a:r>
-              <a:rPr lang="en-US"/>
+              <a:rPr lang="en-US" smtClean="0"/>
               <a:t>Fourth level</a:t>
             </a:r>
           </a:p>
           <a:p>
             <a:pPr lvl="4"/>
             <a:r>
-              <a:rPr lang="en-US"/>
+              <a:rPr lang="en-US" smtClean="0"/>
               <a:t>Fifth level</a:t>
             </a:r>
+            <a:endParaRPr lang="en-US"/>
           </a:p>
         </p:txBody>
       </p:sp>
@@ -3963,7 +3993,7 @@
           <a:p>
             <a:fld id="{699DC775-C286-4358-8C92-D7E584E969B3}" type="datetimeFigureOut">
               <a:rPr lang="en-US" smtClean="0"/>
-              <a:t>1/23/2017</a:t>
+              <a:t>25-Jun-15</a:t>
             </a:fld>
             <a:endParaRPr lang="en-US"/>
           </a:p>
@@ -4057,9 +4087,10 @@
           <a:lstStyle/>
           <a:p>
             <a:r>
-              <a:rPr lang="en-US"/>
+              <a:rPr lang="en-US" smtClean="0"/>
               <a:t>Click to edit Master title style</a:t>
             </a:r>
+            <a:endParaRPr lang="en-US"/>
           </a:p>
         </p:txBody>
       </p:sp>
@@ -4080,37 +4111,38 @@
           <a:p>
             <a:pPr lvl="0"/>
             <a:r>
-              <a:rPr lang="en-US"/>
+              <a:rPr lang="en-US" smtClean="0"/>
               <a:t>Click to edit Master text styles</a:t>
             </a:r>
           </a:p>
           <a:p>
             <a:pPr lvl="1"/>
             <a:r>
-              <a:rPr lang="en-US"/>
+              <a:rPr lang="en-US" smtClean="0"/>
               <a:t>Second level</a:t>
             </a:r>
           </a:p>
           <a:p>
             <a:pPr lvl="2"/>
             <a:r>
-              <a:rPr lang="en-US"/>
+              <a:rPr lang="en-US" smtClean="0"/>
               <a:t>Third level</a:t>
             </a:r>
           </a:p>
           <a:p>
             <a:pPr lvl="3"/>
             <a:r>
-              <a:rPr lang="en-US"/>
+              <a:rPr lang="en-US" smtClean="0"/>
               <a:t>Fourth level</a:t>
             </a:r>
           </a:p>
           <a:p>
             <a:pPr lvl="4"/>
             <a:r>
-              <a:rPr lang="en-US"/>
+              <a:rPr lang="en-US" smtClean="0"/>
               <a:t>Fifth level</a:t>
             </a:r>
+            <a:endParaRPr lang="en-US"/>
           </a:p>
         </p:txBody>
       </p:sp>
@@ -4131,7 +4163,7 @@
           <a:p>
             <a:fld id="{699DC775-C286-4358-8C92-D7E584E969B3}" type="datetimeFigureOut">
               <a:rPr lang="en-US" smtClean="0"/>
-              <a:t>1/23/2017</a:t>
+              <a:t>25-Jun-15</a:t>
             </a:fld>
             <a:endParaRPr lang="en-US"/>
           </a:p>
@@ -4238,9 +4270,10 @@
           <a:lstStyle/>
           <a:p>
             <a:r>
-              <a:rPr lang="en-US"/>
+              <a:rPr lang="en-US" smtClean="0"/>
               <a:t>Click to edit Master title style</a:t>
             </a:r>
+            <a:endParaRPr lang="en-US"/>
           </a:p>
         </p:txBody>
       </p:sp>
@@ -4356,9 +4389,10 @@
           </a:lstStyle>
           <a:p>
             <a:r>
-              <a:rPr lang="en-US"/>
+              <a:rPr lang="en-US" smtClean="0"/>
               <a:t>Click to edit Master subtitle style</a:t>
             </a:r>
+            <a:endParaRPr lang="en-US"/>
           </a:p>
         </p:txBody>
       </p:sp>
@@ -4379,7 +4413,7 @@
           <a:p>
             <a:fld id="{699DC775-C286-4358-8C92-D7E584E969B3}" type="datetimeFigureOut">
               <a:rPr lang="en-US" smtClean="0"/>
-              <a:t>1/23/2017</a:t>
+              <a:t>25-Jun-15</a:t>
             </a:fld>
             <a:endParaRPr lang="en-US"/>
           </a:p>
@@ -4481,9 +4515,10 @@
           <a:lstStyle/>
           <a:p>
             <a:r>
-              <a:rPr lang="en-US"/>
+              <a:rPr lang="en-US" smtClean="0"/>
               <a:t>Click to edit Master title style</a:t>
             </a:r>
+            <a:endParaRPr lang="en-US"/>
           </a:p>
         </p:txBody>
       </p:sp>
@@ -4504,37 +4539,38 @@
           <a:p>
             <a:pPr lvl="0"/>
             <a:r>
-              <a:rPr lang="en-US"/>
+              <a:rPr lang="en-US" smtClean="0"/>
               <a:t>Click to edit Master text styles</a:t>
             </a:r>
           </a:p>
           <a:p>
             <a:pPr lvl="1"/>
             <a:r>
-              <a:rPr lang="en-US"/>
+              <a:rPr lang="en-US" smtClean="0"/>
               <a:t>Second level</a:t>
             </a:r>
           </a:p>
           <a:p>
             <a:pPr lvl="2"/>
             <a:r>
-              <a:rPr lang="en-US"/>
+              <a:rPr lang="en-US" smtClean="0"/>
               <a:t>Third level</a:t>
             </a:r>
           </a:p>
           <a:p>
             <a:pPr lvl="3"/>
             <a:r>
-              <a:rPr lang="en-US"/>
+              <a:rPr lang="en-US" smtClean="0"/>
               <a:t>Fourth level</a:t>
             </a:r>
           </a:p>
           <a:p>
             <a:pPr lvl="4"/>
             <a:r>
-              <a:rPr lang="en-US"/>
+              <a:rPr lang="en-US" smtClean="0"/>
               <a:t>Fifth level</a:t>
             </a:r>
+            <a:endParaRPr lang="en-US"/>
           </a:p>
         </p:txBody>
       </p:sp>
@@ -4555,7 +4591,7 @@
           <a:p>
             <a:fld id="{699DC775-C286-4358-8C92-D7E584E969B3}" type="datetimeFigureOut">
               <a:rPr lang="en-US" smtClean="0"/>
-              <a:t>1/23/2017</a:t>
+              <a:t>25-Jun-15</a:t>
             </a:fld>
             <a:endParaRPr lang="en-US"/>
           </a:p>
@@ -4666,9 +4702,10 @@
           </a:lstStyle>
           <a:p>
             <a:r>
-              <a:rPr lang="en-US"/>
+              <a:rPr lang="en-US" smtClean="0"/>
               <a:t>Click to edit Master title style</a:t>
             </a:r>
+            <a:endParaRPr lang="en-US"/>
           </a:p>
         </p:txBody>
       </p:sp>
@@ -4785,7 +4822,7 @@
           <a:p>
             <a:pPr lvl="0"/>
             <a:r>
-              <a:rPr lang="en-US"/>
+              <a:rPr lang="en-US" smtClean="0"/>
               <a:t>Click to edit Master text styles</a:t>
             </a:r>
           </a:p>
@@ -4808,7 +4845,7 @@
           <a:p>
             <a:fld id="{699DC775-C286-4358-8C92-D7E584E969B3}" type="datetimeFigureOut">
               <a:rPr lang="en-US" smtClean="0"/>
-              <a:t>1/23/2017</a:t>
+              <a:t>25-Jun-15</a:t>
             </a:fld>
             <a:endParaRPr lang="en-US"/>
           </a:p>
@@ -4910,9 +4947,10 @@
           <a:lstStyle/>
           <a:p>
             <a:r>
-              <a:rPr lang="en-US"/>
+              <a:rPr lang="en-US" smtClean="0"/>
               <a:t>Click to edit Master title style</a:t>
             </a:r>
+            <a:endParaRPr lang="en-US"/>
           </a:p>
         </p:txBody>
       </p:sp>
@@ -4966,37 +5004,38 @@
           <a:p>
             <a:pPr lvl="0"/>
             <a:r>
-              <a:rPr lang="en-US"/>
+              <a:rPr lang="en-US" smtClean="0"/>
               <a:t>Click to edit Master text styles</a:t>
             </a:r>
           </a:p>
           <a:p>
             <a:pPr lvl="1"/>
             <a:r>
-              <a:rPr lang="en-US"/>
+              <a:rPr lang="en-US" smtClean="0"/>
               <a:t>Second level</a:t>
             </a:r>
           </a:p>
           <a:p>
             <a:pPr lvl="2"/>
             <a:r>
-              <a:rPr lang="en-US"/>
+              <a:rPr lang="en-US" smtClean="0"/>
               <a:t>Third level</a:t>
             </a:r>
           </a:p>
           <a:p>
             <a:pPr lvl="3"/>
             <a:r>
-              <a:rPr lang="en-US"/>
+              <a:rPr lang="en-US" smtClean="0"/>
               <a:t>Fourth level</a:t>
             </a:r>
           </a:p>
           <a:p>
             <a:pPr lvl="4"/>
             <a:r>
-              <a:rPr lang="en-US"/>
+              <a:rPr lang="en-US" smtClean="0"/>
               <a:t>Fifth level</a:t>
             </a:r>
+            <a:endParaRPr lang="en-US"/>
           </a:p>
         </p:txBody>
       </p:sp>
@@ -5050,37 +5089,38 @@
           <a:p>
             <a:pPr lvl="0"/>
             <a:r>
-              <a:rPr lang="en-US"/>
+              <a:rPr lang="en-US" smtClean="0"/>
               <a:t>Click to edit Master text styles</a:t>
             </a:r>
           </a:p>
           <a:p>
             <a:pPr lvl="1"/>
             <a:r>
-              <a:rPr lang="en-US"/>
+              <a:rPr lang="en-US" smtClean="0"/>
               <a:t>Second level</a:t>
             </a:r>
           </a:p>
           <a:p>
             <a:pPr lvl="2"/>
             <a:r>
-              <a:rPr lang="en-US"/>
+              <a:rPr lang="en-US" smtClean="0"/>
               <a:t>Third level</a:t>
             </a:r>
           </a:p>
           <a:p>
             <a:pPr lvl="3"/>
             <a:r>
-              <a:rPr lang="en-US"/>
+              <a:rPr lang="en-US" smtClean="0"/>
               <a:t>Fourth level</a:t>
             </a:r>
           </a:p>
           <a:p>
             <a:pPr lvl="4"/>
             <a:r>
-              <a:rPr lang="en-US"/>
+              <a:rPr lang="en-US" smtClean="0"/>
               <a:t>Fifth level</a:t>
             </a:r>
+            <a:endParaRPr lang="en-US"/>
           </a:p>
         </p:txBody>
       </p:sp>
@@ -5101,7 +5141,7 @@
           <a:p>
             <a:fld id="{699DC775-C286-4358-8C92-D7E584E969B3}" type="datetimeFigureOut">
               <a:rPr lang="en-US" smtClean="0"/>
-              <a:t>1/23/2017</a:t>
+              <a:t>25-Jun-15</a:t>
             </a:fld>
             <a:endParaRPr lang="en-US"/>
           </a:p>
@@ -5207,9 +5247,10 @@
           </a:lstStyle>
           <a:p>
             <a:r>
-              <a:rPr lang="en-US"/>
+              <a:rPr lang="en-US" smtClean="0"/>
               <a:t>Click to edit Master title style</a:t>
             </a:r>
+            <a:endParaRPr lang="en-US"/>
           </a:p>
         </p:txBody>
       </p:sp>
@@ -5272,7 +5313,7 @@
           <a:p>
             <a:pPr lvl="0"/>
             <a:r>
-              <a:rPr lang="en-US"/>
+              <a:rPr lang="en-US" smtClean="0"/>
               <a:t>Click to edit Master text styles</a:t>
             </a:r>
           </a:p>
@@ -5328,37 +5369,38 @@
           <a:p>
             <a:pPr lvl="0"/>
             <a:r>
-              <a:rPr lang="en-US"/>
+              <a:rPr lang="en-US" smtClean="0"/>
               <a:t>Click to edit Master text styles</a:t>
             </a:r>
           </a:p>
           <a:p>
             <a:pPr lvl="1"/>
             <a:r>
-              <a:rPr lang="en-US"/>
+              <a:rPr lang="en-US" smtClean="0"/>
               <a:t>Second level</a:t>
             </a:r>
           </a:p>
           <a:p>
             <a:pPr lvl="2"/>
             <a:r>
-              <a:rPr lang="en-US"/>
+              <a:rPr lang="en-US" smtClean="0"/>
               <a:t>Third level</a:t>
             </a:r>
           </a:p>
           <a:p>
             <a:pPr lvl="3"/>
             <a:r>
-              <a:rPr lang="en-US"/>
+              <a:rPr lang="en-US" smtClean="0"/>
               <a:t>Fourth level</a:t>
             </a:r>
           </a:p>
           <a:p>
             <a:pPr lvl="4"/>
             <a:r>
-              <a:rPr lang="en-US"/>
+              <a:rPr lang="en-US" smtClean="0"/>
               <a:t>Fifth level</a:t>
             </a:r>
+            <a:endParaRPr lang="en-US"/>
           </a:p>
         </p:txBody>
       </p:sp>
@@ -5421,7 +5463,7 @@
           <a:p>
             <a:pPr lvl="0"/>
             <a:r>
-              <a:rPr lang="en-US"/>
+              <a:rPr lang="en-US" smtClean="0"/>
               <a:t>Click to edit Master text styles</a:t>
             </a:r>
           </a:p>
@@ -5477,37 +5519,38 @@
           <a:p>
             <a:pPr lvl="0"/>
             <a:r>
-              <a:rPr lang="en-US"/>
+              <a:rPr lang="en-US" smtClean="0"/>
               <a:t>Click to edit Master text styles</a:t>
             </a:r>
           </a:p>
           <a:p>
             <a:pPr lvl="1"/>
             <a:r>
-              <a:rPr lang="en-US"/>
+              <a:rPr lang="en-US" smtClean="0"/>
               <a:t>Second level</a:t>
             </a:r>
           </a:p>
           <a:p>
             <a:pPr lvl="2"/>
             <a:r>
-              <a:rPr lang="en-US"/>
+              <a:rPr lang="en-US" smtClean="0"/>
               <a:t>Third level</a:t>
             </a:r>
           </a:p>
           <a:p>
             <a:pPr lvl="3"/>
             <a:r>
-              <a:rPr lang="en-US"/>
+              <a:rPr lang="en-US" smtClean="0"/>
               <a:t>Fourth level</a:t>
             </a:r>
           </a:p>
           <a:p>
             <a:pPr lvl="4"/>
             <a:r>
-              <a:rPr lang="en-US"/>
+              <a:rPr lang="en-US" smtClean="0"/>
               <a:t>Fifth level</a:t>
             </a:r>
+            <a:endParaRPr lang="en-US"/>
           </a:p>
         </p:txBody>
       </p:sp>
@@ -5528,7 +5571,7 @@
           <a:p>
             <a:fld id="{699DC775-C286-4358-8C92-D7E584E969B3}" type="datetimeFigureOut">
               <a:rPr lang="en-US" smtClean="0"/>
-              <a:t>1/23/2017</a:t>
+              <a:t>25-Jun-15</a:t>
             </a:fld>
             <a:endParaRPr lang="en-US"/>
           </a:p>
@@ -5631,9 +5674,10 @@
           </a:lstStyle>
           <a:p>
             <a:r>
-              <a:rPr lang="en-US"/>
+              <a:rPr lang="en-US" smtClean="0"/>
               <a:t>Click to edit Master title style</a:t>
             </a:r>
+            <a:endParaRPr lang="en-US"/>
           </a:p>
         </p:txBody>
       </p:sp>
@@ -5750,7 +5794,7 @@
           <a:p>
             <a:pPr lvl="0"/>
             <a:r>
-              <a:rPr lang="en-US"/>
+              <a:rPr lang="en-US" smtClean="0"/>
               <a:t>Click to edit Master text styles</a:t>
             </a:r>
           </a:p>
@@ -5773,7 +5817,7 @@
           <a:p>
             <a:fld id="{699DC775-C286-4358-8C92-D7E584E969B3}" type="datetimeFigureOut">
               <a:rPr lang="en-US" smtClean="0"/>
-              <a:t>1/23/2017</a:t>
+              <a:t>25-Jun-15</a:t>
             </a:fld>
             <a:endParaRPr lang="en-US"/>
           </a:p>
@@ -5875,9 +5919,10 @@
           <a:lstStyle/>
           <a:p>
             <a:r>
-              <a:rPr lang="en-US"/>
+              <a:rPr lang="en-US" smtClean="0"/>
               <a:t>Click to edit Master title style</a:t>
             </a:r>
+            <a:endParaRPr lang="en-US"/>
           </a:p>
         </p:txBody>
       </p:sp>
@@ -5898,7 +5943,7 @@
           <a:p>
             <a:fld id="{699DC775-C286-4358-8C92-D7E584E969B3}" type="datetimeFigureOut">
               <a:rPr lang="en-US" smtClean="0"/>
-              <a:t>1/23/2017</a:t>
+              <a:t>25-Jun-15</a:t>
             </a:fld>
             <a:endParaRPr lang="en-US"/>
           </a:p>
@@ -6001,7 +6046,7 @@
           <a:p>
             <a:fld id="{699DC775-C286-4358-8C92-D7E584E969B3}" type="datetimeFigureOut">
               <a:rPr lang="en-US" smtClean="0"/>
-              <a:t>1/23/2017</a:t>
+              <a:t>25-Jun-15</a:t>
             </a:fld>
             <a:endParaRPr lang="en-US"/>
           </a:p>
@@ -6112,9 +6157,10 @@
           </a:lstStyle>
           <a:p>
             <a:r>
-              <a:rPr lang="en-US"/>
+              <a:rPr lang="en-US" smtClean="0"/>
               <a:t>Click to edit Master title style</a:t>
             </a:r>
+            <a:endParaRPr lang="en-US"/>
           </a:p>
         </p:txBody>
       </p:sp>
@@ -6168,37 +6214,38 @@
           <a:p>
             <a:pPr lvl="0"/>
             <a:r>
-              <a:rPr lang="en-US"/>
+              <a:rPr lang="en-US" smtClean="0"/>
               <a:t>Click to edit Master text styles</a:t>
             </a:r>
           </a:p>
           <a:p>
             <a:pPr lvl="1"/>
             <a:r>
-              <a:rPr lang="en-US"/>
+              <a:rPr lang="en-US" smtClean="0"/>
               <a:t>Second level</a:t>
             </a:r>
           </a:p>
           <a:p>
             <a:pPr lvl="2"/>
             <a:r>
-              <a:rPr lang="en-US"/>
+              <a:rPr lang="en-US" smtClean="0"/>
               <a:t>Third level</a:t>
             </a:r>
           </a:p>
           <a:p>
             <a:pPr lvl="3"/>
             <a:r>
-              <a:rPr lang="en-US"/>
+              <a:rPr lang="en-US" smtClean="0"/>
               <a:t>Fourth level</a:t>
             </a:r>
           </a:p>
           <a:p>
             <a:pPr lvl="4"/>
             <a:r>
-              <a:rPr lang="en-US"/>
+              <a:rPr lang="en-US" smtClean="0"/>
               <a:t>Fifth level</a:t>
             </a:r>
+            <a:endParaRPr lang="en-US"/>
           </a:p>
         </p:txBody>
       </p:sp>
@@ -6261,7 +6308,7 @@
           <a:p>
             <a:pPr lvl="0"/>
             <a:r>
-              <a:rPr lang="en-US"/>
+              <a:rPr lang="en-US" smtClean="0"/>
               <a:t>Click to edit Master text styles</a:t>
             </a:r>
           </a:p>
@@ -6284,7 +6331,7 @@
           <a:p>
             <a:fld id="{699DC775-C286-4358-8C92-D7E584E969B3}" type="datetimeFigureOut">
               <a:rPr lang="en-US" smtClean="0"/>
-              <a:t>1/23/2017</a:t>
+              <a:t>25-Jun-15</a:t>
             </a:fld>
             <a:endParaRPr lang="en-US"/>
           </a:p>
@@ -6395,9 +6442,10 @@
           </a:lstStyle>
           <a:p>
             <a:r>
-              <a:rPr lang="en-US"/>
+              <a:rPr lang="en-US" smtClean="0"/>
               <a:t>Click to edit Master title style</a:t>
             </a:r>
+            <a:endParaRPr lang="en-US"/>
           </a:p>
         </p:txBody>
       </p:sp>
@@ -6521,7 +6569,7 @@
           <a:p>
             <a:pPr lvl="0"/>
             <a:r>
-              <a:rPr lang="en-US"/>
+              <a:rPr lang="en-US" smtClean="0"/>
               <a:t>Click to edit Master text styles</a:t>
             </a:r>
           </a:p>
@@ -6544,7 +6592,7 @@
           <a:p>
             <a:fld id="{699DC775-C286-4358-8C92-D7E584E969B3}" type="datetimeFigureOut">
               <a:rPr lang="en-US" smtClean="0"/>
-              <a:t>1/23/2017</a:t>
+              <a:t>25-Jun-15</a:t>
             </a:fld>
             <a:endParaRPr lang="en-US"/>
           </a:p>
@@ -6646,9 +6694,10 @@
           <a:lstStyle/>
           <a:p>
             <a:r>
-              <a:rPr lang="en-US"/>
+              <a:rPr lang="en-US" smtClean="0"/>
               <a:t>Click to edit Master title style</a:t>
             </a:r>
+            <a:endParaRPr lang="en-US"/>
           </a:p>
         </p:txBody>
       </p:sp>
@@ -6669,37 +6718,38 @@
           <a:p>
             <a:pPr lvl="0"/>
             <a:r>
-              <a:rPr lang="en-US"/>
+              <a:rPr lang="en-US" smtClean="0"/>
               <a:t>Click to edit Master text styles</a:t>
             </a:r>
           </a:p>
           <a:p>
             <a:pPr lvl="1"/>
             <a:r>
-              <a:rPr lang="en-US"/>
+              <a:rPr lang="en-US" smtClean="0"/>
               <a:t>Second level</a:t>
             </a:r>
           </a:p>
           <a:p>
             <a:pPr lvl="2"/>
             <a:r>
-              <a:rPr lang="en-US"/>
+              <a:rPr lang="en-US" smtClean="0"/>
               <a:t>Third level</a:t>
             </a:r>
           </a:p>
           <a:p>
             <a:pPr lvl="3"/>
             <a:r>
-              <a:rPr lang="en-US"/>
+              <a:rPr lang="en-US" smtClean="0"/>
               <a:t>Fourth level</a:t>
             </a:r>
           </a:p>
           <a:p>
             <a:pPr lvl="4"/>
             <a:r>
-              <a:rPr lang="en-US"/>
+              <a:rPr lang="en-US" smtClean="0"/>
               <a:t>Fifth level</a:t>
             </a:r>
+            <a:endParaRPr lang="en-US"/>
           </a:p>
         </p:txBody>
       </p:sp>
@@ -6720,7 +6770,7 @@
           <a:p>
             <a:fld id="{699DC775-C286-4358-8C92-D7E584E969B3}" type="datetimeFigureOut">
               <a:rPr lang="en-US" smtClean="0"/>
-              <a:t>1/23/2017</a:t>
+              <a:t>25-Jun-15</a:t>
             </a:fld>
             <a:endParaRPr lang="en-US"/>
           </a:p>
@@ -6827,9 +6877,10 @@
           <a:lstStyle/>
           <a:p>
             <a:r>
-              <a:rPr lang="en-US"/>
+              <a:rPr lang="en-US" smtClean="0"/>
               <a:t>Click to edit Master title style</a:t>
             </a:r>
+            <a:endParaRPr lang="en-US"/>
           </a:p>
         </p:txBody>
       </p:sp>
@@ -6855,37 +6906,38 @@
           <a:p>
             <a:pPr lvl="0"/>
             <a:r>
-              <a:rPr lang="en-US"/>
+              <a:rPr lang="en-US" smtClean="0"/>
               <a:t>Click to edit Master text styles</a:t>
             </a:r>
           </a:p>
           <a:p>
             <a:pPr lvl="1"/>
             <a:r>
-              <a:rPr lang="en-US"/>
+              <a:rPr lang="en-US" smtClean="0"/>
               <a:t>Second level</a:t>
             </a:r>
           </a:p>
           <a:p>
             <a:pPr lvl="2"/>
             <a:r>
-              <a:rPr lang="en-US"/>
+              <a:rPr lang="en-US" smtClean="0"/>
               <a:t>Third level</a:t>
             </a:r>
           </a:p>
           <a:p>
             <a:pPr lvl="3"/>
             <a:r>
-              <a:rPr lang="en-US"/>
+              <a:rPr lang="en-US" smtClean="0"/>
               <a:t>Fourth level</a:t>
             </a:r>
           </a:p>
           <a:p>
             <a:pPr lvl="4"/>
             <a:r>
-              <a:rPr lang="en-US"/>
+              <a:rPr lang="en-US" smtClean="0"/>
               <a:t>Fifth level</a:t>
             </a:r>
+            <a:endParaRPr lang="en-US"/>
           </a:p>
         </p:txBody>
       </p:sp>
@@ -6906,7 +6958,7 @@
           <a:p>
             <a:fld id="{699DC775-C286-4358-8C92-D7E584E969B3}" type="datetimeFigureOut">
               <a:rPr lang="en-US" smtClean="0"/>
-              <a:t>1/23/2017</a:t>
+              <a:t>25-Jun-15</a:t>
             </a:fld>
             <a:endParaRPr lang="en-US"/>
           </a:p>
@@ -7000,9 +7052,10 @@
           <a:lstStyle/>
           <a:p>
             <a:r>
-              <a:rPr lang="en-US"/>
+              <a:rPr lang="en-US" smtClean="0"/>
               <a:t>Click to edit Master title style</a:t>
             </a:r>
+            <a:endParaRPr lang="en-US"/>
           </a:p>
         </p:txBody>
       </p:sp>
@@ -7023,37 +7076,38 @@
           <a:p>
             <a:pPr lvl="0"/>
             <a:r>
-              <a:rPr lang="en-US"/>
+              <a:rPr lang="en-US" smtClean="0"/>
               <a:t>Click to edit Master text styles</a:t>
             </a:r>
           </a:p>
           <a:p>
             <a:pPr lvl="1"/>
             <a:r>
-              <a:rPr lang="en-US"/>
+              <a:rPr lang="en-US" smtClean="0"/>
               <a:t>Second level</a:t>
             </a:r>
           </a:p>
           <a:p>
             <a:pPr lvl="2"/>
             <a:r>
-              <a:rPr lang="en-US"/>
+              <a:rPr lang="en-US" smtClean="0"/>
               <a:t>Third level</a:t>
             </a:r>
           </a:p>
           <a:p>
             <a:pPr lvl="3"/>
             <a:r>
-              <a:rPr lang="en-US"/>
+              <a:rPr lang="en-US" smtClean="0"/>
               <a:t>Fourth level</a:t>
             </a:r>
           </a:p>
           <a:p>
             <a:pPr lvl="4"/>
             <a:r>
-              <a:rPr lang="en-US"/>
+              <a:rPr lang="en-US" smtClean="0"/>
               <a:t>Fifth level</a:t>
             </a:r>
+            <a:endParaRPr lang="en-US"/>
           </a:p>
         </p:txBody>
       </p:sp>
@@ -7074,7 +7128,7 @@
           <a:p>
             <a:fld id="{699DC775-C286-4358-8C92-D7E584E969B3}" type="datetimeFigureOut">
               <a:rPr lang="en-US" smtClean="0"/>
-              <a:t>1/23/2017</a:t>
+              <a:t>25-Jun-15</a:t>
             </a:fld>
             <a:endParaRPr lang="en-US"/>
           </a:p>
@@ -7168,9 +7222,10 @@
           <a:lstStyle/>
           <a:p>
             <a:r>
-              <a:rPr lang="en-US"/>
+              <a:rPr lang="en-US" smtClean="0"/>
               <a:t>Click to edit Master title style</a:t>
             </a:r>
+            <a:endParaRPr lang="en-US"/>
           </a:p>
         </p:txBody>
       </p:sp>
@@ -7224,37 +7279,38 @@
           <a:p>
             <a:pPr lvl="0"/>
             <a:r>
-              <a:rPr lang="en-US"/>
+              <a:rPr lang="en-US" smtClean="0"/>
               <a:t>Click to edit Master text styles</a:t>
             </a:r>
           </a:p>
           <a:p>
             <a:pPr lvl="1"/>
             <a:r>
-              <a:rPr lang="en-US"/>
+              <a:rPr lang="en-US" smtClean="0"/>
               <a:t>Second level</a:t>
             </a:r>
           </a:p>
           <a:p>
             <a:pPr lvl="2"/>
             <a:r>
-              <a:rPr lang="en-US"/>
+              <a:rPr lang="en-US" smtClean="0"/>
               <a:t>Third level</a:t>
             </a:r>
           </a:p>
           <a:p>
             <a:pPr lvl="3"/>
             <a:r>
-              <a:rPr lang="en-US"/>
+              <a:rPr lang="en-US" smtClean="0"/>
               <a:t>Fourth level</a:t>
             </a:r>
           </a:p>
           <a:p>
             <a:pPr lvl="4"/>
             <a:r>
-              <a:rPr lang="en-US"/>
+              <a:rPr lang="en-US" smtClean="0"/>
               <a:t>Fifth level</a:t>
             </a:r>
+            <a:endParaRPr lang="en-US"/>
           </a:p>
         </p:txBody>
       </p:sp>
@@ -7308,37 +7364,38 @@
           <a:p>
             <a:pPr lvl="0"/>
             <a:r>
-              <a:rPr lang="en-US"/>
+              <a:rPr lang="en-US" smtClean="0"/>
               <a:t>Click to edit Master text styles</a:t>
             </a:r>
           </a:p>
           <a:p>
             <a:pPr lvl="1"/>
             <a:r>
-              <a:rPr lang="en-US"/>
+              <a:rPr lang="en-US" smtClean="0"/>
               <a:t>Second level</a:t>
             </a:r>
           </a:p>
           <a:p>
             <a:pPr lvl="2"/>
             <a:r>
-              <a:rPr lang="en-US"/>
+              <a:rPr lang="en-US" smtClean="0"/>
               <a:t>Third level</a:t>
             </a:r>
           </a:p>
           <a:p>
             <a:pPr lvl="3"/>
             <a:r>
-              <a:rPr lang="en-US"/>
+              <a:rPr lang="en-US" smtClean="0"/>
               <a:t>Fourth level</a:t>
             </a:r>
           </a:p>
           <a:p>
             <a:pPr lvl="4"/>
             <a:r>
-              <a:rPr lang="en-US"/>
+              <a:rPr lang="en-US" smtClean="0"/>
               <a:t>Fifth level</a:t>
             </a:r>
+            <a:endParaRPr lang="en-US"/>
           </a:p>
         </p:txBody>
       </p:sp>
@@ -7359,7 +7416,7 @@
           <a:p>
             <a:fld id="{699DC775-C286-4358-8C92-D7E584E969B3}" type="datetimeFigureOut">
               <a:rPr lang="en-US" smtClean="0"/>
-              <a:t>1/23/2017</a:t>
+              <a:t>25-Jun-15</a:t>
             </a:fld>
             <a:endParaRPr lang="en-US"/>
           </a:p>
@@ -7457,9 +7514,10 @@
           </a:lstStyle>
           <a:p>
             <a:r>
-              <a:rPr lang="en-US"/>
+              <a:rPr lang="en-US" smtClean="0"/>
               <a:t>Click to edit Master title style</a:t>
             </a:r>
+            <a:endParaRPr lang="en-US"/>
           </a:p>
         </p:txBody>
       </p:sp>
@@ -7522,7 +7580,7 @@
           <a:p>
             <a:pPr lvl="0"/>
             <a:r>
-              <a:rPr lang="en-US"/>
+              <a:rPr lang="en-US" smtClean="0"/>
               <a:t>Click to edit Master text styles</a:t>
             </a:r>
           </a:p>
@@ -7578,37 +7636,38 @@
           <a:p>
             <a:pPr lvl="0"/>
             <a:r>
-              <a:rPr lang="en-US"/>
+              <a:rPr lang="en-US" smtClean="0"/>
               <a:t>Click to edit Master text styles</a:t>
             </a:r>
           </a:p>
           <a:p>
             <a:pPr lvl="1"/>
             <a:r>
-              <a:rPr lang="en-US"/>
+              <a:rPr lang="en-US" smtClean="0"/>
               <a:t>Second level</a:t>
             </a:r>
           </a:p>
           <a:p>
             <a:pPr lvl="2"/>
             <a:r>
-              <a:rPr lang="en-US"/>
+              <a:rPr lang="en-US" smtClean="0"/>
               <a:t>Third level</a:t>
             </a:r>
           </a:p>
           <a:p>
             <a:pPr lvl="3"/>
             <a:r>
-              <a:rPr lang="en-US"/>
+              <a:rPr lang="en-US" smtClean="0"/>
               <a:t>Fourth level</a:t>
             </a:r>
           </a:p>
           <a:p>
             <a:pPr lvl="4"/>
             <a:r>
-              <a:rPr lang="en-US"/>
+              <a:rPr lang="en-US" smtClean="0"/>
               <a:t>Fifth level</a:t>
             </a:r>
+            <a:endParaRPr lang="en-US"/>
           </a:p>
         </p:txBody>
       </p:sp>
@@ -7671,7 +7730,7 @@
           <a:p>
             <a:pPr lvl="0"/>
             <a:r>
-              <a:rPr lang="en-US"/>
+              <a:rPr lang="en-US" smtClean="0"/>
               <a:t>Click to edit Master text styles</a:t>
             </a:r>
           </a:p>
@@ -7727,37 +7786,38 @@
           <a:p>
             <a:pPr lvl="0"/>
             <a:r>
-              <a:rPr lang="en-US"/>
+              <a:rPr lang="en-US" smtClean="0"/>
               <a:t>Click to edit Master text styles</a:t>
             </a:r>
           </a:p>
           <a:p>
             <a:pPr lvl="1"/>
             <a:r>
-              <a:rPr lang="en-US"/>
+              <a:rPr lang="en-US" smtClean="0"/>
               <a:t>Second level</a:t>
             </a:r>
           </a:p>
           <a:p>
             <a:pPr lvl="2"/>
             <a:r>
-              <a:rPr lang="en-US"/>
+              <a:rPr lang="en-US" smtClean="0"/>
               <a:t>Third level</a:t>
             </a:r>
           </a:p>
           <a:p>
             <a:pPr lvl="3"/>
             <a:r>
-              <a:rPr lang="en-US"/>
+              <a:rPr lang="en-US" smtClean="0"/>
               <a:t>Fourth level</a:t>
             </a:r>
           </a:p>
           <a:p>
             <a:pPr lvl="4"/>
             <a:r>
-              <a:rPr lang="en-US"/>
+              <a:rPr lang="en-US" smtClean="0"/>
               <a:t>Fifth level</a:t>
             </a:r>
+            <a:endParaRPr lang="en-US"/>
           </a:p>
         </p:txBody>
       </p:sp>
@@ -7778,7 +7838,7 @@
           <a:p>
             <a:fld id="{699DC775-C286-4358-8C92-D7E584E969B3}" type="datetimeFigureOut">
               <a:rPr lang="en-US" smtClean="0"/>
-              <a:t>1/23/2017</a:t>
+              <a:t>25-Jun-15</a:t>
             </a:fld>
             <a:endParaRPr lang="en-US"/>
           </a:p>
@@ -7872,9 +7932,10 @@
           <a:lstStyle/>
           <a:p>
             <a:r>
-              <a:rPr lang="en-US"/>
+              <a:rPr lang="en-US" smtClean="0"/>
               <a:t>Click to edit Master title style</a:t>
             </a:r>
+            <a:endParaRPr lang="en-US"/>
           </a:p>
         </p:txBody>
       </p:sp>
@@ -7895,7 +7956,7 @@
           <a:p>
             <a:fld id="{699DC775-C286-4358-8C92-D7E584E969B3}" type="datetimeFigureOut">
               <a:rPr lang="en-US" smtClean="0"/>
-              <a:t>1/23/2017</a:t>
+              <a:t>25-Jun-15</a:t>
             </a:fld>
             <a:endParaRPr lang="en-US"/>
           </a:p>
@@ -7990,7 +8051,7 @@
           <a:p>
             <a:fld id="{699DC775-C286-4358-8C92-D7E584E969B3}" type="datetimeFigureOut">
               <a:rPr lang="en-US" smtClean="0"/>
-              <a:t>1/23/2017</a:t>
+              <a:t>25-Jun-15</a:t>
             </a:fld>
             <a:endParaRPr lang="en-US"/>
           </a:p>
@@ -8093,9 +8154,10 @@
           </a:lstStyle>
           <a:p>
             <a:r>
-              <a:rPr lang="en-US"/>
+              <a:rPr lang="en-US" smtClean="0"/>
               <a:t>Click to edit Master title style</a:t>
             </a:r>
+            <a:endParaRPr lang="en-US"/>
           </a:p>
         </p:txBody>
       </p:sp>
@@ -8149,37 +8211,38 @@
           <a:p>
             <a:pPr lvl="0"/>
             <a:r>
-              <a:rPr lang="en-US"/>
+              <a:rPr lang="en-US" smtClean="0"/>
               <a:t>Click to edit Master text styles</a:t>
             </a:r>
           </a:p>
           <a:p>
             <a:pPr lvl="1"/>
             <a:r>
-              <a:rPr lang="en-US"/>
+              <a:rPr lang="en-US" smtClean="0"/>
               <a:t>Second level</a:t>
             </a:r>
           </a:p>
           <a:p>
             <a:pPr lvl="2"/>
             <a:r>
-              <a:rPr lang="en-US"/>
+              <a:rPr lang="en-US" smtClean="0"/>
               <a:t>Third level</a:t>
             </a:r>
           </a:p>
           <a:p>
             <a:pPr lvl="3"/>
             <a:r>
-              <a:rPr lang="en-US"/>
+              <a:rPr lang="en-US" smtClean="0"/>
               <a:t>Fourth level</a:t>
             </a:r>
           </a:p>
           <a:p>
             <a:pPr lvl="4"/>
             <a:r>
-              <a:rPr lang="en-US"/>
+              <a:rPr lang="en-US" smtClean="0"/>
               <a:t>Fifth level</a:t>
             </a:r>
+            <a:endParaRPr lang="en-US"/>
           </a:p>
         </p:txBody>
       </p:sp>
@@ -8242,7 +8305,7 @@
           <a:p>
             <a:pPr lvl="0"/>
             <a:r>
-              <a:rPr lang="en-US"/>
+              <a:rPr lang="en-US" smtClean="0"/>
               <a:t>Click to edit Master text styles</a:t>
             </a:r>
           </a:p>
@@ -8265,7 +8328,7 @@
           <a:p>
             <a:fld id="{699DC775-C286-4358-8C92-D7E584E969B3}" type="datetimeFigureOut">
               <a:rPr lang="en-US" smtClean="0"/>
-              <a:t>1/23/2017</a:t>
+              <a:t>25-Jun-15</a:t>
             </a:fld>
             <a:endParaRPr lang="en-US"/>
           </a:p>
@@ -8368,9 +8431,10 @@
           </a:lstStyle>
           <a:p>
             <a:r>
-              <a:rPr lang="en-US"/>
+              <a:rPr lang="en-US" smtClean="0"/>
               <a:t>Click to edit Master title style</a:t>
             </a:r>
+            <a:endParaRPr lang="en-US"/>
           </a:p>
         </p:txBody>
       </p:sp>
@@ -8494,7 +8558,7 @@
           <a:p>
             <a:pPr lvl="0"/>
             <a:r>
-              <a:rPr lang="en-US"/>
+              <a:rPr lang="en-US" smtClean="0"/>
               <a:t>Click to edit Master text styles</a:t>
             </a:r>
           </a:p>
@@ -8517,7 +8581,7 @@
           <a:p>
             <a:fld id="{699DC775-C286-4358-8C92-D7E584E969B3}" type="datetimeFigureOut">
               <a:rPr lang="en-US" smtClean="0"/>
-              <a:t>1/23/2017</a:t>
+              <a:t>25-Jun-15</a:t>
             </a:fld>
             <a:endParaRPr lang="en-US"/>
           </a:p>
@@ -8626,9 +8690,10 @@
           <a:lstStyle/>
           <a:p>
             <a:r>
-              <a:rPr lang="en-US"/>
+              <a:rPr lang="en-US" smtClean="0"/>
               <a:t>Click to edit Master title style</a:t>
             </a:r>
+            <a:endParaRPr lang="en-US"/>
           </a:p>
         </p:txBody>
       </p:sp>
@@ -8659,37 +8724,38 @@
           <a:p>
             <a:pPr lvl="0"/>
             <a:r>
-              <a:rPr lang="en-US"/>
+              <a:rPr lang="en-US" smtClean="0"/>
               <a:t>Click to edit Master text styles</a:t>
             </a:r>
           </a:p>
           <a:p>
             <a:pPr lvl="1"/>
             <a:r>
-              <a:rPr lang="en-US"/>
+              <a:rPr lang="en-US" smtClean="0"/>
               <a:t>Second level</a:t>
             </a:r>
           </a:p>
           <a:p>
             <a:pPr lvl="2"/>
             <a:r>
-              <a:rPr lang="en-US"/>
+              <a:rPr lang="en-US" smtClean="0"/>
               <a:t>Third level</a:t>
             </a:r>
           </a:p>
           <a:p>
             <a:pPr lvl="3"/>
             <a:r>
-              <a:rPr lang="en-US"/>
+              <a:rPr lang="en-US" smtClean="0"/>
               <a:t>Fourth level</a:t>
             </a:r>
           </a:p>
           <a:p>
             <a:pPr lvl="4"/>
             <a:r>
-              <a:rPr lang="en-US"/>
+              <a:rPr lang="en-US" smtClean="0"/>
               <a:t>Fifth level</a:t>
             </a:r>
+            <a:endParaRPr lang="en-US"/>
           </a:p>
         </p:txBody>
       </p:sp>
@@ -8728,7 +8794,7 @@
           <a:p>
             <a:fld id="{699DC775-C286-4358-8C92-D7E584E969B3}" type="datetimeFigureOut">
               <a:rPr lang="en-US" smtClean="0"/>
-              <a:t>1/23/2017</a:t>
+              <a:t>25-Jun-15</a:t>
             </a:fld>
             <a:endParaRPr lang="en-US"/>
           </a:p>
@@ -9140,9 +9206,10 @@
           <a:lstStyle/>
           <a:p>
             <a:r>
-              <a:rPr lang="en-US"/>
+              <a:rPr lang="en-US" smtClean="0"/>
               <a:t>Click to edit Master title style</a:t>
             </a:r>
+            <a:endParaRPr lang="en-US"/>
           </a:p>
         </p:txBody>
       </p:sp>
@@ -9173,37 +9240,38 @@
           <a:p>
             <a:pPr lvl="0"/>
             <a:r>
-              <a:rPr lang="en-US"/>
+              <a:rPr lang="en-US" smtClean="0"/>
               <a:t>Click to edit Master text styles</a:t>
             </a:r>
           </a:p>
           <a:p>
             <a:pPr lvl="1"/>
             <a:r>
-              <a:rPr lang="en-US"/>
+              <a:rPr lang="en-US" smtClean="0"/>
               <a:t>Second level</a:t>
             </a:r>
           </a:p>
           <a:p>
             <a:pPr lvl="2"/>
             <a:r>
-              <a:rPr lang="en-US"/>
+              <a:rPr lang="en-US" smtClean="0"/>
               <a:t>Third level</a:t>
             </a:r>
           </a:p>
           <a:p>
             <a:pPr lvl="3"/>
             <a:r>
-              <a:rPr lang="en-US"/>
+              <a:rPr lang="en-US" smtClean="0"/>
               <a:t>Fourth level</a:t>
             </a:r>
           </a:p>
           <a:p>
             <a:pPr lvl="4"/>
             <a:r>
-              <a:rPr lang="en-US"/>
+              <a:rPr lang="en-US" smtClean="0"/>
               <a:t>Fifth level</a:t>
             </a:r>
+            <a:endParaRPr lang="en-US"/>
           </a:p>
         </p:txBody>
       </p:sp>
@@ -9242,7 +9310,7 @@
           <a:p>
             <a:fld id="{699DC775-C286-4358-8C92-D7E584E969B3}" type="datetimeFigureOut">
               <a:rPr lang="en-US" smtClean="0"/>
-              <a:t>1/23/2017</a:t>
+              <a:t>25-Jun-15</a:t>
             </a:fld>
             <a:endParaRPr lang="en-US"/>
           </a:p>
@@ -9652,9 +9720,10 @@
           <a:lstStyle/>
           <a:p>
             <a:r>
-              <a:rPr lang="en-US" dirty="0"/>
+              <a:rPr lang="en-US" dirty="0" smtClean="0"/>
               <a:t>Click to edit Master title style</a:t>
             </a:r>
+            <a:endParaRPr lang="en-US" dirty="0"/>
           </a:p>
         </p:txBody>
       </p:sp>
@@ -9685,37 +9754,38 @@
           <a:p>
             <a:pPr lvl="0"/>
             <a:r>
-              <a:rPr lang="en-US"/>
+              <a:rPr lang="en-US" smtClean="0"/>
               <a:t>Click to edit Master text styles</a:t>
             </a:r>
           </a:p>
           <a:p>
             <a:pPr lvl="1"/>
             <a:r>
-              <a:rPr lang="en-US"/>
+              <a:rPr lang="en-US" smtClean="0"/>
               <a:t>Second level</a:t>
             </a:r>
           </a:p>
           <a:p>
             <a:pPr lvl="2"/>
             <a:r>
-              <a:rPr lang="en-US"/>
+              <a:rPr lang="en-US" smtClean="0"/>
               <a:t>Third level</a:t>
             </a:r>
           </a:p>
           <a:p>
             <a:pPr lvl="3"/>
             <a:r>
-              <a:rPr lang="en-US"/>
+              <a:rPr lang="en-US" smtClean="0"/>
               <a:t>Fourth level</a:t>
             </a:r>
           </a:p>
           <a:p>
             <a:pPr lvl="4"/>
             <a:r>
-              <a:rPr lang="en-US"/>
+              <a:rPr lang="en-US" smtClean="0"/>
               <a:t>Fifth level</a:t>
             </a:r>
+            <a:endParaRPr lang="en-US"/>
           </a:p>
         </p:txBody>
       </p:sp>
@@ -9754,7 +9824,7 @@
           <a:p>
             <a:fld id="{699DC775-C286-4358-8C92-D7E584E969B3}" type="datetimeFigureOut">
               <a:rPr lang="en-US" smtClean="0"/>
-              <a:t>1/23/2017</a:t>
+              <a:t>25-Jun-15</a:t>
             </a:fld>
             <a:endParaRPr lang="en-US"/>
           </a:p>
@@ -10156,7 +10226,7 @@
           <a:p>
             <a:pPr algn="ctr"/>
             <a:r>
-              <a:rPr lang="en-US" b="1">
+              <a:rPr lang="en-US" b="1" smtClean="0">
                 <a:solidFill>
                   <a:srgbClr val="FFFF00"/>
                 </a:solidFill>
@@ -10167,13 +10237,18 @@
           <a:p>
             <a:pPr algn="ctr"/>
             <a:r>
-              <a:rPr lang="en-US">
+              <a:rPr lang="en-US" smtClean="0">
                 <a:solidFill>
                   <a:srgbClr val="FFFFFF"/>
                 </a:solidFill>
               </a:rPr>
               <a:t>Adjust the design of this slide and click the 'Sync Agenda' (in Agenda Lab) to replicate the design in the other slides.</a:t>
             </a:r>
+            <a:endParaRPr lang="en-US">
+              <a:solidFill>
+                <a:srgbClr val="FFFFFF"/>
+              </a:solidFill>
+            </a:endParaRPr>
           </a:p>
         </p:txBody>
       </p:sp>
@@ -10193,9 +10268,10 @@
           <a:lstStyle/>
           <a:p>
             <a:r>
-              <a:rPr lang="en-US"/>
+              <a:rPr lang="en-US" smtClean="0"/>
               <a:t>Agenda</a:t>
             </a:r>
+            <a:endParaRPr lang="en-US"/>
           </a:p>
         </p:txBody>
       </p:sp>
@@ -10529,6 +10605,14 @@
   <p:clrMapOvr>
     <a:masterClrMapping/>
   </p:clrMapOvr>
+  <mc:AlternateContent xmlns:mc="http://schemas.openxmlformats.org/markup-compatibility/2006" xmlns:p14="http://schemas.microsoft.com/office/powerpoint/2010/main">
+    <mc:Choice Requires="p14">
+      <p:transition spd="slow" p14:dur="2000"/>
+    </mc:Choice>
+    <mc:Fallback xmlns="">
+      <p:transition spd="slow"/>
+    </mc:Fallback>
+  </mc:AlternateContent>
   <p:timing>
     <p:tnLst>
       <p:par>
@@ -10668,6 +10752,13 @@
   <p:clrMapOvr>
     <a:masterClrMapping/>
   </p:clrMapOvr>
+  <p:timing>
+    <p:tnLst>
+      <p:par>
+        <p:cTn id="1" dur="indefinite" restart="never" nodeType="tmRoot"/>
+      </p:par>
+    </p:tnLst>
+  </p:timing>
 </p:sld>
 </file>
 
@@ -12403,9 +12494,10 @@
           </a:lstStyle>
           <a:p>
             <a:r>
-              <a:rPr lang="en-US" dirty="0"/>
+              <a:rPr lang="en-US" dirty="0" smtClean="0"/>
               <a:t>Pattern</a:t>
             </a:r>
+            <a:endParaRPr lang="en-US" dirty="0"/>
           </a:p>
         </p:txBody>
       </p:sp>
@@ -12431,6 +12523,13 @@
       </p:transition>
     </mc:Fallback>
   </mc:AlternateContent>
+  <p:timing>
+    <p:tnLst>
+      <p:par>
+        <p:cTn id="1" dur="indefinite" restart="never" nodeType="tmRoot"/>
+      </p:par>
+    </p:tnLst>
+  </p:timing>
 </p:sld>
 </file>
 
@@ -12461,6 +12560,13 @@
   <p:clrMapOvr>
     <a:masterClrMapping/>
   </p:clrMapOvr>
+  <p:timing>
+    <p:tnLst>
+      <p:par>
+        <p:cTn id="1" dur="indefinite" restart="never" nodeType="tmRoot"/>
+      </p:par>
+    </p:tnLst>
+  </p:timing>
 </p:sld>
 </file>
 
@@ -14112,7 +14218,7 @@
           <a:lstStyle/>
           <a:p>
             <a:r>
-              <a:rPr lang="en-US" sz="6000" dirty="0"/>
+              <a:rPr lang="en-US" sz="6000" dirty="0" smtClean="0"/>
               <a:t>Test Image</a:t>
             </a:r>
             <a:endParaRPr lang="en-SG" sz="6000" dirty="0"/>
@@ -14141,6 +14247,13 @@
       </p:transition>
     </mc:Fallback>
   </mc:AlternateContent>
+  <p:timing>
+    <p:tnLst>
+      <p:par>
+        <p:cTn id="1" dur="indefinite" restart="never" nodeType="tmRoot"/>
+      </p:par>
+    </p:tnLst>
+  </p:timing>
 </p:sld>
 </file>
 
@@ -14179,7 +14292,7 @@
           <a:lstStyle/>
           <a:p>
             <a:r>
-              <a:rPr lang="en-US" sz="5400" b="1" dirty="0" err="1">
+              <a:rPr lang="en-US" sz="5400" b="1" dirty="0" err="1" smtClean="0">
                 <a:solidFill>
                   <a:schemeClr val="accent6">
                     <a:lumMod val="75000"/>
@@ -14189,7 +14302,7 @@
               <a:t>PowerPointLabs</a:t>
             </a:r>
             <a:r>
-              <a:rPr lang="en-US" sz="5400" b="1" dirty="0">
+              <a:rPr lang="en-US" sz="5400" b="1" dirty="0" smtClean="0">
                 <a:solidFill>
                   <a:schemeClr val="accent6">
                     <a:lumMod val="75000"/>
@@ -14227,7 +14340,7 @@
               <a:buNone/>
             </a:pPr>
             <a:r>
-              <a:rPr lang="en-US" b="1" dirty="0">
+              <a:rPr lang="en-US" b="1" dirty="0" smtClean="0">
                 <a:solidFill>
                   <a:srgbClr val="0070C0"/>
                 </a:solidFill>
@@ -14238,21 +14351,34 @@
           <a:p>
             <a:pPr marL="285750" indent="-285750"/>
             <a:r>
+              <a:rPr lang="en-US" b="1" dirty="0" smtClean="0">
+                <a:solidFill>
+                  <a:srgbClr val="0070C0"/>
+                </a:solidFill>
+              </a:rPr>
+              <a:t>DO </a:t>
+            </a:r>
+            <a:r>
               <a:rPr lang="en-US" b="1" dirty="0">
                 <a:solidFill>
                   <a:srgbClr val="0070C0"/>
                 </a:solidFill>
               </a:rPr>
-              <a:t>DO NOT SAVE </a:t>
-            </a:r>
-            <a:r>
-              <a:rPr lang="en-US" dirty="0">
+              <a:t>NOT SAVE </a:t>
+            </a:r>
+            <a:r>
+              <a:rPr lang="en-US" dirty="0" smtClean="0">
                 <a:solidFill>
                   <a:srgbClr val="0070C0"/>
                 </a:solidFill>
               </a:rPr>
               <a:t>these slides after testing. Keep this file in its original form.</a:t>
             </a:r>
+            <a:endParaRPr lang="en-US" dirty="0">
+              <a:solidFill>
+                <a:srgbClr val="0070C0"/>
+              </a:solidFill>
+            </a:endParaRPr>
           </a:p>
           <a:p>
             <a:pPr marL="285750" indent="-285750"/>
@@ -14262,7 +14388,47 @@
                   <a:srgbClr val="0070C0"/>
                 </a:solidFill>
               </a:rPr>
-              <a:t>If your result is different from the expected output, please submit a bug report (attach slides/screenshots as necessary).</a:t>
+              <a:t>If </a:t>
+            </a:r>
+            <a:r>
+              <a:rPr lang="en-US" dirty="0" smtClean="0">
+                <a:solidFill>
+                  <a:srgbClr val="0070C0"/>
+                </a:solidFill>
+              </a:rPr>
+              <a:t>your </a:t>
+            </a:r>
+            <a:r>
+              <a:rPr lang="en-US" dirty="0">
+                <a:solidFill>
+                  <a:srgbClr val="0070C0"/>
+                </a:solidFill>
+              </a:rPr>
+              <a:t>result </a:t>
+            </a:r>
+            <a:r>
+              <a:rPr lang="en-US" dirty="0" smtClean="0">
+                <a:solidFill>
+                  <a:srgbClr val="0070C0"/>
+                </a:solidFill>
+              </a:rPr>
+              <a:t>is different from the </a:t>
+            </a:r>
+            <a:r>
+              <a:rPr lang="en-US" dirty="0">
+                <a:solidFill>
+                  <a:srgbClr val="0070C0"/>
+                </a:solidFill>
+              </a:rPr>
+              <a:t>expected output, </a:t>
+            </a:r>
+            <a:r>
+              <a:rPr lang="en-US" dirty="0" smtClean="0">
+                <a:solidFill>
+                  <a:srgbClr val="0070C0"/>
+                </a:solidFill>
+              </a:rPr>
+              <a:t>please submit a bug report (attach slides/screenshots as necessary).</a:t>
             </a:r>
             <a:endParaRPr lang="en-SG" dirty="0">
               <a:solidFill>
@@ -14285,6 +14451,13 @@
   <p:clrMapOvr>
     <a:masterClrMapping/>
   </p:clrMapOvr>
+  <p:timing>
+    <p:tnLst>
+      <p:par>
+        <p:cTn id="1" dur="indefinite" restart="never" nodeType="tmRoot"/>
+      </p:par>
+    </p:tnLst>
+  </p:timing>
 </p:sld>
 </file>
 
@@ -14328,7 +14501,7 @@
           <a:lstStyle/>
           <a:p>
             <a:r>
-              <a:rPr lang="en-US" sz="6000" dirty="0"/>
+              <a:rPr lang="en-US" sz="6000" dirty="0" smtClean="0"/>
               <a:t>A long section</a:t>
             </a:r>
             <a:endParaRPr lang="en-SG" sz="6000" dirty="0"/>
@@ -14345,6 +14518,13 @@
   <p:clrMapOvr>
     <a:masterClrMapping/>
   </p:clrMapOvr>
+  <p:timing>
+    <p:tnLst>
+      <p:par>
+        <p:cTn id="1" dur="indefinite" restart="never" nodeType="tmRoot"/>
+      </p:par>
+    </p:tnLst>
+  </p:timing>
 </p:sld>
 </file>
 
@@ -14383,6 +14563,13 @@
   <p:clrMapOvr>
     <a:masterClrMapping/>
   </p:clrMapOvr>
+  <p:timing>
+    <p:tnLst>
+      <p:par>
+        <p:cTn id="1" dur="indefinite" restart="never" nodeType="tmRoot"/>
+      </p:par>
+    </p:tnLst>
+  </p:timing>
 </p:sld>
 </file>
 
@@ -14422,6 +14609,13 @@
   <p:clrMapOvr>
     <a:masterClrMapping/>
   </p:clrMapOvr>
+  <p:timing>
+    <p:tnLst>
+      <p:par>
+        <p:cTn id="1" dur="indefinite" restart="never" nodeType="tmRoot"/>
+      </p:par>
+    </p:tnLst>
+  </p:timing>
 </p:sld>
 </file>
 
@@ -14452,6 +14646,13 @@
   <p:clrMapOvr>
     <a:masterClrMapping/>
   </p:clrMapOvr>
+  <p:timing>
+    <p:tnLst>
+      <p:par>
+        <p:cTn id="1" dur="indefinite" restart="never" nodeType="tmRoot"/>
+      </p:par>
+    </p:tnLst>
+  </p:timing>
 </p:sld>
 </file>
 
@@ -16080,6 +16281,13 @@
       </p:transition>
     </mc:Fallback>
   </mc:AlternateContent>
+  <p:timing>
+    <p:tnLst>
+      <p:par>
+        <p:cTn id="1" dur="indefinite" restart="never" nodeType="tmRoot"/>
+      </p:par>
+    </p:tnLst>
+  </p:timing>
 </p:sld>
 </file>
 
@@ -17705,7 +17913,7 @@
         <p:nvPicPr>
           <p:cNvPr id="2" name="Picture 1"/>
           <p:cNvPicPr>
-            <a:picLocks noChangeAspect="1"/>
+            <a:picLocks/>
           </p:cNvPicPr>
           <p:nvPr/>
         </p:nvPicPr>
@@ -17723,8 +17931,8 @@
         </p:blipFill>
         <p:spPr>
           <a:xfrm>
-            <a:off x="0" y="1029202"/>
-            <a:ext cx="9144000" cy="4799596"/>
+            <a:off x="649224" y="992124"/>
+            <a:ext cx="7845552" cy="4873752"/>
           </a:xfrm>
           <a:prstGeom prst="rect">
             <a:avLst/>
@@ -17734,13 +17942,21 @@
     </p:spTree>
     <p:extLst>
       <p:ext uri="{BB962C8B-B14F-4D97-AF65-F5344CB8AC3E}">
-        <p14:creationId xmlns:p14="http://schemas.microsoft.com/office/powerpoint/2010/main" val="1886005230"/>
+        <p14:creationId xmlns:p14="http://schemas.microsoft.com/office/powerpoint/2010/main" val="1896475975"/>
       </p:ext>
     </p:extLst>
   </p:cSld>
   <p:clrMapOvr>
     <a:masterClrMapping/>
   </p:clrMapOvr>
+  <mc:AlternateContent xmlns:mc="http://schemas.openxmlformats.org/markup-compatibility/2006" xmlns:p14="http://schemas.microsoft.com/office/powerpoint/2010/main">
+    <mc:Choice Requires="p14">
+      <p:transition spd="slow" p14:dur="2000"/>
+    </mc:Choice>
+    <mc:Fallback xmlns="">
+      <p:transition spd="slow"/>
+    </mc:Fallback>
+  </mc:AlternateContent>
 </p:sld>
 </file>
 
@@ -18312,7 +18528,7 @@
           <a:p>
             <a:pPr algn="l"/>
             <a:r>
-              <a:rPr lang="en-US" sz="7200" dirty="0">
+              <a:rPr lang="en-US" sz="7200" dirty="0" smtClean="0">
                 <a:solidFill>
                   <a:schemeClr val="bg1"/>
                 </a:solidFill>
@@ -18350,7 +18566,7 @@
           <a:lstStyle/>
           <a:p>
             <a:r>
-              <a:rPr lang="en-US" sz="2400" b="1" dirty="0">
+              <a:rPr lang="en-US" sz="2400" b="1" dirty="0" smtClean="0">
                 <a:solidFill>
                   <a:schemeClr val="bg1"/>
                 </a:solidFill>
@@ -18364,7 +18580,7 @@
               <a:buChar char="•"/>
             </a:pPr>
             <a:r>
-              <a:rPr lang="en-US" sz="2400" dirty="0">
+              <a:rPr lang="en-US" sz="2400" dirty="0" smtClean="0">
                 <a:solidFill>
                   <a:schemeClr val="bg1"/>
                 </a:solidFill>
@@ -18396,6 +18612,13 @@
       </p:transition>
     </mc:Fallback>
   </mc:AlternateContent>
+  <p:timing>
+    <p:tnLst>
+      <p:par>
+        <p:cTn id="1" dur="indefinite" restart="never" nodeType="tmRoot"/>
+      </p:par>
+    </p:tnLst>
+  </p:timing>
 </p:sld>
 </file>
 
@@ -20076,7 +20299,7 @@
           <a:lstStyle/>
           <a:p>
             <a:r>
-              <a:rPr lang="en-US" sz="6000" dirty="0"/>
+              <a:rPr lang="en-US" sz="6000" dirty="0" smtClean="0"/>
               <a:t>Test Image</a:t>
             </a:r>
             <a:endParaRPr lang="en-SG" sz="6000" dirty="0"/>
@@ -20105,6 +20328,13 @@
       </p:transition>
     </mc:Fallback>
   </mc:AlternateContent>
+  <p:timing>
+    <p:tnLst>
+      <p:par>
+        <p:cTn id="1" dur="indefinite" restart="never" nodeType="tmRoot"/>
+      </p:par>
+    </p:tnLst>
+  </p:timing>
 </p:sld>
 </file>
 
